--- a/01-documentation/05-booksearch-presentation.pptx
+++ b/01-documentation/05-booksearch-presentation.pptx
@@ -5,34 +5,38 @@
     <p:sldMasterId id="2147483786" r:id="rId1"/>
   </p:sldMasterIdLst>
   <p:notesMasterIdLst>
-    <p:notesMasterId r:id="rId27"/>
+    <p:notesMasterId r:id="rId31"/>
   </p:notesMasterIdLst>
   <p:sldIdLst>
     <p:sldId id="262" r:id="rId2"/>
-    <p:sldId id="291" r:id="rId3"/>
-    <p:sldId id="268" r:id="rId4"/>
-    <p:sldId id="292" r:id="rId5"/>
-    <p:sldId id="293" r:id="rId6"/>
-    <p:sldId id="274" r:id="rId7"/>
-    <p:sldId id="286" r:id="rId8"/>
-    <p:sldId id="287" r:id="rId9"/>
-    <p:sldId id="288" r:id="rId10"/>
-    <p:sldId id="294" r:id="rId11"/>
-    <p:sldId id="296" r:id="rId12"/>
-    <p:sldId id="297" r:id="rId13"/>
-    <p:sldId id="298" r:id="rId14"/>
-    <p:sldId id="299" r:id="rId15"/>
-    <p:sldId id="301" r:id="rId16"/>
-    <p:sldId id="302" r:id="rId17"/>
-    <p:sldId id="305" r:id="rId18"/>
-    <p:sldId id="306" r:id="rId19"/>
-    <p:sldId id="307" r:id="rId20"/>
-    <p:sldId id="308" r:id="rId21"/>
-    <p:sldId id="310" r:id="rId22"/>
-    <p:sldId id="309" r:id="rId23"/>
-    <p:sldId id="311" r:id="rId24"/>
-    <p:sldId id="312" r:id="rId25"/>
-    <p:sldId id="304" r:id="rId26"/>
+    <p:sldId id="315" r:id="rId3"/>
+    <p:sldId id="291" r:id="rId4"/>
+    <p:sldId id="316" r:id="rId5"/>
+    <p:sldId id="268" r:id="rId6"/>
+    <p:sldId id="292" r:id="rId7"/>
+    <p:sldId id="293" r:id="rId8"/>
+    <p:sldId id="286" r:id="rId9"/>
+    <p:sldId id="274" r:id="rId10"/>
+    <p:sldId id="314" r:id="rId11"/>
+    <p:sldId id="313" r:id="rId12"/>
+    <p:sldId id="288" r:id="rId13"/>
+    <p:sldId id="294" r:id="rId14"/>
+    <p:sldId id="296" r:id="rId15"/>
+    <p:sldId id="297" r:id="rId16"/>
+    <p:sldId id="298" r:id="rId17"/>
+    <p:sldId id="299" r:id="rId18"/>
+    <p:sldId id="301" r:id="rId19"/>
+    <p:sldId id="302" r:id="rId20"/>
+    <p:sldId id="305" r:id="rId21"/>
+    <p:sldId id="306" r:id="rId22"/>
+    <p:sldId id="307" r:id="rId23"/>
+    <p:sldId id="308" r:id="rId24"/>
+    <p:sldId id="311" r:id="rId25"/>
+    <p:sldId id="312" r:id="rId26"/>
+    <p:sldId id="304" r:id="rId27"/>
+    <p:sldId id="287" r:id="rId28"/>
+    <p:sldId id="310" r:id="rId29"/>
+    <p:sldId id="309" r:id="rId30"/>
   </p:sldIdLst>
   <p:sldSz cx="12192000" cy="6858000"/>
   <p:notesSz cx="6858000" cy="9144000"/>
@@ -221,7 +225,7 @@
           <a:p>
             <a:fld id="{177EDC67-45CA-4858-80B2-EBE24FDEE160}" type="datetimeFigureOut">
               <a:rPr lang="en-US" smtClean="0"/>
-              <a:t>4/12/2023</a:t>
+              <a:t>4/13/23</a:t>
             </a:fld>
             <a:endParaRPr lang="en-US"/>
           </a:p>
@@ -545,7 +549,7 @@
           <a:noFill/>
           <a:extLst>
             <a:ext uri="{909E8E84-426E-40dd-AFC4-6F175D3DCCD1}">
-              <a14:hiddenFill xmlns="" xmlns:a14="http://schemas.microsoft.com/office/drawing/2010/main">
+              <a14:hiddenFill xmlns:a14="http://schemas.microsoft.com/office/drawing/2010/main" xmlns="">
                 <a:solidFill>
                   <a:srgbClr val="FFFFFF"/>
                 </a:solidFill>
@@ -604,7 +608,7 @@
             </a:ln>
             <a:extLst>
               <a:ext uri="{91240B29-F687-4f45-9708-019B960494DF}">
-                <a14:hiddenLine xmlns="" xmlns:a14="http://schemas.microsoft.com/office/drawing/2010/main" w="9525">
+                <a14:hiddenLine xmlns:a14="http://schemas.microsoft.com/office/drawing/2010/main" xmlns="" w="9525">
                   <a:solidFill>
                     <a:srgbClr val="000000"/>
                   </a:solidFill>
@@ -694,7 +698,7 @@
             </a:ln>
             <a:extLst>
               <a:ext uri="{91240B29-F687-4f45-9708-019B960494DF}">
-                <a14:hiddenLine xmlns="" xmlns:a14="http://schemas.microsoft.com/office/drawing/2010/main" w="9525">
+                <a14:hiddenLine xmlns:a14="http://schemas.microsoft.com/office/drawing/2010/main" xmlns="" w="9525">
                   <a:solidFill>
                     <a:srgbClr val="000000"/>
                   </a:solidFill>
@@ -784,7 +788,7 @@
             </a:ln>
             <a:extLst>
               <a:ext uri="{91240B29-F687-4f45-9708-019B960494DF}">
-                <a14:hiddenLine xmlns="" xmlns:a14="http://schemas.microsoft.com/office/drawing/2010/main" w="9525">
+                <a14:hiddenLine xmlns:a14="http://schemas.microsoft.com/office/drawing/2010/main" xmlns="" w="9525">
                   <a:solidFill>
                     <a:srgbClr val="000000"/>
                   </a:solidFill>
@@ -818,7 +822,7 @@
             </a:ln>
             <a:extLst>
               <a:ext uri="{91240B29-F687-4f45-9708-019B960494DF}">
-                <a14:hiddenLine xmlns="" xmlns:a14="http://schemas.microsoft.com/office/drawing/2010/main" w="9525">
+                <a14:hiddenLine xmlns:a14="http://schemas.microsoft.com/office/drawing/2010/main" xmlns="" w="9525">
                   <a:solidFill>
                     <a:srgbClr val="000000"/>
                   </a:solidFill>
@@ -908,7 +912,7 @@
             </a:ln>
             <a:extLst>
               <a:ext uri="{91240B29-F687-4f45-9708-019B960494DF}">
-                <a14:hiddenLine xmlns="" xmlns:a14="http://schemas.microsoft.com/office/drawing/2010/main" w="9525">
+                <a14:hiddenLine xmlns:a14="http://schemas.microsoft.com/office/drawing/2010/main" xmlns="" w="9525">
                   <a:solidFill>
                     <a:srgbClr val="000000"/>
                   </a:solidFill>
@@ -970,7 +974,7 @@
             </a:ln>
             <a:extLst>
               <a:ext uri="{91240B29-F687-4f45-9708-019B960494DF}">
-                <a14:hiddenLine xmlns="" xmlns:a14="http://schemas.microsoft.com/office/drawing/2010/main" w="9525">
+                <a14:hiddenLine xmlns:a14="http://schemas.microsoft.com/office/drawing/2010/main" xmlns="" w="9525">
                   <a:solidFill>
                     <a:srgbClr val="000000"/>
                   </a:solidFill>
@@ -1032,7 +1036,7 @@
             </a:ln>
             <a:extLst>
               <a:ext uri="{91240B29-F687-4f45-9708-019B960494DF}">
-                <a14:hiddenLine xmlns="" xmlns:a14="http://schemas.microsoft.com/office/drawing/2010/main" w="9525">
+                <a14:hiddenLine xmlns:a14="http://schemas.microsoft.com/office/drawing/2010/main" xmlns="" w="9525">
                   <a:solidFill>
                     <a:srgbClr val="000000"/>
                   </a:solidFill>
@@ -1122,7 +1126,7 @@
             </a:ln>
             <a:extLst>
               <a:ext uri="{91240B29-F687-4f45-9708-019B960494DF}">
-                <a14:hiddenLine xmlns="" xmlns:a14="http://schemas.microsoft.com/office/drawing/2010/main" w="9525">
+                <a14:hiddenLine xmlns:a14="http://schemas.microsoft.com/office/drawing/2010/main" xmlns="" w="9525">
                   <a:solidFill>
                     <a:srgbClr val="000000"/>
                   </a:solidFill>
@@ -1184,7 +1188,7 @@
             </a:ln>
             <a:extLst>
               <a:ext uri="{91240B29-F687-4f45-9708-019B960494DF}">
-                <a14:hiddenLine xmlns="" xmlns:a14="http://schemas.microsoft.com/office/drawing/2010/main" w="9525">
+                <a14:hiddenLine xmlns:a14="http://schemas.microsoft.com/office/drawing/2010/main" xmlns="" w="9525">
                   <a:solidFill>
                     <a:srgbClr val="000000"/>
                   </a:solidFill>
@@ -1246,7 +1250,7 @@
             </a:ln>
             <a:extLst>
               <a:ext uri="{91240B29-F687-4f45-9708-019B960494DF}">
-                <a14:hiddenLine xmlns="" xmlns:a14="http://schemas.microsoft.com/office/drawing/2010/main" w="9525">
+                <a14:hiddenLine xmlns:a14="http://schemas.microsoft.com/office/drawing/2010/main" xmlns="" w="9525">
                   <a:solidFill>
                     <a:srgbClr val="000000"/>
                   </a:solidFill>
@@ -1336,7 +1340,7 @@
             </a:ln>
             <a:extLst>
               <a:ext uri="{91240B29-F687-4f45-9708-019B960494DF}">
-                <a14:hiddenLine xmlns="" xmlns:a14="http://schemas.microsoft.com/office/drawing/2010/main" w="9525">
+                <a14:hiddenLine xmlns:a14="http://schemas.microsoft.com/office/drawing/2010/main" xmlns="" w="9525">
                   <a:solidFill>
                     <a:srgbClr val="000000"/>
                   </a:solidFill>
@@ -1426,7 +1430,7 @@
             </a:ln>
             <a:extLst>
               <a:ext uri="{91240B29-F687-4f45-9708-019B960494DF}">
-                <a14:hiddenLine xmlns="" xmlns:a14="http://schemas.microsoft.com/office/drawing/2010/main" w="9525">
+                <a14:hiddenLine xmlns:a14="http://schemas.microsoft.com/office/drawing/2010/main" xmlns="" w="9525">
                   <a:solidFill>
                     <a:srgbClr val="000000"/>
                   </a:solidFill>
@@ -1488,7 +1492,7 @@
             </a:ln>
             <a:extLst>
               <a:ext uri="{91240B29-F687-4f45-9708-019B960494DF}">
-                <a14:hiddenLine xmlns="" xmlns:a14="http://schemas.microsoft.com/office/drawing/2010/main" w="9525">
+                <a14:hiddenLine xmlns:a14="http://schemas.microsoft.com/office/drawing/2010/main" xmlns="" w="9525">
                   <a:solidFill>
                     <a:srgbClr val="000000"/>
                   </a:solidFill>
@@ -1598,7 +1602,7 @@
             </a:ln>
             <a:extLst>
               <a:ext uri="{91240B29-F687-4f45-9708-019B960494DF}">
-                <a14:hiddenLine xmlns="" xmlns:a14="http://schemas.microsoft.com/office/drawing/2010/main" w="9525">
+                <a14:hiddenLine xmlns:a14="http://schemas.microsoft.com/office/drawing/2010/main" xmlns="" w="9525">
                   <a:solidFill>
                     <a:srgbClr val="000000"/>
                   </a:solidFill>
@@ -1660,7 +1664,7 @@
             </a:ln>
             <a:extLst>
               <a:ext uri="{91240B29-F687-4f45-9708-019B960494DF}">
-                <a14:hiddenLine xmlns="" xmlns:a14="http://schemas.microsoft.com/office/drawing/2010/main" w="9525">
+                <a14:hiddenLine xmlns:a14="http://schemas.microsoft.com/office/drawing/2010/main" xmlns="" w="9525">
                   <a:solidFill>
                     <a:srgbClr val="000000"/>
                   </a:solidFill>
@@ -1750,7 +1754,7 @@
             </a:ln>
             <a:extLst>
               <a:ext uri="{91240B29-F687-4f45-9708-019B960494DF}">
-                <a14:hiddenLine xmlns="" xmlns:a14="http://schemas.microsoft.com/office/drawing/2010/main" w="9525">
+                <a14:hiddenLine xmlns:a14="http://schemas.microsoft.com/office/drawing/2010/main" xmlns="" w="9525">
                   <a:solidFill>
                     <a:srgbClr val="000000"/>
                   </a:solidFill>
@@ -1840,7 +1844,7 @@
             </a:ln>
             <a:extLst>
               <a:ext uri="{91240B29-F687-4f45-9708-019B960494DF}">
-                <a14:hiddenLine xmlns="" xmlns:a14="http://schemas.microsoft.com/office/drawing/2010/main" w="9525">
+                <a14:hiddenLine xmlns:a14="http://schemas.microsoft.com/office/drawing/2010/main" xmlns="" w="9525">
                   <a:solidFill>
                     <a:srgbClr val="000000"/>
                   </a:solidFill>
@@ -1902,7 +1906,7 @@
             </a:ln>
             <a:extLst>
               <a:ext uri="{91240B29-F687-4f45-9708-019B960494DF}">
-                <a14:hiddenLine xmlns="" xmlns:a14="http://schemas.microsoft.com/office/drawing/2010/main" w="9525">
+                <a14:hiddenLine xmlns:a14="http://schemas.microsoft.com/office/drawing/2010/main" xmlns="" w="9525">
                   <a:solidFill>
                     <a:srgbClr val="000000"/>
                   </a:solidFill>
@@ -1992,7 +1996,7 @@
             </a:ln>
             <a:extLst>
               <a:ext uri="{91240B29-F687-4f45-9708-019B960494DF}">
-                <a14:hiddenLine xmlns="" xmlns:a14="http://schemas.microsoft.com/office/drawing/2010/main" w="9525">
+                <a14:hiddenLine xmlns:a14="http://schemas.microsoft.com/office/drawing/2010/main" xmlns="" w="9525">
                   <a:solidFill>
                     <a:srgbClr val="000000"/>
                   </a:solidFill>
@@ -2082,7 +2086,7 @@
             </a:ln>
             <a:extLst>
               <a:ext uri="{91240B29-F687-4f45-9708-019B960494DF}">
-                <a14:hiddenLine xmlns="" xmlns:a14="http://schemas.microsoft.com/office/drawing/2010/main" w="9525">
+                <a14:hiddenLine xmlns:a14="http://schemas.microsoft.com/office/drawing/2010/main" xmlns="" w="9525">
                   <a:solidFill>
                     <a:srgbClr val="000000"/>
                   </a:solidFill>
@@ -2138,7 +2142,7 @@
             </a:ln>
             <a:extLst>
               <a:ext uri="{91240B29-F687-4f45-9708-019B960494DF}">
-                <a14:hiddenLine xmlns="" xmlns:a14="http://schemas.microsoft.com/office/drawing/2010/main" w="9525">
+                <a14:hiddenLine xmlns:a14="http://schemas.microsoft.com/office/drawing/2010/main" xmlns="" w="9525">
                   <a:solidFill>
                     <a:srgbClr val="000000"/>
                   </a:solidFill>
@@ -2228,7 +2232,7 @@
             </a:ln>
             <a:extLst>
               <a:ext uri="{91240B29-F687-4f45-9708-019B960494DF}">
-                <a14:hiddenLine xmlns="" xmlns:a14="http://schemas.microsoft.com/office/drawing/2010/main" w="9525">
+                <a14:hiddenLine xmlns:a14="http://schemas.microsoft.com/office/drawing/2010/main" xmlns="" w="9525">
                   <a:solidFill>
                     <a:srgbClr val="000000"/>
                   </a:solidFill>
@@ -2284,7 +2288,7 @@
             </a:ln>
             <a:extLst>
               <a:ext uri="{91240B29-F687-4f45-9708-019B960494DF}">
-                <a14:hiddenLine xmlns="" xmlns:a14="http://schemas.microsoft.com/office/drawing/2010/main" w="9525">
+                <a14:hiddenLine xmlns:a14="http://schemas.microsoft.com/office/drawing/2010/main" xmlns="" w="9525">
                   <a:solidFill>
                     <a:srgbClr val="000000"/>
                   </a:solidFill>
@@ -2374,7 +2378,7 @@
             </a:ln>
             <a:extLst>
               <a:ext uri="{91240B29-F687-4f45-9708-019B960494DF}">
-                <a14:hiddenLine xmlns="" xmlns:a14="http://schemas.microsoft.com/office/drawing/2010/main" w="9525">
+                <a14:hiddenLine xmlns:a14="http://schemas.microsoft.com/office/drawing/2010/main" xmlns="" w="9525">
                   <a:solidFill>
                     <a:srgbClr val="000000"/>
                   </a:solidFill>
@@ -2442,7 +2446,7 @@
             </a:ln>
             <a:extLst>
               <a:ext uri="{91240B29-F687-4f45-9708-019B960494DF}">
-                <a14:hiddenLine xmlns="" xmlns:a14="http://schemas.microsoft.com/office/drawing/2010/main" w="9525">
+                <a14:hiddenLine xmlns:a14="http://schemas.microsoft.com/office/drawing/2010/main" xmlns="" w="9525">
                   <a:solidFill>
                     <a:srgbClr val="000000"/>
                   </a:solidFill>
@@ -2532,7 +2536,7 @@
             </a:ln>
             <a:extLst>
               <a:ext uri="{91240B29-F687-4f45-9708-019B960494DF}">
-                <a14:hiddenLine xmlns="" xmlns:a14="http://schemas.microsoft.com/office/drawing/2010/main" w="9525">
+                <a14:hiddenLine xmlns:a14="http://schemas.microsoft.com/office/drawing/2010/main" xmlns="" w="9525">
                   <a:solidFill>
                     <a:srgbClr val="000000"/>
                   </a:solidFill>
@@ -2600,7 +2604,7 @@
             </a:ln>
             <a:extLst>
               <a:ext uri="{91240B29-F687-4f45-9708-019B960494DF}">
-                <a14:hiddenLine xmlns="" xmlns:a14="http://schemas.microsoft.com/office/drawing/2010/main" w="9525">
+                <a14:hiddenLine xmlns:a14="http://schemas.microsoft.com/office/drawing/2010/main" xmlns="" w="9525">
                   <a:solidFill>
                     <a:srgbClr val="000000"/>
                   </a:solidFill>
@@ -2690,7 +2694,7 @@
             </a:ln>
             <a:extLst>
               <a:ext uri="{91240B29-F687-4f45-9708-019B960494DF}">
-                <a14:hiddenLine xmlns="" xmlns:a14="http://schemas.microsoft.com/office/drawing/2010/main" w="9525">
+                <a14:hiddenLine xmlns:a14="http://schemas.microsoft.com/office/drawing/2010/main" xmlns="" w="9525">
                   <a:solidFill>
                     <a:srgbClr val="000000"/>
                   </a:solidFill>
@@ -2724,7 +2728,7 @@
             </a:ln>
             <a:extLst>
               <a:ext uri="{91240B29-F687-4f45-9708-019B960494DF}">
-                <a14:hiddenLine xmlns="" xmlns:a14="http://schemas.microsoft.com/office/drawing/2010/main" w="9525">
+                <a14:hiddenLine xmlns:a14="http://schemas.microsoft.com/office/drawing/2010/main" xmlns="" w="9525">
                   <a:solidFill>
                     <a:srgbClr val="000000"/>
                   </a:solidFill>
@@ -2814,7 +2818,7 @@
             </a:ln>
             <a:extLst>
               <a:ext uri="{91240B29-F687-4f45-9708-019B960494DF}">
-                <a14:hiddenLine xmlns="" xmlns:a14="http://schemas.microsoft.com/office/drawing/2010/main" w="9525">
+                <a14:hiddenLine xmlns:a14="http://schemas.microsoft.com/office/drawing/2010/main" xmlns="" w="9525">
                   <a:solidFill>
                     <a:srgbClr val="000000"/>
                   </a:solidFill>
@@ -2876,7 +2880,7 @@
             </a:ln>
             <a:extLst>
               <a:ext uri="{91240B29-F687-4f45-9708-019B960494DF}">
-                <a14:hiddenLine xmlns="" xmlns:a14="http://schemas.microsoft.com/office/drawing/2010/main" w="9525">
+                <a14:hiddenLine xmlns:a14="http://schemas.microsoft.com/office/drawing/2010/main" xmlns="" w="9525">
                   <a:solidFill>
                     <a:srgbClr val="000000"/>
                   </a:solidFill>
@@ -2938,7 +2942,7 @@
             </a:ln>
             <a:extLst>
               <a:ext uri="{91240B29-F687-4f45-9708-019B960494DF}">
-                <a14:hiddenLine xmlns="" xmlns:a14="http://schemas.microsoft.com/office/drawing/2010/main" w="9525">
+                <a14:hiddenLine xmlns:a14="http://schemas.microsoft.com/office/drawing/2010/main" xmlns="" w="9525">
                   <a:solidFill>
                     <a:srgbClr val="000000"/>
                   </a:solidFill>
@@ -3028,7 +3032,7 @@
             </a:ln>
             <a:extLst>
               <a:ext uri="{91240B29-F687-4f45-9708-019B960494DF}">
-                <a14:hiddenLine xmlns="" xmlns:a14="http://schemas.microsoft.com/office/drawing/2010/main" w="9525">
+                <a14:hiddenLine xmlns:a14="http://schemas.microsoft.com/office/drawing/2010/main" xmlns="" w="9525">
                   <a:solidFill>
                     <a:srgbClr val="000000"/>
                   </a:solidFill>
@@ -3096,7 +3100,7 @@
             </a:ln>
             <a:extLst>
               <a:ext uri="{91240B29-F687-4f45-9708-019B960494DF}">
-                <a14:hiddenLine xmlns="" xmlns:a14="http://schemas.microsoft.com/office/drawing/2010/main" w="9525">
+                <a14:hiddenLine xmlns:a14="http://schemas.microsoft.com/office/drawing/2010/main" xmlns="" w="9525">
                   <a:solidFill>
                     <a:srgbClr val="000000"/>
                   </a:solidFill>
@@ -3158,7 +3162,7 @@
             </a:ln>
             <a:extLst>
               <a:ext uri="{91240B29-F687-4f45-9708-019B960494DF}">
-                <a14:hiddenLine xmlns="" xmlns:a14="http://schemas.microsoft.com/office/drawing/2010/main" w="9525">
+                <a14:hiddenLine xmlns:a14="http://schemas.microsoft.com/office/drawing/2010/main" xmlns="" w="9525">
                   <a:solidFill>
                     <a:srgbClr val="000000"/>
                   </a:solidFill>
@@ -3248,7 +3252,7 @@
             </a:ln>
             <a:extLst>
               <a:ext uri="{91240B29-F687-4f45-9708-019B960494DF}">
-                <a14:hiddenLine xmlns="" xmlns:a14="http://schemas.microsoft.com/office/drawing/2010/main" w="9525">
+                <a14:hiddenLine xmlns:a14="http://schemas.microsoft.com/office/drawing/2010/main" xmlns="" w="9525">
                   <a:solidFill>
                     <a:srgbClr val="000000"/>
                   </a:solidFill>
@@ -3310,7 +3314,7 @@
             </a:ln>
             <a:extLst>
               <a:ext uri="{91240B29-F687-4f45-9708-019B960494DF}">
-                <a14:hiddenLine xmlns="" xmlns:a14="http://schemas.microsoft.com/office/drawing/2010/main" w="9525">
+                <a14:hiddenLine xmlns:a14="http://schemas.microsoft.com/office/drawing/2010/main" xmlns="" w="9525">
                   <a:solidFill>
                     <a:srgbClr val="000000"/>
                   </a:solidFill>
@@ -3400,7 +3404,7 @@
             </a:ln>
             <a:extLst>
               <a:ext uri="{91240B29-F687-4f45-9708-019B960494DF}">
-                <a14:hiddenLine xmlns="" xmlns:a14="http://schemas.microsoft.com/office/drawing/2010/main" w="9525">
+                <a14:hiddenLine xmlns:a14="http://schemas.microsoft.com/office/drawing/2010/main" xmlns="" w="9525">
                   <a:solidFill>
                     <a:srgbClr val="000000"/>
                   </a:solidFill>
@@ -3462,7 +3466,7 @@
             </a:ln>
             <a:extLst>
               <a:ext uri="{91240B29-F687-4f45-9708-019B960494DF}">
-                <a14:hiddenLine xmlns="" xmlns:a14="http://schemas.microsoft.com/office/drawing/2010/main" w="9525">
+                <a14:hiddenLine xmlns:a14="http://schemas.microsoft.com/office/drawing/2010/main" xmlns="" w="9525">
                   <a:solidFill>
                     <a:srgbClr val="000000"/>
                   </a:solidFill>
@@ -3552,7 +3556,7 @@
             </a:ln>
             <a:extLst>
               <a:ext uri="{91240B29-F687-4f45-9708-019B960494DF}">
-                <a14:hiddenLine xmlns="" xmlns:a14="http://schemas.microsoft.com/office/drawing/2010/main" w="9525">
+                <a14:hiddenLine xmlns:a14="http://schemas.microsoft.com/office/drawing/2010/main" xmlns="" w="9525">
                   <a:solidFill>
                     <a:srgbClr val="000000"/>
                   </a:solidFill>
@@ -3586,7 +3590,7 @@
             </a:ln>
             <a:extLst>
               <a:ext uri="{91240B29-F687-4f45-9708-019B960494DF}">
-                <a14:hiddenLine xmlns="" xmlns:a14="http://schemas.microsoft.com/office/drawing/2010/main" w="9525">
+                <a14:hiddenLine xmlns:a14="http://schemas.microsoft.com/office/drawing/2010/main" xmlns="" w="9525">
                   <a:solidFill>
                     <a:srgbClr val="000000"/>
                   </a:solidFill>
@@ -3651,7 +3655,7 @@
             </a:ln>
             <a:extLst>
               <a:ext uri="{91240B29-F687-4f45-9708-019B960494DF}">
-                <a14:hiddenLine xmlns="" xmlns:a14="http://schemas.microsoft.com/office/drawing/2010/main" w="9525">
+                <a14:hiddenLine xmlns:a14="http://schemas.microsoft.com/office/drawing/2010/main" xmlns="" w="9525">
                   <a:solidFill>
                     <a:srgbClr val="000000"/>
                   </a:solidFill>
@@ -3741,7 +3745,7 @@
             </a:ln>
             <a:extLst>
               <a:ext uri="{91240B29-F687-4f45-9708-019B960494DF}">
-                <a14:hiddenLine xmlns="" xmlns:a14="http://schemas.microsoft.com/office/drawing/2010/main" w="9525">
+                <a14:hiddenLine xmlns:a14="http://schemas.microsoft.com/office/drawing/2010/main" xmlns="" w="9525">
                   <a:solidFill>
                     <a:srgbClr val="000000"/>
                   </a:solidFill>
@@ -3803,7 +3807,7 @@
             </a:ln>
             <a:extLst>
               <a:ext uri="{91240B29-F687-4f45-9708-019B960494DF}">
-                <a14:hiddenLine xmlns="" xmlns:a14="http://schemas.microsoft.com/office/drawing/2010/main" w="9525">
+                <a14:hiddenLine xmlns:a14="http://schemas.microsoft.com/office/drawing/2010/main" xmlns="" w="9525">
                   <a:solidFill>
                     <a:srgbClr val="000000"/>
                   </a:solidFill>
@@ -3893,7 +3897,7 @@
             </a:ln>
             <a:extLst>
               <a:ext uri="{91240B29-F687-4f45-9708-019B960494DF}">
-                <a14:hiddenLine xmlns="" xmlns:a14="http://schemas.microsoft.com/office/drawing/2010/main" w="9525">
+                <a14:hiddenLine xmlns:a14="http://schemas.microsoft.com/office/drawing/2010/main" xmlns="" w="9525">
                   <a:solidFill>
                     <a:srgbClr val="000000"/>
                   </a:solidFill>
@@ -3983,7 +3987,7 @@
             </a:ln>
             <a:extLst>
               <a:ext uri="{91240B29-F687-4f45-9708-019B960494DF}">
-                <a14:hiddenLine xmlns="" xmlns:a14="http://schemas.microsoft.com/office/drawing/2010/main" w="9525">
+                <a14:hiddenLine xmlns:a14="http://schemas.microsoft.com/office/drawing/2010/main" xmlns="" w="9525">
                   <a:solidFill>
                     <a:srgbClr val="000000"/>
                   </a:solidFill>
@@ -4048,7 +4052,7 @@
             </a:ln>
             <a:extLst>
               <a:ext uri="{91240B29-F687-4f45-9708-019B960494DF}">
-                <a14:hiddenLine xmlns="" xmlns:a14="http://schemas.microsoft.com/office/drawing/2010/main" w="9525">
+                <a14:hiddenLine xmlns:a14="http://schemas.microsoft.com/office/drawing/2010/main" xmlns="" w="9525">
                   <a:solidFill>
                     <a:srgbClr val="000000"/>
                   </a:solidFill>
@@ -4110,7 +4114,7 @@
             </a:ln>
             <a:extLst>
               <a:ext uri="{91240B29-F687-4f45-9708-019B960494DF}">
-                <a14:hiddenLine xmlns="" xmlns:a14="http://schemas.microsoft.com/office/drawing/2010/main" w="9525">
+                <a14:hiddenLine xmlns:a14="http://schemas.microsoft.com/office/drawing/2010/main" xmlns="" w="9525">
                   <a:solidFill>
                     <a:srgbClr val="000000"/>
                   </a:solidFill>
@@ -4200,7 +4204,7 @@
             </a:ln>
             <a:extLst>
               <a:ext uri="{91240B29-F687-4f45-9708-019B960494DF}">
-                <a14:hiddenLine xmlns="" xmlns:a14="http://schemas.microsoft.com/office/drawing/2010/main" w="9525">
+                <a14:hiddenLine xmlns:a14="http://schemas.microsoft.com/office/drawing/2010/main" xmlns="" w="9525">
                   <a:solidFill>
                     <a:srgbClr val="000000"/>
                   </a:solidFill>
@@ -4290,7 +4294,7 @@
             </a:ln>
             <a:extLst>
               <a:ext uri="{91240B29-F687-4f45-9708-019B960494DF}">
-                <a14:hiddenLine xmlns="" xmlns:a14="http://schemas.microsoft.com/office/drawing/2010/main" w="9525">
+                <a14:hiddenLine xmlns:a14="http://schemas.microsoft.com/office/drawing/2010/main" xmlns="" w="9525">
                   <a:solidFill>
                     <a:srgbClr val="000000"/>
                   </a:solidFill>
@@ -4352,7 +4356,7 @@
             </a:ln>
             <a:extLst>
               <a:ext uri="{91240B29-F687-4f45-9708-019B960494DF}">
-                <a14:hiddenLine xmlns="" xmlns:a14="http://schemas.microsoft.com/office/drawing/2010/main" w="9525">
+                <a14:hiddenLine xmlns:a14="http://schemas.microsoft.com/office/drawing/2010/main" xmlns="" w="9525">
                   <a:solidFill>
                     <a:srgbClr val="000000"/>
                   </a:solidFill>
@@ -4472,7 +4476,7 @@
             </a:ln>
             <a:extLst>
               <a:ext uri="{91240B29-F687-4f45-9708-019B960494DF}">
-                <a14:hiddenLine xmlns="" xmlns:a14="http://schemas.microsoft.com/office/drawing/2010/main" w="9525">
+                <a14:hiddenLine xmlns:a14="http://schemas.microsoft.com/office/drawing/2010/main" xmlns="" w="9525">
                   <a:solidFill>
                     <a:srgbClr val="000000"/>
                   </a:solidFill>
@@ -4540,7 +4544,7 @@
             </a:ln>
             <a:extLst>
               <a:ext uri="{91240B29-F687-4f45-9708-019B960494DF}">
-                <a14:hiddenLine xmlns="" xmlns:a14="http://schemas.microsoft.com/office/drawing/2010/main" w="9525">
+                <a14:hiddenLine xmlns:a14="http://schemas.microsoft.com/office/drawing/2010/main" xmlns="" w="9525">
                   <a:solidFill>
                     <a:srgbClr val="000000"/>
                   </a:solidFill>
@@ -4630,7 +4634,7 @@
             </a:ln>
             <a:extLst>
               <a:ext uri="{91240B29-F687-4f45-9708-019B960494DF}">
-                <a14:hiddenLine xmlns="" xmlns:a14="http://schemas.microsoft.com/office/drawing/2010/main" w="9525">
+                <a14:hiddenLine xmlns:a14="http://schemas.microsoft.com/office/drawing/2010/main" xmlns="" w="9525">
                   <a:solidFill>
                     <a:srgbClr val="000000"/>
                   </a:solidFill>
@@ -4770,7 +4774,7 @@
           <a:p>
             <a:fld id="{F60ADE25-4E02-48E0-AFE9-3411F74CA5F8}" type="datetime1">
               <a:rPr lang="en-US" smtClean="0"/>
-              <a:t>4/12/2023</a:t>
+              <a:t>4/13/23</a:t>
             </a:fld>
             <a:endParaRPr lang="en-US"/>
           </a:p>
@@ -5037,7 +5041,7 @@
           <a:p>
             <a:fld id="{A37894F6-DAB0-483A-84FA-A27AC1C331C7}" type="datetime1">
               <a:rPr lang="en-US" smtClean="0"/>
-              <a:t>4/12/2023</a:t>
+              <a:t>4/13/23</a:t>
             </a:fld>
             <a:endParaRPr lang="en-US"/>
           </a:p>
@@ -5234,7 +5238,7 @@
           <a:p>
             <a:fld id="{A37894F6-DAB0-483A-84FA-A27AC1C331C7}" type="datetime1">
               <a:rPr lang="en-US" smtClean="0"/>
-              <a:t>4/12/2023</a:t>
+              <a:t>4/13/23</a:t>
             </a:fld>
             <a:endParaRPr lang="en-US"/>
           </a:p>
@@ -5498,7 +5502,7 @@
           <a:p>
             <a:fld id="{A37894F6-DAB0-483A-84FA-A27AC1C331C7}" type="datetime1">
               <a:rPr lang="en-US" smtClean="0"/>
-              <a:t>4/12/2023</a:t>
+              <a:t>4/13/23</a:t>
             </a:fld>
             <a:endParaRPr lang="en-US"/>
           </a:p>
@@ -5933,7 +5937,7 @@
           <a:p>
             <a:fld id="{A37894F6-DAB0-483A-84FA-A27AC1C331C7}" type="datetime1">
               <a:rPr lang="en-US" smtClean="0"/>
-              <a:t>4/12/2023</a:t>
+              <a:t>4/13/23</a:t>
             </a:fld>
             <a:endParaRPr lang="en-US"/>
           </a:p>
@@ -6480,7 +6484,7 @@
           <a:p>
             <a:fld id="{A37894F6-DAB0-483A-84FA-A27AC1C331C7}" type="datetime1">
               <a:rPr lang="en-US" smtClean="0"/>
-              <a:t>4/12/2023</a:t>
+              <a:t>4/13/23</a:t>
             </a:fld>
             <a:endParaRPr lang="en-US"/>
           </a:p>
@@ -7201,7 +7205,7 @@
           <a:p>
             <a:fld id="{A37894F6-DAB0-483A-84FA-A27AC1C331C7}" type="datetime1">
               <a:rPr lang="en-US" smtClean="0"/>
-              <a:t>4/12/2023</a:t>
+              <a:t>4/13/23</a:t>
             </a:fld>
             <a:endParaRPr lang="en-US"/>
           </a:p>
@@ -7372,7 +7376,7 @@
           <a:p>
             <a:fld id="{36751BF7-E373-4518-8D94-9650E5D29367}" type="datetime1">
               <a:rPr lang="en-US" smtClean="0"/>
-              <a:t>4/12/2023</a:t>
+              <a:t>4/13/23</a:t>
             </a:fld>
             <a:endParaRPr lang="en-US"/>
           </a:p>
@@ -7552,7 +7556,7 @@
           <a:p>
             <a:fld id="{EB78F096-A5D6-4336-ADD9-730F0CCDF58D}" type="datetime1">
               <a:rPr lang="en-US" smtClean="0"/>
-              <a:t>4/12/2023</a:t>
+              <a:t>4/13/23</a:t>
             </a:fld>
             <a:endParaRPr lang="en-US"/>
           </a:p>
@@ -7722,7 +7726,7 @@
           <a:p>
             <a:fld id="{FE0D573B-62FE-4A9E-A4F2-BE09300D6C96}" type="datetime1">
               <a:rPr lang="en-US" smtClean="0"/>
-              <a:t>4/12/2023</a:t>
+              <a:t>4/13/23</a:t>
             </a:fld>
             <a:endParaRPr lang="en-US"/>
           </a:p>
@@ -7972,7 +7976,7 @@
           <a:p>
             <a:fld id="{C297B390-2396-4BEF-BE00-6EE6D2496BF2}" type="datetime1">
               <a:rPr lang="en-US" smtClean="0"/>
-              <a:t>4/12/2023</a:t>
+              <a:t>4/13/23</a:t>
             </a:fld>
             <a:endParaRPr lang="en-US"/>
           </a:p>
@@ -8204,7 +8208,7 @@
           <a:p>
             <a:fld id="{E631B17C-F66C-4177-A3BA-56A80682F604}" type="datetime1">
               <a:rPr lang="en-US" smtClean="0"/>
-              <a:t>4/12/2023</a:t>
+              <a:t>4/13/23</a:t>
             </a:fld>
             <a:endParaRPr lang="en-US"/>
           </a:p>
@@ -8585,7 +8589,7 @@
           <a:p>
             <a:fld id="{EE482F9E-F235-4D8E-808E-21744C9BCFEA}" type="datetime1">
               <a:rPr lang="en-US" smtClean="0"/>
-              <a:t>4/12/2023</a:t>
+              <a:t>4/13/23</a:t>
             </a:fld>
             <a:endParaRPr lang="en-US"/>
           </a:p>
@@ -8703,7 +8707,7 @@
           <a:p>
             <a:fld id="{A93C8557-D81E-4332-ACAB-F320FB2F6284}" type="datetime1">
               <a:rPr lang="en-US" smtClean="0"/>
-              <a:t>4/12/2023</a:t>
+              <a:t>4/13/23</a:t>
             </a:fld>
             <a:endParaRPr lang="en-US"/>
           </a:p>
@@ -8798,7 +8802,7 @@
           <a:p>
             <a:fld id="{EB12948F-F3C5-4603-8BED-1D1D42850CE0}" type="datetime1">
               <a:rPr lang="en-US" smtClean="0"/>
-              <a:t>4/12/2023</a:t>
+              <a:t>4/13/23</a:t>
             </a:fld>
             <a:endParaRPr lang="en-US"/>
           </a:p>
@@ -9047,7 +9051,7 @@
           <a:p>
             <a:fld id="{B2D01129-2DB7-473B-95AB-1BB5125E5305}" type="datetime1">
               <a:rPr lang="en-US" smtClean="0"/>
-              <a:t>4/12/2023</a:t>
+              <a:t>4/13/23</a:t>
             </a:fld>
             <a:endParaRPr lang="en-US"/>
           </a:p>
@@ -9327,7 +9331,7 @@
           <a:p>
             <a:fld id="{B75189D5-F076-46D6-8768-312AB5BE8EAB}" type="datetime1">
               <a:rPr lang="en-US" smtClean="0"/>
-              <a:t>4/12/2023</a:t>
+              <a:t>4/13/23</a:t>
             </a:fld>
             <a:endParaRPr lang="en-US"/>
           </a:p>
@@ -9450,7 +9454,7 @@
           <a:noFill/>
           <a:extLst>
             <a:ext uri="{909E8E84-426E-40dd-AFC4-6F175D3DCCD1}">
-              <a14:hiddenFill xmlns="" xmlns:a14="http://schemas.microsoft.com/office/drawing/2010/main">
+              <a14:hiddenFill xmlns:a14="http://schemas.microsoft.com/office/drawing/2010/main" xmlns="">
                 <a:solidFill>
                   <a:srgbClr val="FFFFFF"/>
                 </a:solidFill>
@@ -9524,7 +9528,7 @@
               </a:ln>
               <a:extLst>
                 <a:ext uri="{91240B29-F687-4f45-9708-019B960494DF}">
-                  <a14:hiddenLine xmlns="" xmlns:a14="http://schemas.microsoft.com/office/drawing/2010/main" w="9525">
+                  <a14:hiddenLine xmlns:a14="http://schemas.microsoft.com/office/drawing/2010/main" xmlns="" w="9525">
                     <a:solidFill>
                       <a:srgbClr val="000000"/>
                     </a:solidFill>
@@ -9614,7 +9618,7 @@
               </a:ln>
               <a:extLst>
                 <a:ext uri="{91240B29-F687-4f45-9708-019B960494DF}">
-                  <a14:hiddenLine xmlns="" xmlns:a14="http://schemas.microsoft.com/office/drawing/2010/main" w="9525">
+                  <a14:hiddenLine xmlns:a14="http://schemas.microsoft.com/office/drawing/2010/main" xmlns="" w="9525">
                     <a:solidFill>
                       <a:srgbClr val="000000"/>
                     </a:solidFill>
@@ -9704,7 +9708,7 @@
               </a:ln>
               <a:extLst>
                 <a:ext uri="{91240B29-F687-4f45-9708-019B960494DF}">
-                  <a14:hiddenLine xmlns="" xmlns:a14="http://schemas.microsoft.com/office/drawing/2010/main" w="9525">
+                  <a14:hiddenLine xmlns:a14="http://schemas.microsoft.com/office/drawing/2010/main" xmlns="" w="9525">
                     <a:solidFill>
                       <a:srgbClr val="000000"/>
                     </a:solidFill>
@@ -9766,7 +9770,7 @@
               </a:ln>
               <a:extLst>
                 <a:ext uri="{91240B29-F687-4f45-9708-019B960494DF}">
-                  <a14:hiddenLine xmlns="" xmlns:a14="http://schemas.microsoft.com/office/drawing/2010/main" w="9525">
+                  <a14:hiddenLine xmlns:a14="http://schemas.microsoft.com/office/drawing/2010/main" xmlns="" w="9525">
                     <a:solidFill>
                       <a:srgbClr val="000000"/>
                     </a:solidFill>
@@ -9856,7 +9860,7 @@
               </a:ln>
               <a:extLst>
                 <a:ext uri="{91240B29-F687-4f45-9708-019B960494DF}">
-                  <a14:hiddenLine xmlns="" xmlns:a14="http://schemas.microsoft.com/office/drawing/2010/main" w="9525">
+                  <a14:hiddenLine xmlns:a14="http://schemas.microsoft.com/office/drawing/2010/main" xmlns="" w="9525">
                     <a:solidFill>
                       <a:srgbClr val="000000"/>
                     </a:solidFill>
@@ -9918,7 +9922,7 @@
               </a:ln>
               <a:extLst>
                 <a:ext uri="{91240B29-F687-4f45-9708-019B960494DF}">
-                  <a14:hiddenLine xmlns="" xmlns:a14="http://schemas.microsoft.com/office/drawing/2010/main" w="9525">
+                  <a14:hiddenLine xmlns:a14="http://schemas.microsoft.com/office/drawing/2010/main" xmlns="" w="9525">
                     <a:solidFill>
                       <a:srgbClr val="000000"/>
                     </a:solidFill>
@@ -9980,7 +9984,7 @@
               </a:ln>
               <a:extLst>
                 <a:ext uri="{91240B29-F687-4f45-9708-019B960494DF}">
-                  <a14:hiddenLine xmlns="" xmlns:a14="http://schemas.microsoft.com/office/drawing/2010/main" w="9525">
+                  <a14:hiddenLine xmlns:a14="http://schemas.microsoft.com/office/drawing/2010/main" xmlns="" w="9525">
                     <a:solidFill>
                       <a:srgbClr val="000000"/>
                     </a:solidFill>
@@ -10070,7 +10074,7 @@
               </a:ln>
               <a:extLst>
                 <a:ext uri="{91240B29-F687-4f45-9708-019B960494DF}">
-                  <a14:hiddenLine xmlns="" xmlns:a14="http://schemas.microsoft.com/office/drawing/2010/main" w="9525">
+                  <a14:hiddenLine xmlns:a14="http://schemas.microsoft.com/office/drawing/2010/main" xmlns="" w="9525">
                     <a:solidFill>
                       <a:srgbClr val="000000"/>
                     </a:solidFill>
@@ -10160,7 +10164,7 @@
               </a:ln>
               <a:extLst>
                 <a:ext uri="{91240B29-F687-4f45-9708-019B960494DF}">
-                  <a14:hiddenLine xmlns="" xmlns:a14="http://schemas.microsoft.com/office/drawing/2010/main" w="9525">
+                  <a14:hiddenLine xmlns:a14="http://schemas.microsoft.com/office/drawing/2010/main" xmlns="" w="9525">
                     <a:solidFill>
                       <a:srgbClr val="000000"/>
                     </a:solidFill>
@@ -10222,7 +10226,7 @@
               </a:ln>
               <a:extLst>
                 <a:ext uri="{91240B29-F687-4f45-9708-019B960494DF}">
-                  <a14:hiddenLine xmlns="" xmlns:a14="http://schemas.microsoft.com/office/drawing/2010/main" w="9525">
+                  <a14:hiddenLine xmlns:a14="http://schemas.microsoft.com/office/drawing/2010/main" xmlns="" w="9525">
                     <a:solidFill>
                       <a:srgbClr val="000000"/>
                     </a:solidFill>
@@ -10332,7 +10336,7 @@
               </a:ln>
               <a:extLst>
                 <a:ext uri="{91240B29-F687-4f45-9708-019B960494DF}">
-                  <a14:hiddenLine xmlns="" xmlns:a14="http://schemas.microsoft.com/office/drawing/2010/main" w="9525">
+                  <a14:hiddenLine xmlns:a14="http://schemas.microsoft.com/office/drawing/2010/main" xmlns="" w="9525">
                     <a:solidFill>
                       <a:srgbClr val="000000"/>
                     </a:solidFill>
@@ -10416,7 +10420,7 @@
               </a:ln>
               <a:extLst>
                 <a:ext uri="{91240B29-F687-4f45-9708-019B960494DF}">
-                  <a14:hiddenLine xmlns="" xmlns:a14="http://schemas.microsoft.com/office/drawing/2010/main" w="9525">
+                  <a14:hiddenLine xmlns:a14="http://schemas.microsoft.com/office/drawing/2010/main" xmlns="" w="9525">
                     <a:solidFill>
                       <a:srgbClr val="000000"/>
                     </a:solidFill>
@@ -10478,7 +10482,7 @@
               </a:ln>
               <a:extLst>
                 <a:ext uri="{91240B29-F687-4f45-9708-019B960494DF}">
-                  <a14:hiddenLine xmlns="" xmlns:a14="http://schemas.microsoft.com/office/drawing/2010/main" w="9525">
+                  <a14:hiddenLine xmlns:a14="http://schemas.microsoft.com/office/drawing/2010/main" xmlns="" w="9525">
                     <a:solidFill>
                       <a:srgbClr val="000000"/>
                     </a:solidFill>
@@ -10540,7 +10544,7 @@
               </a:ln>
               <a:extLst>
                 <a:ext uri="{91240B29-F687-4f45-9708-019B960494DF}">
-                  <a14:hiddenLine xmlns="" xmlns:a14="http://schemas.microsoft.com/office/drawing/2010/main" w="9525">
+                  <a14:hiddenLine xmlns:a14="http://schemas.microsoft.com/office/drawing/2010/main" xmlns="" w="9525">
                     <a:solidFill>
                       <a:srgbClr val="000000"/>
                     </a:solidFill>
@@ -10630,7 +10634,7 @@
               </a:ln>
               <a:extLst>
                 <a:ext uri="{91240B29-F687-4f45-9708-019B960494DF}">
-                  <a14:hiddenLine xmlns="" xmlns:a14="http://schemas.microsoft.com/office/drawing/2010/main" w="9525">
+                  <a14:hiddenLine xmlns:a14="http://schemas.microsoft.com/office/drawing/2010/main" xmlns="" w="9525">
                     <a:solidFill>
                       <a:srgbClr val="000000"/>
                     </a:solidFill>
@@ -10664,7 +10668,7 @@
               </a:ln>
               <a:extLst>
                 <a:ext uri="{91240B29-F687-4f45-9708-019B960494DF}">
-                  <a14:hiddenLine xmlns="" xmlns:a14="http://schemas.microsoft.com/office/drawing/2010/main" w="9525">
+                  <a14:hiddenLine xmlns:a14="http://schemas.microsoft.com/office/drawing/2010/main" xmlns="" w="9525">
                     <a:solidFill>
                       <a:srgbClr val="000000"/>
                     </a:solidFill>
@@ -10729,7 +10733,7 @@
               </a:ln>
               <a:extLst>
                 <a:ext uri="{91240B29-F687-4f45-9708-019B960494DF}">
-                  <a14:hiddenLine xmlns="" xmlns:a14="http://schemas.microsoft.com/office/drawing/2010/main" w="9525">
+                  <a14:hiddenLine xmlns:a14="http://schemas.microsoft.com/office/drawing/2010/main" xmlns="" w="9525">
                     <a:solidFill>
                       <a:srgbClr val="000000"/>
                     </a:solidFill>
@@ -10819,7 +10823,7 @@
               </a:ln>
               <a:extLst>
                 <a:ext uri="{91240B29-F687-4f45-9708-019B960494DF}">
-                  <a14:hiddenLine xmlns="" xmlns:a14="http://schemas.microsoft.com/office/drawing/2010/main" w="9525">
+                  <a14:hiddenLine xmlns:a14="http://schemas.microsoft.com/office/drawing/2010/main" xmlns="" w="9525">
                     <a:solidFill>
                       <a:srgbClr val="000000"/>
                     </a:solidFill>
@@ -10881,7 +10885,7 @@
               </a:ln>
               <a:extLst>
                 <a:ext uri="{91240B29-F687-4f45-9708-019B960494DF}">
-                  <a14:hiddenLine xmlns="" xmlns:a14="http://schemas.microsoft.com/office/drawing/2010/main" w="9525">
+                  <a14:hiddenLine xmlns:a14="http://schemas.microsoft.com/office/drawing/2010/main" xmlns="" w="9525">
                     <a:solidFill>
                       <a:srgbClr val="000000"/>
                     </a:solidFill>
@@ -10971,7 +10975,7 @@
               </a:ln>
               <a:extLst>
                 <a:ext uri="{91240B29-F687-4f45-9708-019B960494DF}">
-                  <a14:hiddenLine xmlns="" xmlns:a14="http://schemas.microsoft.com/office/drawing/2010/main" w="9525">
+                  <a14:hiddenLine xmlns:a14="http://schemas.microsoft.com/office/drawing/2010/main" xmlns="" w="9525">
                     <a:solidFill>
                       <a:srgbClr val="000000"/>
                     </a:solidFill>
@@ -11036,7 +11040,7 @@
               </a:ln>
               <a:extLst>
                 <a:ext uri="{91240B29-F687-4f45-9708-019B960494DF}">
-                  <a14:hiddenLine xmlns="" xmlns:a14="http://schemas.microsoft.com/office/drawing/2010/main" w="9525">
+                  <a14:hiddenLine xmlns:a14="http://schemas.microsoft.com/office/drawing/2010/main" xmlns="" w="9525">
                     <a:solidFill>
                       <a:srgbClr val="000000"/>
                     </a:solidFill>
@@ -11098,7 +11102,7 @@
               </a:ln>
               <a:extLst>
                 <a:ext uri="{91240B29-F687-4f45-9708-019B960494DF}">
-                  <a14:hiddenLine xmlns="" xmlns:a14="http://schemas.microsoft.com/office/drawing/2010/main" w="9525">
+                  <a14:hiddenLine xmlns:a14="http://schemas.microsoft.com/office/drawing/2010/main" xmlns="" w="9525">
                     <a:solidFill>
                       <a:srgbClr val="000000"/>
                     </a:solidFill>
@@ -11188,7 +11192,7 @@
               </a:ln>
               <a:extLst>
                 <a:ext uri="{91240B29-F687-4f45-9708-019B960494DF}">
-                  <a14:hiddenLine xmlns="" xmlns:a14="http://schemas.microsoft.com/office/drawing/2010/main" w="9525">
+                  <a14:hiddenLine xmlns:a14="http://schemas.microsoft.com/office/drawing/2010/main" xmlns="" w="9525">
                     <a:solidFill>
                       <a:srgbClr val="000000"/>
                     </a:solidFill>
@@ -11278,7 +11282,7 @@
               </a:ln>
               <a:extLst>
                 <a:ext uri="{91240B29-F687-4f45-9708-019B960494DF}">
-                  <a14:hiddenLine xmlns="" xmlns:a14="http://schemas.microsoft.com/office/drawing/2010/main" w="9525">
+                  <a14:hiddenLine xmlns:a14="http://schemas.microsoft.com/office/drawing/2010/main" xmlns="" w="9525">
                     <a:solidFill>
                       <a:srgbClr val="000000"/>
                     </a:solidFill>
@@ -11343,7 +11347,7 @@
               </a:ln>
               <a:extLst>
                 <a:ext uri="{91240B29-F687-4f45-9708-019B960494DF}">
-                  <a14:hiddenLine xmlns="" xmlns:a14="http://schemas.microsoft.com/office/drawing/2010/main" w="9525">
+                  <a14:hiddenLine xmlns:a14="http://schemas.microsoft.com/office/drawing/2010/main" xmlns="" w="9525">
                     <a:solidFill>
                       <a:srgbClr val="000000"/>
                     </a:solidFill>
@@ -11463,7 +11467,7 @@
               </a:ln>
               <a:extLst>
                 <a:ext uri="{91240B29-F687-4f45-9708-019B960494DF}">
-                  <a14:hiddenLine xmlns="" xmlns:a14="http://schemas.microsoft.com/office/drawing/2010/main" w="9525">
+                  <a14:hiddenLine xmlns:a14="http://schemas.microsoft.com/office/drawing/2010/main" xmlns="" w="9525">
                     <a:solidFill>
                       <a:srgbClr val="000000"/>
                     </a:solidFill>
@@ -11544,7 +11548,7 @@
               </a:ln>
               <a:extLst>
                 <a:ext uri="{91240B29-F687-4f45-9708-019B960494DF}">
-                  <a14:hiddenLine xmlns="" xmlns:a14="http://schemas.microsoft.com/office/drawing/2010/main" w="9525">
+                  <a14:hiddenLine xmlns:a14="http://schemas.microsoft.com/office/drawing/2010/main" xmlns="" w="9525">
                     <a:solidFill>
                       <a:srgbClr val="000000"/>
                     </a:solidFill>
@@ -11659,7 +11663,7 @@
               </a:ln>
               <a:extLst>
                 <a:ext uri="{91240B29-F687-4f45-9708-019B960494DF}">
-                  <a14:hiddenLine xmlns="" xmlns:a14="http://schemas.microsoft.com/office/drawing/2010/main" w="9525">
+                  <a14:hiddenLine xmlns:a14="http://schemas.microsoft.com/office/drawing/2010/main" xmlns="" w="9525">
                     <a:solidFill>
                       <a:srgbClr val="000000"/>
                     </a:solidFill>
@@ -11749,7 +11753,7 @@
               </a:ln>
               <a:extLst>
                 <a:ext uri="{91240B29-F687-4f45-9708-019B960494DF}">
-                  <a14:hiddenLine xmlns="" xmlns:a14="http://schemas.microsoft.com/office/drawing/2010/main" w="9525">
+                  <a14:hiddenLine xmlns:a14="http://schemas.microsoft.com/office/drawing/2010/main" xmlns="" w="9525">
                     <a:solidFill>
                       <a:srgbClr val="000000"/>
                     </a:solidFill>
@@ -11814,7 +11818,7 @@
               </a:ln>
               <a:extLst>
                 <a:ext uri="{91240B29-F687-4f45-9708-019B960494DF}">
-                  <a14:hiddenLine xmlns="" xmlns:a14="http://schemas.microsoft.com/office/drawing/2010/main" w="9525">
+                  <a14:hiddenLine xmlns:a14="http://schemas.microsoft.com/office/drawing/2010/main" xmlns="" w="9525">
                     <a:solidFill>
                       <a:srgbClr val="000000"/>
                     </a:solidFill>
@@ -11904,7 +11908,7 @@
               </a:ln>
               <a:extLst>
                 <a:ext uri="{91240B29-F687-4f45-9708-019B960494DF}">
-                  <a14:hiddenLine xmlns="" xmlns:a14="http://schemas.microsoft.com/office/drawing/2010/main" w="9525">
+                  <a14:hiddenLine xmlns:a14="http://schemas.microsoft.com/office/drawing/2010/main" xmlns="" w="9525">
                     <a:solidFill>
                       <a:srgbClr val="000000"/>
                     </a:solidFill>
@@ -11972,7 +11976,7 @@
               </a:ln>
               <a:extLst>
                 <a:ext uri="{91240B29-F687-4f45-9708-019B960494DF}">
-                  <a14:hiddenLine xmlns="" xmlns:a14="http://schemas.microsoft.com/office/drawing/2010/main" w="9525">
+                  <a14:hiddenLine xmlns:a14="http://schemas.microsoft.com/office/drawing/2010/main" xmlns="" w="9525">
                     <a:solidFill>
                       <a:srgbClr val="000000"/>
                     </a:solidFill>
@@ -12062,7 +12066,7 @@
               </a:ln>
               <a:extLst>
                 <a:ext uri="{91240B29-F687-4f45-9708-019B960494DF}">
-                  <a14:hiddenLine xmlns="" xmlns:a14="http://schemas.microsoft.com/office/drawing/2010/main" w="9525">
+                  <a14:hiddenLine xmlns:a14="http://schemas.microsoft.com/office/drawing/2010/main" xmlns="" w="9525">
                     <a:solidFill>
                       <a:srgbClr val="000000"/>
                     </a:solidFill>
@@ -12130,7 +12134,7 @@
               </a:ln>
               <a:extLst>
                 <a:ext uri="{91240B29-F687-4f45-9708-019B960494DF}">
-                  <a14:hiddenLine xmlns="" xmlns:a14="http://schemas.microsoft.com/office/drawing/2010/main" w="9525">
+                  <a14:hiddenLine xmlns:a14="http://schemas.microsoft.com/office/drawing/2010/main" xmlns="" w="9525">
                     <a:solidFill>
                       <a:srgbClr val="000000"/>
                     </a:solidFill>
@@ -12220,7 +12224,7 @@
               </a:ln>
               <a:extLst>
                 <a:ext uri="{91240B29-F687-4f45-9708-019B960494DF}">
-                  <a14:hiddenLine xmlns="" xmlns:a14="http://schemas.microsoft.com/office/drawing/2010/main" w="9525">
+                  <a14:hiddenLine xmlns:a14="http://schemas.microsoft.com/office/drawing/2010/main" xmlns="" w="9525">
                     <a:solidFill>
                       <a:srgbClr val="000000"/>
                     </a:solidFill>
@@ -12254,7 +12258,7 @@
               </a:ln>
               <a:extLst>
                 <a:ext uri="{91240B29-F687-4f45-9708-019B960494DF}">
-                  <a14:hiddenLine xmlns="" xmlns:a14="http://schemas.microsoft.com/office/drawing/2010/main" w="9525">
+                  <a14:hiddenLine xmlns:a14="http://schemas.microsoft.com/office/drawing/2010/main" xmlns="" w="9525">
                     <a:solidFill>
                       <a:srgbClr val="000000"/>
                     </a:solidFill>
@@ -12394,7 +12398,7 @@
           <a:p>
             <a:fld id="{A37894F6-DAB0-483A-84FA-A27AC1C331C7}" type="datetime1">
               <a:rPr lang="en-US" smtClean="0"/>
-              <a:t>4/12/2023</a:t>
+              <a:t>4/13/23</a:t>
             </a:fld>
             <a:endParaRPr lang="en-US"/>
           </a:p>
@@ -13039,6 +13043,1596 @@
           </a:p>
         </p:txBody>
       </p:sp>
+      <p:pic>
+        <p:nvPicPr>
+          <p:cNvPr id="2" name="Picture 2">
+            <a:extLst>
+              <a:ext uri="{FF2B5EF4-FFF2-40B4-BE49-F238E27FC236}">
+                <a16:creationId xmlns:a16="http://schemas.microsoft.com/office/drawing/2014/main" id="{3928242D-6498-2BA8-5BAB-43DD2D6ADE1E}"/>
+              </a:ext>
+            </a:extLst>
+          </p:cNvPr>
+          <p:cNvPicPr>
+            <a:picLocks noChangeAspect="1" noChangeArrowheads="1"/>
+          </p:cNvPicPr>
+          <p:nvPr/>
+        </p:nvPicPr>
+        <p:blipFill>
+          <a:blip r:embed="rId2">
+            <a:extLst>
+              <a:ext uri="{28A0092B-C50C-407E-A947-70E740481C1C}">
+                <a14:useLocalDpi xmlns:a14="http://schemas.microsoft.com/office/drawing/2010/main" val="0"/>
+              </a:ext>
+            </a:extLst>
+          </a:blip>
+          <a:srcRect/>
+          <a:stretch>
+            <a:fillRect/>
+          </a:stretch>
+        </p:blipFill>
+        <p:spPr bwMode="auto">
+          <a:xfrm>
+            <a:off x="1984985" y="2537717"/>
+            <a:ext cx="8222029" cy="3657090"/>
+          </a:xfrm>
+          <a:prstGeom prst="rect">
+            <a:avLst/>
+          </a:prstGeom>
+          <a:noFill/>
+          <a:extLst>
+            <a:ext uri="{909E8E84-426E-40DD-AFC4-6F175D3DCCD1}">
+              <a14:hiddenFill xmlns:a14="http://schemas.microsoft.com/office/drawing/2010/main">
+                <a:solidFill>
+                  <a:srgbClr val="FFFFFF"/>
+                </a:solidFill>
+              </a14:hiddenFill>
+            </a:ext>
+          </a:extLst>
+        </p:spPr>
+      </p:pic>
+      <p:sp>
+        <p:nvSpPr>
+          <p:cNvPr id="5" name="TextBox 4">
+            <a:extLst>
+              <a:ext uri="{FF2B5EF4-FFF2-40B4-BE49-F238E27FC236}">
+                <a16:creationId xmlns:a16="http://schemas.microsoft.com/office/drawing/2014/main" id="{462BBA9A-EDB9-6A87-B204-6BA2E959B6A8}"/>
+              </a:ext>
+            </a:extLst>
+          </p:cNvPr>
+          <p:cNvSpPr txBox="1"/>
+          <p:nvPr/>
+        </p:nvSpPr>
+        <p:spPr>
+          <a:xfrm>
+            <a:off x="1483822" y="1759377"/>
+            <a:ext cx="2430631" cy="586764"/>
+          </a:xfrm>
+          <a:prstGeom prst="rect">
+            <a:avLst/>
+          </a:prstGeom>
+          <a:noFill/>
+        </p:spPr>
+        <p:txBody>
+          <a:bodyPr wrap="square" rtlCol="0">
+            <a:spAutoFit/>
+          </a:bodyPr>
+          <a:lstStyle/>
+          <a:p>
+            <a:pPr rtl="0">
+              <a:lnSpc>
+                <a:spcPct val="150000"/>
+              </a:lnSpc>
+            </a:pPr>
+            <a:r>
+              <a:rPr lang="fr-FR" sz="2400" dirty="0">
+                <a:effectLst/>
+              </a:rPr>
+              <a:t>Term2Keyword :</a:t>
+            </a:r>
+          </a:p>
+        </p:txBody>
+      </p:sp>
+      <p:sp>
+        <p:nvSpPr>
+          <p:cNvPr id="7" name="Title 1">
+            <a:extLst>
+              <a:ext uri="{FF2B5EF4-FFF2-40B4-BE49-F238E27FC236}">
+                <a16:creationId xmlns:a16="http://schemas.microsoft.com/office/drawing/2014/main" id="{AA17853C-D7CD-F7B9-58A3-4DFF307207D3}"/>
+              </a:ext>
+            </a:extLst>
+          </p:cNvPr>
+          <p:cNvSpPr txBox="1">
+            <a:spLocks/>
+          </p:cNvSpPr>
+          <p:nvPr/>
+        </p:nvSpPr>
+        <p:spPr>
+          <a:xfrm>
+            <a:off x="2296357" y="529734"/>
+            <a:ext cx="7599286" cy="948261"/>
+          </a:xfrm>
+          <a:prstGeom prst="rect">
+            <a:avLst/>
+          </a:prstGeom>
+          <a:noFill/>
+        </p:spPr>
+        <p:txBody>
+          <a:bodyPr vert="horz" lIns="91440" tIns="45720" rIns="91440" bIns="45720" rtlCol="0" anchor="ctr">
+            <a:normAutofit/>
+          </a:bodyPr>
+          <a:lstStyle>
+            <a:lvl1pPr algn="l" defTabSz="914400" rtl="0" eaLnBrk="1" latinLnBrk="0" hangingPunct="1">
+              <a:lnSpc>
+                <a:spcPct val="90000"/>
+              </a:lnSpc>
+              <a:spcBef>
+                <a:spcPct val="0"/>
+              </a:spcBef>
+              <a:buNone/>
+              <a:defRPr sz="3600" kern="1200" cap="all" baseline="0">
+                <a:solidFill>
+                  <a:schemeClr val="tx1"/>
+                </a:solidFill>
+                <a:latin typeface="+mj-lt"/>
+                <a:ea typeface="+mj-ea"/>
+                <a:cs typeface="+mj-cs"/>
+              </a:defRPr>
+            </a:lvl1pPr>
+          </a:lstStyle>
+          <a:p>
+            <a:pPr algn="ctr"/>
+            <a:r>
+              <a:rPr lang="fr-FR" b="1" dirty="0"/>
+              <a:t>BDD : Tables d’indexage</a:t>
+            </a:r>
+            <a:endParaRPr lang="en-US" b="1" dirty="0"/>
+          </a:p>
+        </p:txBody>
+      </p:sp>
+    </p:spTree>
+    <p:extLst>
+      <p:ext uri="{BB962C8B-B14F-4D97-AF65-F5344CB8AC3E}">
+        <p14:creationId xmlns:p14="http://schemas.microsoft.com/office/powerpoint/2010/main" val="4287477451"/>
+      </p:ext>
+    </p:extLst>
+  </p:cSld>
+  <p:clrMapOvr>
+    <a:masterClrMapping/>
+  </p:clrMapOvr>
+</p:sld>
+</file>
+
+<file path=ppt/slides/slide11.xml><?xml version="1.0" encoding="utf-8"?>
+<p:sld xmlns:a="http://schemas.openxmlformats.org/drawingml/2006/main" xmlns:r="http://schemas.openxmlformats.org/officeDocument/2006/relationships" xmlns:p="http://schemas.openxmlformats.org/presentationml/2006/main">
+  <p:cSld>
+    <p:spTree>
+      <p:nvGrpSpPr>
+        <p:cNvPr id="1" name=""/>
+        <p:cNvGrpSpPr/>
+        <p:nvPr/>
+      </p:nvGrpSpPr>
+      <p:grpSpPr>
+        <a:xfrm>
+          <a:off x="0" y="0"/>
+          <a:ext cx="0" cy="0"/>
+          <a:chOff x="0" y="0"/>
+          <a:chExt cx="0" cy="0"/>
+        </a:xfrm>
+      </p:grpSpPr>
+      <p:sp>
+        <p:nvSpPr>
+          <p:cNvPr id="49" name="Rectangle 48">
+            <a:extLst>
+              <a:ext uri="{FF2B5EF4-FFF2-40B4-BE49-F238E27FC236}">
+                <a16:creationId xmlns:a16="http://schemas.microsoft.com/office/drawing/2014/main" id="{993F344E-E798-4E69-BE5E-11ACEDCBC8F6}"/>
+              </a:ext>
+            </a:extLst>
+          </p:cNvPr>
+          <p:cNvSpPr/>
+          <p:nvPr/>
+        </p:nvSpPr>
+        <p:spPr>
+          <a:xfrm>
+            <a:off x="5163673" y="2163810"/>
+            <a:ext cx="2138039" cy="594804"/>
+          </a:xfrm>
+          <a:prstGeom prst="rect">
+            <a:avLst/>
+          </a:prstGeom>
+          <a:solidFill>
+            <a:schemeClr val="bg1"/>
+          </a:solidFill>
+          <a:ln>
+            <a:solidFill>
+              <a:schemeClr val="tx1"/>
+            </a:solidFill>
+          </a:ln>
+          <a:effectLst>
+            <a:outerShdw blurRad="50800" dist="38100" dir="5400000" algn="t" rotWithShape="0">
+              <a:prstClr val="black">
+                <a:alpha val="40000"/>
+              </a:prstClr>
+            </a:outerShdw>
+          </a:effectLst>
+        </p:spPr>
+        <p:style>
+          <a:lnRef idx="2">
+            <a:schemeClr val="dk1">
+              <a:shade val="50000"/>
+            </a:schemeClr>
+          </a:lnRef>
+          <a:fillRef idx="1">
+            <a:schemeClr val="dk1"/>
+          </a:fillRef>
+          <a:effectRef idx="0">
+            <a:schemeClr val="dk1"/>
+          </a:effectRef>
+          <a:fontRef idx="minor">
+            <a:schemeClr val="lt1"/>
+          </a:fontRef>
+        </p:style>
+        <p:txBody>
+          <a:bodyPr rtlCol="0" anchor="ctr"/>
+          <a:lstStyle/>
+          <a:p>
+            <a:pPr algn="ctr"/>
+            <a:r>
+              <a:rPr lang="fr-FR">
+                <a:solidFill>
+                  <a:schemeClr val="tx1"/>
+                </a:solidFill>
+              </a:rPr>
+              <a:t>Controller</a:t>
+            </a:r>
+            <a:endParaRPr lang="en-US">
+              <a:solidFill>
+                <a:schemeClr val="tx1"/>
+              </a:solidFill>
+            </a:endParaRPr>
+          </a:p>
+        </p:txBody>
+      </p:sp>
+      <p:sp>
+        <p:nvSpPr>
+          <p:cNvPr id="53" name="Rectangle 52">
+            <a:extLst>
+              <a:ext uri="{FF2B5EF4-FFF2-40B4-BE49-F238E27FC236}">
+                <a16:creationId xmlns:a16="http://schemas.microsoft.com/office/drawing/2014/main" id="{67DE5DAD-095D-4C45-AF19-0D1D77AF343D}"/>
+              </a:ext>
+            </a:extLst>
+          </p:cNvPr>
+          <p:cNvSpPr/>
+          <p:nvPr/>
+        </p:nvSpPr>
+        <p:spPr>
+          <a:xfrm>
+            <a:off x="5163676" y="3391247"/>
+            <a:ext cx="2138039" cy="594804"/>
+          </a:xfrm>
+          <a:prstGeom prst="rect">
+            <a:avLst/>
+          </a:prstGeom>
+          <a:solidFill>
+            <a:schemeClr val="bg1"/>
+          </a:solidFill>
+          <a:ln>
+            <a:solidFill>
+              <a:schemeClr val="tx1"/>
+            </a:solidFill>
+          </a:ln>
+          <a:effectLst>
+            <a:outerShdw blurRad="50800" dist="38100" dir="5400000" algn="t" rotWithShape="0">
+              <a:prstClr val="black">
+                <a:alpha val="40000"/>
+              </a:prstClr>
+            </a:outerShdw>
+          </a:effectLst>
+        </p:spPr>
+        <p:style>
+          <a:lnRef idx="2">
+            <a:schemeClr val="dk1">
+              <a:shade val="50000"/>
+            </a:schemeClr>
+          </a:lnRef>
+          <a:fillRef idx="1">
+            <a:schemeClr val="dk1"/>
+          </a:fillRef>
+          <a:effectRef idx="0">
+            <a:schemeClr val="dk1"/>
+          </a:effectRef>
+          <a:fontRef idx="minor">
+            <a:schemeClr val="lt1"/>
+          </a:fontRef>
+        </p:style>
+        <p:txBody>
+          <a:bodyPr rtlCol="0" anchor="ctr"/>
+          <a:lstStyle/>
+          <a:p>
+            <a:pPr algn="ctr"/>
+            <a:r>
+              <a:rPr lang="fr-FR">
+                <a:solidFill>
+                  <a:schemeClr val="tx1"/>
+                </a:solidFill>
+              </a:rPr>
+              <a:t>Service</a:t>
+            </a:r>
+            <a:endParaRPr lang="en-US">
+              <a:solidFill>
+                <a:schemeClr val="tx1"/>
+              </a:solidFill>
+            </a:endParaRPr>
+          </a:p>
+        </p:txBody>
+      </p:sp>
+      <p:cxnSp>
+        <p:nvCxnSpPr>
+          <p:cNvPr id="54" name="Connector: Elbow 53">
+            <a:extLst>
+              <a:ext uri="{FF2B5EF4-FFF2-40B4-BE49-F238E27FC236}">
+                <a16:creationId xmlns:a16="http://schemas.microsoft.com/office/drawing/2014/main" id="{2816B2DF-12D8-4128-944D-3264478F90BD}"/>
+              </a:ext>
+            </a:extLst>
+          </p:cNvPr>
+          <p:cNvCxnSpPr>
+            <a:cxnSpLocks/>
+          </p:cNvCxnSpPr>
+          <p:nvPr/>
+        </p:nvCxnSpPr>
+        <p:spPr>
+          <a:xfrm rot="16200000" flipH="1">
+            <a:off x="5605138" y="3087062"/>
+            <a:ext cx="600102" cy="3616"/>
+          </a:xfrm>
+          <a:prstGeom prst="bentConnector3">
+            <a:avLst>
+              <a:gd name="adj1" fmla="val 50000"/>
+            </a:avLst>
+          </a:prstGeom>
+          <a:ln w="28575">
+            <a:solidFill>
+              <a:srgbClr val="FF0000"/>
+            </a:solidFill>
+            <a:tailEnd type="triangle"/>
+          </a:ln>
+        </p:spPr>
+        <p:style>
+          <a:lnRef idx="1">
+            <a:schemeClr val="accent1"/>
+          </a:lnRef>
+          <a:fillRef idx="0">
+            <a:schemeClr val="accent1"/>
+          </a:fillRef>
+          <a:effectRef idx="0">
+            <a:schemeClr val="accent1"/>
+          </a:effectRef>
+          <a:fontRef idx="minor">
+            <a:schemeClr val="tx1"/>
+          </a:fontRef>
+        </p:style>
+      </p:cxnSp>
+      <p:sp>
+        <p:nvSpPr>
+          <p:cNvPr id="56" name="Rectangle 55">
+            <a:extLst>
+              <a:ext uri="{FF2B5EF4-FFF2-40B4-BE49-F238E27FC236}">
+                <a16:creationId xmlns:a16="http://schemas.microsoft.com/office/drawing/2014/main" id="{F4CBA6B1-880B-4F87-9EB4-4F27E15B2D91}"/>
+              </a:ext>
+            </a:extLst>
+          </p:cNvPr>
+          <p:cNvSpPr/>
+          <p:nvPr/>
+        </p:nvSpPr>
+        <p:spPr>
+          <a:xfrm>
+            <a:off x="5163672" y="4658707"/>
+            <a:ext cx="2138039" cy="594804"/>
+          </a:xfrm>
+          <a:prstGeom prst="rect">
+            <a:avLst/>
+          </a:prstGeom>
+          <a:solidFill>
+            <a:schemeClr val="bg1"/>
+          </a:solidFill>
+          <a:ln>
+            <a:solidFill>
+              <a:schemeClr val="tx1"/>
+            </a:solidFill>
+          </a:ln>
+          <a:effectLst>
+            <a:outerShdw blurRad="50800" dist="38100" dir="5400000" algn="t" rotWithShape="0">
+              <a:prstClr val="black">
+                <a:alpha val="40000"/>
+              </a:prstClr>
+            </a:outerShdw>
+          </a:effectLst>
+        </p:spPr>
+        <p:style>
+          <a:lnRef idx="2">
+            <a:schemeClr val="dk1">
+              <a:shade val="50000"/>
+            </a:schemeClr>
+          </a:lnRef>
+          <a:fillRef idx="1">
+            <a:schemeClr val="dk1"/>
+          </a:fillRef>
+          <a:effectRef idx="0">
+            <a:schemeClr val="dk1"/>
+          </a:effectRef>
+          <a:fontRef idx="minor">
+            <a:schemeClr val="lt1"/>
+          </a:fontRef>
+        </p:style>
+        <p:txBody>
+          <a:bodyPr rtlCol="0" anchor="ctr"/>
+          <a:lstStyle/>
+          <a:p>
+            <a:pPr algn="ctr"/>
+            <a:r>
+              <a:rPr lang="fr-FR">
+                <a:solidFill>
+                  <a:schemeClr val="tx1"/>
+                </a:solidFill>
+              </a:rPr>
+              <a:t>Repository</a:t>
+            </a:r>
+            <a:endParaRPr lang="en-US">
+              <a:solidFill>
+                <a:schemeClr val="tx1"/>
+              </a:solidFill>
+            </a:endParaRPr>
+          </a:p>
+        </p:txBody>
+      </p:sp>
+      <p:cxnSp>
+        <p:nvCxnSpPr>
+          <p:cNvPr id="57" name="Connector: Elbow 56">
+            <a:extLst>
+              <a:ext uri="{FF2B5EF4-FFF2-40B4-BE49-F238E27FC236}">
+                <a16:creationId xmlns:a16="http://schemas.microsoft.com/office/drawing/2014/main" id="{8E2B4431-CC25-4ACD-B916-D437998C2868}"/>
+              </a:ext>
+            </a:extLst>
+          </p:cNvPr>
+          <p:cNvCxnSpPr>
+            <a:cxnSpLocks/>
+          </p:cNvCxnSpPr>
+          <p:nvPr/>
+        </p:nvCxnSpPr>
+        <p:spPr>
+          <a:xfrm rot="16200000" flipV="1">
+            <a:off x="6329101" y="3072602"/>
+            <a:ext cx="627981" cy="2"/>
+          </a:xfrm>
+          <a:prstGeom prst="bentConnector3">
+            <a:avLst>
+              <a:gd name="adj1" fmla="val 50000"/>
+            </a:avLst>
+          </a:prstGeom>
+          <a:ln w="28575">
+            <a:solidFill>
+              <a:schemeClr val="accent2">
+                <a:lumMod val="50000"/>
+              </a:schemeClr>
+            </a:solidFill>
+            <a:tailEnd type="triangle"/>
+          </a:ln>
+        </p:spPr>
+        <p:style>
+          <a:lnRef idx="1">
+            <a:schemeClr val="accent1"/>
+          </a:lnRef>
+          <a:fillRef idx="0">
+            <a:schemeClr val="accent1"/>
+          </a:fillRef>
+          <a:effectRef idx="0">
+            <a:schemeClr val="accent1"/>
+          </a:effectRef>
+          <a:fontRef idx="minor">
+            <a:schemeClr val="tx1"/>
+          </a:fontRef>
+        </p:style>
+      </p:cxnSp>
+      <p:sp>
+        <p:nvSpPr>
+          <p:cNvPr id="3" name="Slide Number Placeholder 32">
+            <a:extLst>
+              <a:ext uri="{FF2B5EF4-FFF2-40B4-BE49-F238E27FC236}">
+                <a16:creationId xmlns:a16="http://schemas.microsoft.com/office/drawing/2014/main" id="{73785881-B744-E58E-C152-B267B3D41260}"/>
+              </a:ext>
+            </a:extLst>
+          </p:cNvPr>
+          <p:cNvSpPr>
+            <a:spLocks noGrp="1"/>
+          </p:cNvSpPr>
+          <p:nvPr>
+            <p:ph type="sldNum" sz="quarter" idx="12"/>
+          </p:nvPr>
+        </p:nvSpPr>
+        <p:spPr>
+          <a:xfrm>
+            <a:off x="9107747" y="6429219"/>
+            <a:ext cx="2743200" cy="365125"/>
+          </a:xfrm>
+        </p:spPr>
+        <p:txBody>
+          <a:bodyPr/>
+          <a:lstStyle/>
+          <a:p>
+            <a:fld id="{F26BA1F6-0971-4337-9C55-1D3289524A07}" type="slidenum">
+              <a:rPr lang="en-US" sz="1400" b="1" smtClean="0">
+                <a:solidFill>
+                  <a:schemeClr val="tx1"/>
+                </a:solidFill>
+              </a:rPr>
+              <a:t>11</a:t>
+            </a:fld>
+            <a:endParaRPr lang="en-US" sz="1400" b="1">
+              <a:solidFill>
+                <a:schemeClr val="tx1"/>
+              </a:solidFill>
+            </a:endParaRPr>
+          </a:p>
+        </p:txBody>
+      </p:sp>
+      <p:sp>
+        <p:nvSpPr>
+          <p:cNvPr id="4" name="Title 1">
+            <a:extLst>
+              <a:ext uri="{FF2B5EF4-FFF2-40B4-BE49-F238E27FC236}">
+                <a16:creationId xmlns:a16="http://schemas.microsoft.com/office/drawing/2014/main" id="{A8D5AF67-DBEA-80C8-15A1-E79B86A4E90B}"/>
+              </a:ext>
+            </a:extLst>
+          </p:cNvPr>
+          <p:cNvSpPr txBox="1">
+            <a:spLocks/>
+          </p:cNvSpPr>
+          <p:nvPr/>
+        </p:nvSpPr>
+        <p:spPr>
+          <a:xfrm>
+            <a:off x="2296357" y="529734"/>
+            <a:ext cx="7599286" cy="948261"/>
+          </a:xfrm>
+          <a:prstGeom prst="rect">
+            <a:avLst/>
+          </a:prstGeom>
+          <a:noFill/>
+        </p:spPr>
+        <p:txBody>
+          <a:bodyPr vert="horz" lIns="91440" tIns="45720" rIns="91440" bIns="45720" rtlCol="0" anchor="ctr">
+            <a:normAutofit/>
+          </a:bodyPr>
+          <a:lstStyle>
+            <a:lvl1pPr algn="l" defTabSz="914400" rtl="0" eaLnBrk="1" latinLnBrk="0" hangingPunct="1">
+              <a:lnSpc>
+                <a:spcPct val="90000"/>
+              </a:lnSpc>
+              <a:spcBef>
+                <a:spcPct val="0"/>
+              </a:spcBef>
+              <a:buNone/>
+              <a:defRPr sz="3600" kern="1200" cap="all" baseline="0">
+                <a:solidFill>
+                  <a:schemeClr val="tx1"/>
+                </a:solidFill>
+                <a:latin typeface="+mj-lt"/>
+                <a:ea typeface="+mj-ea"/>
+                <a:cs typeface="+mj-cs"/>
+              </a:defRPr>
+            </a:lvl1pPr>
+          </a:lstStyle>
+          <a:p>
+            <a:pPr algn="ctr"/>
+            <a:r>
+              <a:rPr lang="fr-FR" b="1"/>
+              <a:t>BACK : ARCHITECTURE</a:t>
+            </a:r>
+            <a:endParaRPr lang="en-US" b="1"/>
+          </a:p>
+        </p:txBody>
+      </p:sp>
+      <p:cxnSp>
+        <p:nvCxnSpPr>
+          <p:cNvPr id="16" name="Connector: Elbow 15">
+            <a:extLst>
+              <a:ext uri="{FF2B5EF4-FFF2-40B4-BE49-F238E27FC236}">
+                <a16:creationId xmlns:a16="http://schemas.microsoft.com/office/drawing/2014/main" id="{5BBA408B-87F3-E055-80BA-D339D4838D87}"/>
+              </a:ext>
+            </a:extLst>
+          </p:cNvPr>
+          <p:cNvCxnSpPr>
+            <a:cxnSpLocks/>
+          </p:cNvCxnSpPr>
+          <p:nvPr/>
+        </p:nvCxnSpPr>
+        <p:spPr>
+          <a:xfrm rot="5400000">
+            <a:off x="5567269" y="4339251"/>
+            <a:ext cx="638912" cy="1"/>
+          </a:xfrm>
+          <a:prstGeom prst="bentConnector3">
+            <a:avLst>
+              <a:gd name="adj1" fmla="val 50000"/>
+            </a:avLst>
+          </a:prstGeom>
+          <a:ln w="28575">
+            <a:solidFill>
+              <a:srgbClr val="FF0000"/>
+            </a:solidFill>
+            <a:tailEnd type="triangle"/>
+          </a:ln>
+        </p:spPr>
+        <p:style>
+          <a:lnRef idx="1">
+            <a:schemeClr val="accent1"/>
+          </a:lnRef>
+          <a:fillRef idx="0">
+            <a:schemeClr val="accent1"/>
+          </a:fillRef>
+          <a:effectRef idx="0">
+            <a:schemeClr val="accent1"/>
+          </a:effectRef>
+          <a:fontRef idx="minor">
+            <a:schemeClr val="tx1"/>
+          </a:fontRef>
+        </p:style>
+      </p:cxnSp>
+      <p:cxnSp>
+        <p:nvCxnSpPr>
+          <p:cNvPr id="18" name="Connector: Elbow 17">
+            <a:extLst>
+              <a:ext uri="{FF2B5EF4-FFF2-40B4-BE49-F238E27FC236}">
+                <a16:creationId xmlns:a16="http://schemas.microsoft.com/office/drawing/2014/main" id="{5D862489-6F0B-1BF4-678A-97D5BBE97E38}"/>
+              </a:ext>
+            </a:extLst>
+          </p:cNvPr>
+          <p:cNvCxnSpPr>
+            <a:cxnSpLocks/>
+          </p:cNvCxnSpPr>
+          <p:nvPr/>
+        </p:nvCxnSpPr>
+        <p:spPr>
+          <a:xfrm rot="16200000" flipV="1">
+            <a:off x="6329100" y="4330333"/>
+            <a:ext cx="627981" cy="2"/>
+          </a:xfrm>
+          <a:prstGeom prst="bentConnector3">
+            <a:avLst>
+              <a:gd name="adj1" fmla="val 50000"/>
+            </a:avLst>
+          </a:prstGeom>
+          <a:ln w="28575">
+            <a:solidFill>
+              <a:schemeClr val="accent2">
+                <a:lumMod val="50000"/>
+              </a:schemeClr>
+            </a:solidFill>
+            <a:tailEnd type="triangle"/>
+          </a:ln>
+        </p:spPr>
+        <p:style>
+          <a:lnRef idx="1">
+            <a:schemeClr val="accent1"/>
+          </a:lnRef>
+          <a:fillRef idx="0">
+            <a:schemeClr val="accent1"/>
+          </a:fillRef>
+          <a:effectRef idx="0">
+            <a:schemeClr val="accent1"/>
+          </a:effectRef>
+          <a:fontRef idx="minor">
+            <a:schemeClr val="tx1"/>
+          </a:fontRef>
+        </p:style>
+      </p:cxnSp>
+      <p:sp>
+        <p:nvSpPr>
+          <p:cNvPr id="11" name="Rectangle 10">
+            <a:extLst>
+              <a:ext uri="{FF2B5EF4-FFF2-40B4-BE49-F238E27FC236}">
+                <a16:creationId xmlns:a16="http://schemas.microsoft.com/office/drawing/2014/main" id="{80D81C17-F171-D23C-2CC1-A23849632295}"/>
+              </a:ext>
+            </a:extLst>
+          </p:cNvPr>
+          <p:cNvSpPr/>
+          <p:nvPr/>
+        </p:nvSpPr>
+        <p:spPr>
+          <a:xfrm>
+            <a:off x="8186691" y="4339251"/>
+            <a:ext cx="1285779" cy="594804"/>
+          </a:xfrm>
+          <a:prstGeom prst="rect">
+            <a:avLst/>
+          </a:prstGeom>
+          <a:solidFill>
+            <a:schemeClr val="bg1"/>
+          </a:solidFill>
+          <a:ln>
+            <a:solidFill>
+              <a:schemeClr val="tx1"/>
+            </a:solidFill>
+          </a:ln>
+          <a:effectLst>
+            <a:outerShdw blurRad="50800" dist="38100" dir="5400000" algn="t" rotWithShape="0">
+              <a:prstClr val="black">
+                <a:alpha val="40000"/>
+              </a:prstClr>
+            </a:outerShdw>
+          </a:effectLst>
+        </p:spPr>
+        <p:style>
+          <a:lnRef idx="2">
+            <a:schemeClr val="dk1">
+              <a:shade val="50000"/>
+            </a:schemeClr>
+          </a:lnRef>
+          <a:fillRef idx="1">
+            <a:schemeClr val="dk1"/>
+          </a:fillRef>
+          <a:effectRef idx="0">
+            <a:schemeClr val="dk1"/>
+          </a:effectRef>
+          <a:fontRef idx="minor">
+            <a:schemeClr val="lt1"/>
+          </a:fontRef>
+        </p:style>
+        <p:txBody>
+          <a:bodyPr rtlCol="0" anchor="ctr"/>
+          <a:lstStyle/>
+          <a:p>
+            <a:pPr algn="ctr"/>
+            <a:r>
+              <a:rPr lang="fr-FR">
+                <a:solidFill>
+                  <a:schemeClr val="tx1"/>
+                </a:solidFill>
+              </a:rPr>
+              <a:t>Model</a:t>
+            </a:r>
+            <a:endParaRPr lang="en-US">
+              <a:solidFill>
+                <a:schemeClr val="tx1"/>
+              </a:solidFill>
+            </a:endParaRPr>
+          </a:p>
+        </p:txBody>
+      </p:sp>
+      <p:sp>
+        <p:nvSpPr>
+          <p:cNvPr id="12" name="Rectangle 11">
+            <a:extLst>
+              <a:ext uri="{FF2B5EF4-FFF2-40B4-BE49-F238E27FC236}">
+                <a16:creationId xmlns:a16="http://schemas.microsoft.com/office/drawing/2014/main" id="{4E5C46D6-5BA3-41AE-46D0-C05D0771D3EB}"/>
+              </a:ext>
+            </a:extLst>
+          </p:cNvPr>
+          <p:cNvSpPr/>
+          <p:nvPr/>
+        </p:nvSpPr>
+        <p:spPr>
+          <a:xfrm>
+            <a:off x="8186691" y="5148599"/>
+            <a:ext cx="1285779" cy="594804"/>
+          </a:xfrm>
+          <a:prstGeom prst="rect">
+            <a:avLst/>
+          </a:prstGeom>
+          <a:solidFill>
+            <a:schemeClr val="bg1"/>
+          </a:solidFill>
+          <a:ln>
+            <a:solidFill>
+              <a:schemeClr val="tx1"/>
+            </a:solidFill>
+          </a:ln>
+          <a:effectLst>
+            <a:outerShdw blurRad="50800" dist="38100" dir="5400000" algn="t" rotWithShape="0">
+              <a:prstClr val="black">
+                <a:alpha val="40000"/>
+              </a:prstClr>
+            </a:outerShdw>
+          </a:effectLst>
+        </p:spPr>
+        <p:style>
+          <a:lnRef idx="2">
+            <a:schemeClr val="dk1">
+              <a:shade val="50000"/>
+            </a:schemeClr>
+          </a:lnRef>
+          <a:fillRef idx="1">
+            <a:schemeClr val="dk1"/>
+          </a:fillRef>
+          <a:effectRef idx="0">
+            <a:schemeClr val="dk1"/>
+          </a:effectRef>
+          <a:fontRef idx="minor">
+            <a:schemeClr val="lt1"/>
+          </a:fontRef>
+        </p:style>
+        <p:txBody>
+          <a:bodyPr rtlCol="0" anchor="ctr"/>
+          <a:lstStyle/>
+          <a:p>
+            <a:pPr algn="ctr"/>
+            <a:r>
+              <a:rPr lang="fr-FR">
+                <a:solidFill>
+                  <a:schemeClr val="tx1"/>
+                </a:solidFill>
+              </a:rPr>
+              <a:t>Id</a:t>
+            </a:r>
+            <a:endParaRPr lang="en-US">
+              <a:solidFill>
+                <a:schemeClr val="tx1"/>
+              </a:solidFill>
+            </a:endParaRPr>
+          </a:p>
+        </p:txBody>
+      </p:sp>
+      <p:cxnSp>
+        <p:nvCxnSpPr>
+          <p:cNvPr id="13" name="Connector: Elbow 12">
+            <a:extLst>
+              <a:ext uri="{FF2B5EF4-FFF2-40B4-BE49-F238E27FC236}">
+                <a16:creationId xmlns:a16="http://schemas.microsoft.com/office/drawing/2014/main" id="{C43C7028-27CD-3690-FB03-A816709716E5}"/>
+              </a:ext>
+            </a:extLst>
+          </p:cNvPr>
+          <p:cNvCxnSpPr>
+            <a:cxnSpLocks/>
+            <a:stCxn id="56" idx="3"/>
+            <a:endCxn id="11" idx="1"/>
+          </p:cNvCxnSpPr>
+          <p:nvPr/>
+        </p:nvCxnSpPr>
+        <p:spPr>
+          <a:xfrm flipV="1">
+            <a:off x="7301711" y="4636653"/>
+            <a:ext cx="884980" cy="319456"/>
+          </a:xfrm>
+          <a:prstGeom prst="bentConnector3">
+            <a:avLst>
+              <a:gd name="adj1" fmla="val 50000"/>
+            </a:avLst>
+          </a:prstGeom>
+          <a:ln>
+            <a:solidFill>
+              <a:schemeClr val="tx1"/>
+            </a:solidFill>
+            <a:tailEnd type="none"/>
+          </a:ln>
+        </p:spPr>
+        <p:style>
+          <a:lnRef idx="1">
+            <a:schemeClr val="dk1"/>
+          </a:lnRef>
+          <a:fillRef idx="0">
+            <a:schemeClr val="dk1"/>
+          </a:fillRef>
+          <a:effectRef idx="0">
+            <a:schemeClr val="dk1"/>
+          </a:effectRef>
+          <a:fontRef idx="minor">
+            <a:schemeClr val="tx1"/>
+          </a:fontRef>
+        </p:style>
+      </p:cxnSp>
+      <p:cxnSp>
+        <p:nvCxnSpPr>
+          <p:cNvPr id="17" name="Connector: Elbow 16">
+            <a:extLst>
+              <a:ext uri="{FF2B5EF4-FFF2-40B4-BE49-F238E27FC236}">
+                <a16:creationId xmlns:a16="http://schemas.microsoft.com/office/drawing/2014/main" id="{F873176C-9573-0D17-6707-6E11BB50E7FC}"/>
+              </a:ext>
+            </a:extLst>
+          </p:cNvPr>
+          <p:cNvCxnSpPr>
+            <a:cxnSpLocks/>
+            <a:stCxn id="56" idx="3"/>
+            <a:endCxn id="12" idx="1"/>
+          </p:cNvCxnSpPr>
+          <p:nvPr/>
+        </p:nvCxnSpPr>
+        <p:spPr>
+          <a:xfrm>
+            <a:off x="7301711" y="4956109"/>
+            <a:ext cx="884980" cy="489892"/>
+          </a:xfrm>
+          <a:prstGeom prst="bentConnector3">
+            <a:avLst>
+              <a:gd name="adj1" fmla="val 50000"/>
+            </a:avLst>
+          </a:prstGeom>
+          <a:ln>
+            <a:solidFill>
+              <a:schemeClr val="tx1"/>
+            </a:solidFill>
+            <a:tailEnd type="none"/>
+          </a:ln>
+        </p:spPr>
+        <p:style>
+          <a:lnRef idx="1">
+            <a:schemeClr val="dk1"/>
+          </a:lnRef>
+          <a:fillRef idx="0">
+            <a:schemeClr val="dk1"/>
+          </a:fillRef>
+          <a:effectRef idx="0">
+            <a:schemeClr val="dk1"/>
+          </a:effectRef>
+          <a:fontRef idx="minor">
+            <a:schemeClr val="tx1"/>
+          </a:fontRef>
+        </p:style>
+      </p:cxnSp>
+      <p:sp>
+        <p:nvSpPr>
+          <p:cNvPr id="22" name="Rectangle 21">
+            <a:extLst>
+              <a:ext uri="{FF2B5EF4-FFF2-40B4-BE49-F238E27FC236}">
+                <a16:creationId xmlns:a16="http://schemas.microsoft.com/office/drawing/2014/main" id="{D60EC692-41E3-DA3A-10D1-0D74F8BAD197}"/>
+              </a:ext>
+            </a:extLst>
+          </p:cNvPr>
+          <p:cNvSpPr/>
+          <p:nvPr/>
+        </p:nvSpPr>
+        <p:spPr>
+          <a:xfrm>
+            <a:off x="2192785" y="4667585"/>
+            <a:ext cx="2292662" cy="594804"/>
+          </a:xfrm>
+          <a:prstGeom prst="rect">
+            <a:avLst/>
+          </a:prstGeom>
+          <a:solidFill>
+            <a:schemeClr val="bg1"/>
+          </a:solidFill>
+          <a:ln>
+            <a:solidFill>
+              <a:schemeClr val="tx1"/>
+            </a:solidFill>
+          </a:ln>
+          <a:effectLst>
+            <a:outerShdw blurRad="50800" dist="38100" dir="5400000" algn="t" rotWithShape="0">
+              <a:prstClr val="black">
+                <a:alpha val="40000"/>
+              </a:prstClr>
+            </a:outerShdw>
+          </a:effectLst>
+        </p:spPr>
+        <p:style>
+          <a:lnRef idx="2">
+            <a:schemeClr val="dk1">
+              <a:shade val="50000"/>
+            </a:schemeClr>
+          </a:lnRef>
+          <a:fillRef idx="1">
+            <a:schemeClr val="dk1"/>
+          </a:fillRef>
+          <a:effectRef idx="0">
+            <a:schemeClr val="dk1"/>
+          </a:effectRef>
+          <a:fontRef idx="minor">
+            <a:schemeClr val="lt1"/>
+          </a:fontRef>
+        </p:style>
+        <p:txBody>
+          <a:bodyPr rtlCol="0" anchor="ctr"/>
+          <a:lstStyle/>
+          <a:p>
+            <a:pPr algn="ctr" rtl="0">
+              <a:lnSpc>
+                <a:spcPct val="100000"/>
+              </a:lnSpc>
+            </a:pPr>
+            <a:r>
+              <a:rPr lang="fr-FR" sz="1800" b="0" i="0">
+                <a:effectLst/>
+                <a:latin typeface="Calibri, sans-serif"/>
+              </a:rPr>
+              <a:t>CrudRepository&lt;T, G&gt;</a:t>
+            </a:r>
+            <a:endParaRPr lang="fr-FR" b="0" i="0">
+              <a:effectLst/>
+            </a:endParaRPr>
+          </a:p>
+        </p:txBody>
+      </p:sp>
+      <p:cxnSp>
+        <p:nvCxnSpPr>
+          <p:cNvPr id="26" name="Connector: Elbow 25">
+            <a:extLst>
+              <a:ext uri="{FF2B5EF4-FFF2-40B4-BE49-F238E27FC236}">
+                <a16:creationId xmlns:a16="http://schemas.microsoft.com/office/drawing/2014/main" id="{154FAFB8-BCF1-A146-4F37-B36FE9423632}"/>
+              </a:ext>
+            </a:extLst>
+          </p:cNvPr>
+          <p:cNvCxnSpPr>
+            <a:cxnSpLocks/>
+            <a:stCxn id="22" idx="3"/>
+            <a:endCxn id="56" idx="1"/>
+          </p:cNvCxnSpPr>
+          <p:nvPr/>
+        </p:nvCxnSpPr>
+        <p:spPr>
+          <a:xfrm flipV="1">
+            <a:off x="4485447" y="4956109"/>
+            <a:ext cx="678225" cy="8878"/>
+          </a:xfrm>
+          <a:prstGeom prst="bentConnector3">
+            <a:avLst>
+              <a:gd name="adj1" fmla="val 50000"/>
+            </a:avLst>
+          </a:prstGeom>
+          <a:ln>
+            <a:tailEnd type="none"/>
+          </a:ln>
+        </p:spPr>
+        <p:style>
+          <a:lnRef idx="1">
+            <a:schemeClr val="dk1"/>
+          </a:lnRef>
+          <a:fillRef idx="0">
+            <a:schemeClr val="dk1"/>
+          </a:fillRef>
+          <a:effectRef idx="0">
+            <a:schemeClr val="dk1"/>
+          </a:effectRef>
+          <a:fontRef idx="minor">
+            <a:schemeClr val="tx1"/>
+          </a:fontRef>
+        </p:style>
+      </p:cxnSp>
+      <p:sp>
+        <p:nvSpPr>
+          <p:cNvPr id="34" name="Rectangle: Rounded Corners 33">
+            <a:extLst>
+              <a:ext uri="{FF2B5EF4-FFF2-40B4-BE49-F238E27FC236}">
+                <a16:creationId xmlns:a16="http://schemas.microsoft.com/office/drawing/2014/main" id="{21B969EB-C36D-8BAF-EC19-E6E7BDB4A3BD}"/>
+              </a:ext>
+            </a:extLst>
+          </p:cNvPr>
+          <p:cNvSpPr/>
+          <p:nvPr/>
+        </p:nvSpPr>
+        <p:spPr>
+          <a:xfrm>
+            <a:off x="5542933" y="6090665"/>
+            <a:ext cx="1379515" cy="338554"/>
+          </a:xfrm>
+          <a:prstGeom prst="roundRect">
+            <a:avLst/>
+          </a:prstGeom>
+          <a:noFill/>
+          <a:ln>
+            <a:solidFill>
+              <a:schemeClr val="tx1"/>
+            </a:solidFill>
+          </a:ln>
+        </p:spPr>
+        <p:style>
+          <a:lnRef idx="2">
+            <a:schemeClr val="accent1">
+              <a:shade val="50000"/>
+            </a:schemeClr>
+          </a:lnRef>
+          <a:fillRef idx="1">
+            <a:schemeClr val="accent1"/>
+          </a:fillRef>
+          <a:effectRef idx="0">
+            <a:schemeClr val="accent1"/>
+          </a:effectRef>
+          <a:fontRef idx="minor">
+            <a:schemeClr val="lt1"/>
+          </a:fontRef>
+        </p:style>
+        <p:txBody>
+          <a:bodyPr rtlCol="0" anchor="ctr"/>
+          <a:lstStyle/>
+          <a:p>
+            <a:pPr algn="ctr"/>
+            <a:r>
+              <a:rPr lang="fr-FR">
+                <a:solidFill>
+                  <a:schemeClr val="tx1"/>
+                </a:solidFill>
+              </a:rPr>
+              <a:t>DB</a:t>
+            </a:r>
+            <a:endParaRPr lang="en-US">
+              <a:solidFill>
+                <a:schemeClr val="tx1"/>
+              </a:solidFill>
+            </a:endParaRPr>
+          </a:p>
+        </p:txBody>
+      </p:sp>
+      <p:sp>
+        <p:nvSpPr>
+          <p:cNvPr id="35" name="Rectangle: Rounded Corners 34">
+            <a:extLst>
+              <a:ext uri="{FF2B5EF4-FFF2-40B4-BE49-F238E27FC236}">
+                <a16:creationId xmlns:a16="http://schemas.microsoft.com/office/drawing/2014/main" id="{C6EF5B3A-3F50-475C-25F3-97E76A1ABBA2}"/>
+              </a:ext>
+            </a:extLst>
+          </p:cNvPr>
+          <p:cNvSpPr/>
+          <p:nvPr/>
+        </p:nvSpPr>
+        <p:spPr>
+          <a:xfrm>
+            <a:off x="2649358" y="1737740"/>
+            <a:ext cx="1379515" cy="338554"/>
+          </a:xfrm>
+          <a:prstGeom prst="roundRect">
+            <a:avLst/>
+          </a:prstGeom>
+          <a:noFill/>
+          <a:ln>
+            <a:solidFill>
+              <a:schemeClr val="tx1"/>
+            </a:solidFill>
+          </a:ln>
+        </p:spPr>
+        <p:style>
+          <a:lnRef idx="2">
+            <a:schemeClr val="accent1">
+              <a:shade val="50000"/>
+            </a:schemeClr>
+          </a:lnRef>
+          <a:fillRef idx="1">
+            <a:schemeClr val="accent1"/>
+          </a:fillRef>
+          <a:effectRef idx="0">
+            <a:schemeClr val="accent1"/>
+          </a:effectRef>
+          <a:fontRef idx="minor">
+            <a:schemeClr val="lt1"/>
+          </a:fontRef>
+        </p:style>
+        <p:txBody>
+          <a:bodyPr rtlCol="0" anchor="ctr"/>
+          <a:lstStyle/>
+          <a:p>
+            <a:pPr algn="ctr"/>
+            <a:r>
+              <a:rPr lang="fr-FR">
+                <a:solidFill>
+                  <a:schemeClr val="tx1"/>
+                </a:solidFill>
+              </a:rPr>
+              <a:t>FRONT</a:t>
+            </a:r>
+            <a:endParaRPr lang="en-US">
+              <a:solidFill>
+                <a:schemeClr val="tx1"/>
+              </a:solidFill>
+            </a:endParaRPr>
+          </a:p>
+        </p:txBody>
+      </p:sp>
+      <p:cxnSp>
+        <p:nvCxnSpPr>
+          <p:cNvPr id="39" name="Connector: Elbow 38">
+            <a:extLst>
+              <a:ext uri="{FF2B5EF4-FFF2-40B4-BE49-F238E27FC236}">
+                <a16:creationId xmlns:a16="http://schemas.microsoft.com/office/drawing/2014/main" id="{F5F912D3-BE0A-E864-F32D-5A9B51DCDFA2}"/>
+              </a:ext>
+            </a:extLst>
+          </p:cNvPr>
+          <p:cNvCxnSpPr>
+            <a:stCxn id="35" idx="3"/>
+            <a:endCxn id="49" idx="0"/>
+          </p:cNvCxnSpPr>
+          <p:nvPr/>
+        </p:nvCxnSpPr>
+        <p:spPr>
+          <a:xfrm>
+            <a:off x="4028873" y="1907017"/>
+            <a:ext cx="2203820" cy="256793"/>
+          </a:xfrm>
+          <a:prstGeom prst="bentConnector2">
+            <a:avLst/>
+          </a:prstGeom>
+          <a:ln>
+            <a:solidFill>
+              <a:schemeClr val="tx1"/>
+            </a:solidFill>
+            <a:headEnd type="triangle"/>
+            <a:tailEnd type="triangle"/>
+          </a:ln>
+        </p:spPr>
+        <p:style>
+          <a:lnRef idx="3">
+            <a:schemeClr val="dk1"/>
+          </a:lnRef>
+          <a:fillRef idx="0">
+            <a:schemeClr val="dk1"/>
+          </a:fillRef>
+          <a:effectRef idx="2">
+            <a:schemeClr val="dk1"/>
+          </a:effectRef>
+          <a:fontRef idx="minor">
+            <a:schemeClr val="tx1"/>
+          </a:fontRef>
+        </p:style>
+      </p:cxnSp>
+      <p:cxnSp>
+        <p:nvCxnSpPr>
+          <p:cNvPr id="40" name="Connector: Elbow 39">
+            <a:extLst>
+              <a:ext uri="{FF2B5EF4-FFF2-40B4-BE49-F238E27FC236}">
+                <a16:creationId xmlns:a16="http://schemas.microsoft.com/office/drawing/2014/main" id="{E08029FC-46BA-00A7-5411-FFC456E477ED}"/>
+              </a:ext>
+            </a:extLst>
+          </p:cNvPr>
+          <p:cNvCxnSpPr>
+            <a:cxnSpLocks/>
+            <a:stCxn id="56" idx="2"/>
+            <a:endCxn id="34" idx="0"/>
+          </p:cNvCxnSpPr>
+          <p:nvPr/>
+        </p:nvCxnSpPr>
+        <p:spPr>
+          <a:xfrm rot="5400000">
+            <a:off x="5814115" y="5672088"/>
+            <a:ext cx="837154" cy="1"/>
+          </a:xfrm>
+          <a:prstGeom prst="bentConnector3">
+            <a:avLst>
+              <a:gd name="adj1" fmla="val 50000"/>
+            </a:avLst>
+          </a:prstGeom>
+          <a:ln>
+            <a:headEnd type="triangle"/>
+            <a:tailEnd type="triangle"/>
+          </a:ln>
+        </p:spPr>
+        <p:style>
+          <a:lnRef idx="3">
+            <a:schemeClr val="dk1"/>
+          </a:lnRef>
+          <a:fillRef idx="0">
+            <a:schemeClr val="dk1"/>
+          </a:fillRef>
+          <a:effectRef idx="2">
+            <a:schemeClr val="dk1"/>
+          </a:effectRef>
+          <a:fontRef idx="minor">
+            <a:schemeClr val="tx1"/>
+          </a:fontRef>
+        </p:style>
+      </p:cxnSp>
+      <p:cxnSp>
+        <p:nvCxnSpPr>
+          <p:cNvPr id="2" name="Connector: Elbow 1">
+            <a:extLst>
+              <a:ext uri="{FF2B5EF4-FFF2-40B4-BE49-F238E27FC236}">
+                <a16:creationId xmlns:a16="http://schemas.microsoft.com/office/drawing/2014/main" id="{1FA13AB7-872F-5966-6BC8-70204397F0B7}"/>
+              </a:ext>
+            </a:extLst>
+          </p:cNvPr>
+          <p:cNvCxnSpPr>
+            <a:cxnSpLocks/>
+          </p:cNvCxnSpPr>
+          <p:nvPr/>
+        </p:nvCxnSpPr>
+        <p:spPr>
+          <a:xfrm flipV="1">
+            <a:off x="4485447" y="4956110"/>
+            <a:ext cx="678225" cy="8878"/>
+          </a:xfrm>
+          <a:prstGeom prst="bentConnector3">
+            <a:avLst>
+              <a:gd name="adj1" fmla="val 50000"/>
+            </a:avLst>
+          </a:prstGeom>
+          <a:ln>
+            <a:solidFill>
+              <a:schemeClr val="tx1"/>
+            </a:solidFill>
+            <a:tailEnd type="none"/>
+          </a:ln>
+        </p:spPr>
+        <p:style>
+          <a:lnRef idx="1">
+            <a:schemeClr val="dk1"/>
+          </a:lnRef>
+          <a:fillRef idx="0">
+            <a:schemeClr val="dk1"/>
+          </a:fillRef>
+          <a:effectRef idx="0">
+            <a:schemeClr val="dk1"/>
+          </a:effectRef>
+          <a:fontRef idx="minor">
+            <a:schemeClr val="tx1"/>
+          </a:fontRef>
+        </p:style>
+      </p:cxnSp>
+      <p:cxnSp>
+        <p:nvCxnSpPr>
+          <p:cNvPr id="5" name="Connector: Elbow 4">
+            <a:extLst>
+              <a:ext uri="{FF2B5EF4-FFF2-40B4-BE49-F238E27FC236}">
+                <a16:creationId xmlns:a16="http://schemas.microsoft.com/office/drawing/2014/main" id="{A10BA6A3-6C00-540F-3A6B-B6D1A027AF1F}"/>
+              </a:ext>
+            </a:extLst>
+          </p:cNvPr>
+          <p:cNvCxnSpPr>
+            <a:cxnSpLocks/>
+          </p:cNvCxnSpPr>
+          <p:nvPr/>
+        </p:nvCxnSpPr>
+        <p:spPr>
+          <a:xfrm rot="5400000">
+            <a:off x="5814115" y="5672089"/>
+            <a:ext cx="837154" cy="1"/>
+          </a:xfrm>
+          <a:prstGeom prst="bentConnector3">
+            <a:avLst>
+              <a:gd name="adj1" fmla="val 50000"/>
+            </a:avLst>
+          </a:prstGeom>
+          <a:ln>
+            <a:solidFill>
+              <a:schemeClr val="tx1"/>
+            </a:solidFill>
+            <a:headEnd type="triangle"/>
+            <a:tailEnd type="triangle"/>
+          </a:ln>
+        </p:spPr>
+        <p:style>
+          <a:lnRef idx="3">
+            <a:schemeClr val="dk1"/>
+          </a:lnRef>
+          <a:fillRef idx="0">
+            <a:schemeClr val="dk1"/>
+          </a:fillRef>
+          <a:effectRef idx="2">
+            <a:schemeClr val="dk1"/>
+          </a:effectRef>
+          <a:fontRef idx="minor">
+            <a:schemeClr val="tx1"/>
+          </a:fontRef>
+        </p:style>
+      </p:cxnSp>
+    </p:spTree>
+    <p:extLst>
+      <p:ext uri="{BB962C8B-B14F-4D97-AF65-F5344CB8AC3E}">
+        <p14:creationId xmlns:p14="http://schemas.microsoft.com/office/powerpoint/2010/main" val="4192443622"/>
+      </p:ext>
+    </p:extLst>
+  </p:cSld>
+  <p:clrMapOvr>
+    <a:masterClrMapping/>
+  </p:clrMapOvr>
+</p:sld>
+</file>
+
+<file path=ppt/slides/slide12.xml><?xml version="1.0" encoding="utf-8"?>
+<p:sld xmlns:a="http://schemas.openxmlformats.org/drawingml/2006/main" xmlns:r="http://schemas.openxmlformats.org/officeDocument/2006/relationships" xmlns:p="http://schemas.openxmlformats.org/presentationml/2006/main">
+  <p:cSld>
+    <p:spTree>
+      <p:nvGrpSpPr>
+        <p:cNvPr id="1" name=""/>
+        <p:cNvGrpSpPr/>
+        <p:nvPr/>
+      </p:nvGrpSpPr>
+      <p:grpSpPr>
+        <a:xfrm>
+          <a:off x="0" y="0"/>
+          <a:ext cx="0" cy="0"/>
+          <a:chOff x="0" y="0"/>
+          <a:chExt cx="0" cy="0"/>
+        </a:xfrm>
+      </p:grpSpPr>
+      <p:sp>
+        <p:nvSpPr>
+          <p:cNvPr id="3" name="Slide Number Placeholder 32">
+            <a:extLst>
+              <a:ext uri="{FF2B5EF4-FFF2-40B4-BE49-F238E27FC236}">
+                <a16:creationId xmlns:a16="http://schemas.microsoft.com/office/drawing/2014/main" id="{73785881-B744-E58E-C152-B267B3D41260}"/>
+              </a:ext>
+            </a:extLst>
+          </p:cNvPr>
+          <p:cNvSpPr>
+            <a:spLocks noGrp="1"/>
+          </p:cNvSpPr>
+          <p:nvPr>
+            <p:ph type="sldNum" sz="quarter" idx="12"/>
+          </p:nvPr>
+        </p:nvSpPr>
+        <p:spPr>
+          <a:xfrm>
+            <a:off x="9107747" y="6429219"/>
+            <a:ext cx="2743200" cy="365125"/>
+          </a:xfrm>
+        </p:spPr>
+        <p:txBody>
+          <a:bodyPr/>
+          <a:lstStyle/>
+          <a:p>
+            <a:fld id="{F26BA1F6-0971-4337-9C55-1D3289524A07}" type="slidenum">
+              <a:rPr lang="en-US" sz="1400" b="1" smtClean="0">
+                <a:solidFill>
+                  <a:schemeClr val="bg1"/>
+                </a:solidFill>
+              </a:rPr>
+              <a:t>12</a:t>
+            </a:fld>
+            <a:endParaRPr lang="en-US" sz="1400" b="1">
+              <a:solidFill>
+                <a:schemeClr val="bg1"/>
+              </a:solidFill>
+            </a:endParaRPr>
+          </a:p>
+        </p:txBody>
+      </p:sp>
+      <p:sp>
+        <p:nvSpPr>
+          <p:cNvPr id="4" name="Title 1">
+            <a:extLst>
+              <a:ext uri="{FF2B5EF4-FFF2-40B4-BE49-F238E27FC236}">
+                <a16:creationId xmlns:a16="http://schemas.microsoft.com/office/drawing/2014/main" id="{A8D5AF67-DBEA-80C8-15A1-E79B86A4E90B}"/>
+              </a:ext>
+            </a:extLst>
+          </p:cNvPr>
+          <p:cNvSpPr txBox="1">
+            <a:spLocks/>
+          </p:cNvSpPr>
+          <p:nvPr/>
+        </p:nvSpPr>
+        <p:spPr>
+          <a:xfrm>
+            <a:off x="7688062" y="2855683"/>
+            <a:ext cx="3559945" cy="948261"/>
+          </a:xfrm>
+          <a:prstGeom prst="rect">
+            <a:avLst/>
+          </a:prstGeom>
+        </p:spPr>
+        <p:txBody>
+          <a:bodyPr vert="horz" lIns="91440" tIns="45720" rIns="91440" bIns="45720" rtlCol="0" anchor="ctr">
+            <a:normAutofit fontScale="92500" lnSpcReduction="10000"/>
+          </a:bodyPr>
+          <a:lstStyle>
+            <a:lvl1pPr algn="l" defTabSz="914400" rtl="0" eaLnBrk="1" latinLnBrk="0" hangingPunct="1">
+              <a:lnSpc>
+                <a:spcPct val="90000"/>
+              </a:lnSpc>
+              <a:spcBef>
+                <a:spcPct val="0"/>
+              </a:spcBef>
+              <a:buNone/>
+              <a:defRPr sz="3600" kern="1200" cap="all" baseline="0">
+                <a:solidFill>
+                  <a:schemeClr val="tx1"/>
+                </a:solidFill>
+                <a:latin typeface="+mj-lt"/>
+                <a:ea typeface="+mj-ea"/>
+                <a:cs typeface="+mj-cs"/>
+              </a:defRPr>
+            </a:lvl1pPr>
+          </a:lstStyle>
+          <a:p>
+            <a:r>
+              <a:rPr lang="en-US" b="1"/>
+              <a:t>front :</a:t>
+            </a:r>
+          </a:p>
+          <a:p>
+            <a:r>
+              <a:rPr lang="en-US" b="1"/>
+              <a:t>architecturE</a:t>
+            </a:r>
+            <a:endParaRPr lang="en-US" b="1" dirty="0"/>
+          </a:p>
+        </p:txBody>
+      </p:sp>
+      <p:pic>
+        <p:nvPicPr>
+          <p:cNvPr id="5" name="Picture 4">
+            <a:extLst>
+              <a:ext uri="{FF2B5EF4-FFF2-40B4-BE49-F238E27FC236}">
+                <a16:creationId xmlns:a16="http://schemas.microsoft.com/office/drawing/2014/main" id="{940416F0-26B2-3113-9DE9-5DBC670F8761}"/>
+              </a:ext>
+            </a:extLst>
+          </p:cNvPr>
+          <p:cNvPicPr>
+            <a:picLocks noChangeAspect="1"/>
+          </p:cNvPicPr>
+          <p:nvPr/>
+        </p:nvPicPr>
+        <p:blipFill rotWithShape="1">
+          <a:blip r:embed="rId2"/>
+          <a:srcRect l="14060" t="2313" b="2313"/>
+          <a:stretch/>
+        </p:blipFill>
+        <p:spPr>
+          <a:xfrm>
+            <a:off x="2001349" y="158620"/>
+            <a:ext cx="5005179" cy="6540760"/>
+          </a:xfrm>
+          <a:prstGeom prst="rect">
+            <a:avLst/>
+          </a:prstGeom>
+        </p:spPr>
+      </p:pic>
+    </p:spTree>
+    <p:extLst>
+      <p:ext uri="{BB962C8B-B14F-4D97-AF65-F5344CB8AC3E}">
+        <p14:creationId xmlns:p14="http://schemas.microsoft.com/office/powerpoint/2010/main" val="4139910263"/>
+      </p:ext>
+    </p:extLst>
+  </p:cSld>
+  <p:clrMapOvr>
+    <a:masterClrMapping/>
+  </p:clrMapOvr>
+</p:sld>
+</file>
+
+<file path=ppt/slides/slide13.xml><?xml version="1.0" encoding="utf-8"?>
+<p:sld xmlns:a="http://schemas.openxmlformats.org/drawingml/2006/main" xmlns:r="http://schemas.openxmlformats.org/officeDocument/2006/relationships" xmlns:p="http://schemas.openxmlformats.org/presentationml/2006/main">
+  <p:cSld>
+    <p:spTree>
+      <p:nvGrpSpPr>
+        <p:cNvPr id="1" name=""/>
+        <p:cNvGrpSpPr/>
+        <p:nvPr/>
+      </p:nvGrpSpPr>
+      <p:grpSpPr>
+        <a:xfrm>
+          <a:off x="0" y="0"/>
+          <a:ext cx="0" cy="0"/>
+          <a:chOff x="0" y="0"/>
+          <a:chExt cx="0" cy="0"/>
+        </a:xfrm>
+      </p:grpSpPr>
+      <p:sp>
+        <p:nvSpPr>
+          <p:cNvPr id="3" name="Slide Number Placeholder 32">
+            <a:extLst>
+              <a:ext uri="{FF2B5EF4-FFF2-40B4-BE49-F238E27FC236}">
+                <a16:creationId xmlns:a16="http://schemas.microsoft.com/office/drawing/2014/main" id="{73785881-B744-E58E-C152-B267B3D41260}"/>
+              </a:ext>
+            </a:extLst>
+          </p:cNvPr>
+          <p:cNvSpPr>
+            <a:spLocks noGrp="1"/>
+          </p:cNvSpPr>
+          <p:nvPr>
+            <p:ph type="sldNum" sz="quarter" idx="12"/>
+          </p:nvPr>
+        </p:nvSpPr>
+        <p:spPr>
+          <a:xfrm>
+            <a:off x="9107747" y="6429219"/>
+            <a:ext cx="2743200" cy="365125"/>
+          </a:xfrm>
+        </p:spPr>
+        <p:txBody>
+          <a:bodyPr/>
+          <a:lstStyle/>
+          <a:p>
+            <a:fld id="{F26BA1F6-0971-4337-9C55-1D3289524A07}" type="slidenum">
+              <a:rPr lang="en-US" sz="1400" b="1" smtClean="0">
+                <a:solidFill>
+                  <a:schemeClr val="tx1"/>
+                </a:solidFill>
+              </a:rPr>
+              <a:t>13</a:t>
+            </a:fld>
+            <a:endParaRPr lang="en-US" sz="1400" b="1">
+              <a:solidFill>
+                <a:schemeClr val="tx1"/>
+              </a:solidFill>
+            </a:endParaRPr>
+          </a:p>
+        </p:txBody>
+      </p:sp>
       <p:sp>
         <p:nvSpPr>
           <p:cNvPr id="4" name="Title 1">
@@ -13258,7 +14852,7 @@
 </p:sld>
 </file>
 
-<file path=ppt/slides/slide11.xml><?xml version="1.0" encoding="utf-8"?>
+<file path=ppt/slides/slide14.xml><?xml version="1.0" encoding="utf-8"?>
 <p:sld xmlns:a="http://schemas.openxmlformats.org/drawingml/2006/main" xmlns:r="http://schemas.openxmlformats.org/officeDocument/2006/relationships" xmlns:p="http://schemas.openxmlformats.org/presentationml/2006/main">
   <p:cSld>
     <p:spTree>
@@ -13307,7 +14901,7 @@
                   <a:schemeClr val="tx1"/>
                 </a:solidFill>
               </a:rPr>
-              <a:t>11</a:t>
+              <a:t>14</a:t>
             </a:fld>
             <a:endParaRPr lang="en-US" sz="1400" b="1">
               <a:solidFill>
@@ -13544,7 +15138,7 @@
 </p:sld>
 </file>
 
-<file path=ppt/slides/slide12.xml><?xml version="1.0" encoding="utf-8"?>
+<file path=ppt/slides/slide15.xml><?xml version="1.0" encoding="utf-8"?>
 <p:sld xmlns:a="http://schemas.openxmlformats.org/drawingml/2006/main" xmlns:r="http://schemas.openxmlformats.org/officeDocument/2006/relationships" xmlns:p="http://schemas.openxmlformats.org/presentationml/2006/main">
   <p:cSld>
     <p:spTree>
@@ -13593,7 +15187,7 @@
                   <a:schemeClr val="tx1"/>
                 </a:solidFill>
               </a:rPr>
-              <a:t>12</a:t>
+              <a:t>15</a:t>
             </a:fld>
             <a:endParaRPr lang="en-US" sz="1400" b="1">
               <a:solidFill>
@@ -13860,7 +15454,7 @@
 </p:sld>
 </file>
 
-<file path=ppt/slides/slide13.xml><?xml version="1.0" encoding="utf-8"?>
+<file path=ppt/slides/slide16.xml><?xml version="1.0" encoding="utf-8"?>
 <p:sld xmlns:a="http://schemas.openxmlformats.org/drawingml/2006/main" xmlns:r="http://schemas.openxmlformats.org/officeDocument/2006/relationships" xmlns:p="http://schemas.openxmlformats.org/presentationml/2006/main">
   <p:cSld>
     <p:spTree>
@@ -13909,7 +15503,7 @@
                   <a:schemeClr val="tx1"/>
                 </a:solidFill>
               </a:rPr>
-              <a:t>13</a:t>
+              <a:t>16</a:t>
             </a:fld>
             <a:endParaRPr lang="en-US" sz="1400" b="1">
               <a:solidFill>
@@ -14092,7 +15686,7 @@
 </p:sld>
 </file>
 
-<file path=ppt/slides/slide14.xml><?xml version="1.0" encoding="utf-8"?>
+<file path=ppt/slides/slide17.xml><?xml version="1.0" encoding="utf-8"?>
 <p:sld xmlns:a="http://schemas.openxmlformats.org/drawingml/2006/main" xmlns:r="http://schemas.openxmlformats.org/officeDocument/2006/relationships" xmlns:p="http://schemas.openxmlformats.org/presentationml/2006/main">
   <p:cSld>
     <p:spTree>
@@ -14141,7 +15735,7 @@
                   <a:schemeClr val="tx1"/>
                 </a:solidFill>
               </a:rPr>
-              <a:t>14</a:t>
+              <a:t>17</a:t>
             </a:fld>
             <a:endParaRPr lang="en-US" sz="1400" b="1">
               <a:solidFill>
@@ -14362,7 +15956,7 @@
 </p:sld>
 </file>
 
-<file path=ppt/slides/slide15.xml><?xml version="1.0" encoding="utf-8"?>
+<file path=ppt/slides/slide18.xml><?xml version="1.0" encoding="utf-8"?>
 <p:sld xmlns:a="http://schemas.openxmlformats.org/drawingml/2006/main" xmlns:r="http://schemas.openxmlformats.org/officeDocument/2006/relationships" xmlns:p="http://schemas.openxmlformats.org/presentationml/2006/main">
   <p:cSld>
     <p:spTree>
@@ -14411,7 +16005,7 @@
                   <a:schemeClr val="tx1"/>
                 </a:solidFill>
               </a:rPr>
-              <a:t>15</a:t>
+              <a:t>18</a:t>
             </a:fld>
             <a:endParaRPr lang="en-US" sz="1400" b="1">
               <a:solidFill>
@@ -14772,7 +16366,7 @@
 </p:sld>
 </file>
 
-<file path=ppt/slides/slide16.xml><?xml version="1.0" encoding="utf-8"?>
+<file path=ppt/slides/slide19.xml><?xml version="1.0" encoding="utf-8"?>
 <p:sld xmlns:a="http://schemas.openxmlformats.org/drawingml/2006/main" xmlns:r="http://schemas.openxmlformats.org/officeDocument/2006/relationships" xmlns:p="http://schemas.openxmlformats.org/presentationml/2006/main">
   <p:cSld>
     <p:spTree>
@@ -14821,7 +16415,7 @@
                   <a:schemeClr val="tx1"/>
                 </a:solidFill>
               </a:rPr>
-              <a:t>16</a:t>
+              <a:t>19</a:t>
             </a:fld>
             <a:endParaRPr lang="en-US" sz="1400" b="1">
               <a:solidFill>
@@ -15715,7 +17309,7 @@
 </p:sld>
 </file>
 
-<file path=ppt/slides/slide17.xml><?xml version="1.0" encoding="utf-8"?>
+<file path=ppt/slides/slide2.xml><?xml version="1.0" encoding="utf-8"?>
 <p:sld xmlns:a="http://schemas.openxmlformats.org/drawingml/2006/main" xmlns:r="http://schemas.openxmlformats.org/officeDocument/2006/relationships" xmlns:p="http://schemas.openxmlformats.org/presentationml/2006/main">
   <p:cSld>
     <p:spTree>
@@ -15764,7 +17358,171 @@
                   <a:schemeClr val="tx1"/>
                 </a:solidFill>
               </a:rPr>
-              <a:t>17</a:t>
+              <a:t>2</a:t>
+            </a:fld>
+            <a:endParaRPr lang="en-US" sz="1400" b="1">
+              <a:solidFill>
+                <a:schemeClr val="tx1"/>
+              </a:solidFill>
+            </a:endParaRPr>
+          </a:p>
+        </p:txBody>
+      </p:sp>
+      <p:sp>
+        <p:nvSpPr>
+          <p:cNvPr id="4" name="Title 1">
+            <a:extLst>
+              <a:ext uri="{FF2B5EF4-FFF2-40B4-BE49-F238E27FC236}">
+                <a16:creationId xmlns:a16="http://schemas.microsoft.com/office/drawing/2014/main" id="{A8D5AF67-DBEA-80C8-15A1-E79B86A4E90B}"/>
+              </a:ext>
+            </a:extLst>
+          </p:cNvPr>
+          <p:cNvSpPr txBox="1">
+            <a:spLocks/>
+          </p:cNvSpPr>
+          <p:nvPr/>
+        </p:nvSpPr>
+        <p:spPr>
+          <a:xfrm>
+            <a:off x="2296357" y="231784"/>
+            <a:ext cx="7599286" cy="948261"/>
+          </a:xfrm>
+          <a:prstGeom prst="rect">
+            <a:avLst/>
+          </a:prstGeom>
+        </p:spPr>
+        <p:txBody>
+          <a:bodyPr vert="horz" lIns="91440" tIns="45720" rIns="91440" bIns="45720" rtlCol="0" anchor="ctr">
+            <a:normAutofit/>
+          </a:bodyPr>
+          <a:lstStyle>
+            <a:lvl1pPr algn="l" defTabSz="914400" rtl="0" eaLnBrk="1" latinLnBrk="0" hangingPunct="1">
+              <a:lnSpc>
+                <a:spcPct val="90000"/>
+              </a:lnSpc>
+              <a:spcBef>
+                <a:spcPct val="0"/>
+              </a:spcBef>
+              <a:buNone/>
+              <a:defRPr sz="3600" kern="1200" cap="all" baseline="0">
+                <a:solidFill>
+                  <a:schemeClr val="tx1"/>
+                </a:solidFill>
+                <a:latin typeface="+mj-lt"/>
+                <a:ea typeface="+mj-ea"/>
+                <a:cs typeface="+mj-cs"/>
+              </a:defRPr>
+            </a:lvl1pPr>
+          </a:lstStyle>
+          <a:p>
+            <a:pPr algn="ctr"/>
+            <a:r>
+              <a:rPr lang="en-US" b="1" dirty="0" err="1"/>
+              <a:t>Usecase</a:t>
+            </a:r>
+            <a:endParaRPr lang="en-US" b="1" dirty="0"/>
+          </a:p>
+        </p:txBody>
+      </p:sp>
+      <p:pic>
+        <p:nvPicPr>
+          <p:cNvPr id="6" name="Picture 5">
+            <a:extLst>
+              <a:ext uri="{FF2B5EF4-FFF2-40B4-BE49-F238E27FC236}">
+                <a16:creationId xmlns:a16="http://schemas.microsoft.com/office/drawing/2014/main" id="{15B69958-B036-8D99-0136-6C893F6EE124}"/>
+              </a:ext>
+            </a:extLst>
+          </p:cNvPr>
+          <p:cNvPicPr>
+            <a:picLocks noChangeAspect="1"/>
+          </p:cNvPicPr>
+          <p:nvPr/>
+        </p:nvPicPr>
+        <p:blipFill>
+          <a:blip r:embed="rId2">
+            <a:extLst>
+              <a:ext uri="{28A0092B-C50C-407E-A947-70E740481C1C}">
+                <a14:useLocalDpi xmlns:a14="http://schemas.microsoft.com/office/drawing/2010/main" val="0"/>
+              </a:ext>
+            </a:extLst>
+          </a:blip>
+          <a:stretch>
+            <a:fillRect/>
+          </a:stretch>
+        </p:blipFill>
+        <p:spPr>
+          <a:xfrm>
+            <a:off x="2685622" y="1293775"/>
+            <a:ext cx="6820756" cy="5256362"/>
+          </a:xfrm>
+          <a:prstGeom prst="rect">
+            <a:avLst/>
+          </a:prstGeom>
+        </p:spPr>
+      </p:pic>
+    </p:spTree>
+    <p:extLst>
+      <p:ext uri="{BB962C8B-B14F-4D97-AF65-F5344CB8AC3E}">
+        <p14:creationId xmlns:p14="http://schemas.microsoft.com/office/powerpoint/2010/main" val="124580382"/>
+      </p:ext>
+    </p:extLst>
+  </p:cSld>
+  <p:clrMapOvr>
+    <a:masterClrMapping/>
+  </p:clrMapOvr>
+</p:sld>
+</file>
+
+<file path=ppt/slides/slide20.xml><?xml version="1.0" encoding="utf-8"?>
+<p:sld xmlns:a="http://schemas.openxmlformats.org/drawingml/2006/main" xmlns:r="http://schemas.openxmlformats.org/officeDocument/2006/relationships" xmlns:p="http://schemas.openxmlformats.org/presentationml/2006/main">
+  <p:cSld>
+    <p:spTree>
+      <p:nvGrpSpPr>
+        <p:cNvPr id="1" name=""/>
+        <p:cNvGrpSpPr/>
+        <p:nvPr/>
+      </p:nvGrpSpPr>
+      <p:grpSpPr>
+        <a:xfrm>
+          <a:off x="0" y="0"/>
+          <a:ext cx="0" cy="0"/>
+          <a:chOff x="0" y="0"/>
+          <a:chExt cx="0" cy="0"/>
+        </a:xfrm>
+      </p:grpSpPr>
+      <p:sp>
+        <p:nvSpPr>
+          <p:cNvPr id="3" name="Slide Number Placeholder 32">
+            <a:extLst>
+              <a:ext uri="{FF2B5EF4-FFF2-40B4-BE49-F238E27FC236}">
+                <a16:creationId xmlns:a16="http://schemas.microsoft.com/office/drawing/2014/main" id="{73785881-B744-E58E-C152-B267B3D41260}"/>
+              </a:ext>
+            </a:extLst>
+          </p:cNvPr>
+          <p:cNvSpPr>
+            <a:spLocks noGrp="1"/>
+          </p:cNvSpPr>
+          <p:nvPr>
+            <p:ph type="sldNum" sz="quarter" idx="12"/>
+          </p:nvPr>
+        </p:nvSpPr>
+        <p:spPr>
+          <a:xfrm>
+            <a:off x="9107747" y="6429219"/>
+            <a:ext cx="2743200" cy="365125"/>
+          </a:xfrm>
+        </p:spPr>
+        <p:txBody>
+          <a:bodyPr/>
+          <a:lstStyle/>
+          <a:p>
+            <a:fld id="{F26BA1F6-0971-4337-9C55-1D3289524A07}" type="slidenum">
+              <a:rPr lang="en-US" sz="1400" b="1" smtClean="0">
+                <a:solidFill>
+                  <a:schemeClr val="tx1"/>
+                </a:solidFill>
+              </a:rPr>
+              <a:t>20</a:t>
             </a:fld>
             <a:endParaRPr lang="en-US" sz="1400" b="1">
               <a:solidFill>
@@ -15888,8 +17646,8 @@
           </a:p>
         </p:txBody>
       </p:sp>
-      <mc:AlternateContent xmlns:mc="http://schemas.openxmlformats.org/markup-compatibility/2006">
-        <mc:Choice xmlns:a14="http://schemas.microsoft.com/office/drawing/2010/main" Requires="a14">
+      <mc:AlternateContent xmlns:mc="http://schemas.openxmlformats.org/markup-compatibility/2006" xmlns:a14="http://schemas.microsoft.com/office/drawing/2010/main">
+        <mc:Choice Requires="a14">
           <p:sp>
             <p:nvSpPr>
               <p:cNvPr id="11" name="TextBox 10">
@@ -15918,6 +17676,7 @@
               </a:bodyPr>
               <a:lstStyle/>
               <a:p>
+                <a:pPr/>
                 <a14:m>
                   <m:oMathPara xmlns:m="http://schemas.openxmlformats.org/officeDocument/2006/math">
                     <m:oMathParaPr>
@@ -16052,7 +17811,7 @@
             </p:txBody>
           </p:sp>
         </mc:Choice>
-        <mc:Fallback>
+        <mc:Fallback xmlns="">
           <p:sp>
             <p:nvSpPr>
               <p:cNvPr id="11" name="TextBox 10">
@@ -16146,7 +17905,7 @@
 </p:sld>
 </file>
 
-<file path=ppt/slides/slide18.xml><?xml version="1.0" encoding="utf-8"?>
+<file path=ppt/slides/slide21.xml><?xml version="1.0" encoding="utf-8"?>
 <p:sld xmlns:a="http://schemas.openxmlformats.org/drawingml/2006/main" xmlns:r="http://schemas.openxmlformats.org/officeDocument/2006/relationships" xmlns:p="http://schemas.openxmlformats.org/presentationml/2006/main">
   <p:cSld>
     <p:spTree>
@@ -16195,7 +17954,7 @@
                   <a:schemeClr val="tx1"/>
                 </a:solidFill>
               </a:rPr>
-              <a:t>18</a:t>
+              <a:t>21</a:t>
             </a:fld>
             <a:endParaRPr lang="en-US" sz="1400" b="1">
               <a:solidFill>
@@ -16304,7 +18063,7 @@
 </p:sld>
 </file>
 
-<file path=ppt/slides/slide19.xml><?xml version="1.0" encoding="utf-8"?>
+<file path=ppt/slides/slide22.xml><?xml version="1.0" encoding="utf-8"?>
 <p:sld xmlns:a="http://schemas.openxmlformats.org/drawingml/2006/main" xmlns:r="http://schemas.openxmlformats.org/officeDocument/2006/relationships" xmlns:p="http://schemas.openxmlformats.org/presentationml/2006/main">
   <p:cSld>
     <p:spTree>
@@ -16353,7 +18112,7 @@
                   <a:schemeClr val="tx1"/>
                 </a:solidFill>
               </a:rPr>
-              <a:t>19</a:t>
+              <a:t>22</a:t>
             </a:fld>
             <a:endParaRPr lang="en-US" sz="1400" b="1">
               <a:solidFill>
@@ -16462,7 +18221,7 @@
 </p:sld>
 </file>
 
-<file path=ppt/slides/slide2.xml><?xml version="1.0" encoding="utf-8"?>
+<file path=ppt/slides/slide23.xml><?xml version="1.0" encoding="utf-8"?>
 <p:sld xmlns:a="http://schemas.openxmlformats.org/drawingml/2006/main" xmlns:r="http://schemas.openxmlformats.org/officeDocument/2006/relationships" xmlns:p="http://schemas.openxmlformats.org/presentationml/2006/main">
   <p:cSld>
     <p:spTree>
@@ -16511,473 +18270,7 @@
                   <a:schemeClr val="tx1"/>
                 </a:solidFill>
               </a:rPr>
-              <a:t>2</a:t>
-            </a:fld>
-            <a:endParaRPr lang="en-US" sz="1400" b="1">
-              <a:solidFill>
-                <a:schemeClr val="tx1"/>
-              </a:solidFill>
-            </a:endParaRPr>
-          </a:p>
-        </p:txBody>
-      </p:sp>
-      <p:sp>
-        <p:nvSpPr>
-          <p:cNvPr id="4" name="Title 1">
-            <a:extLst>
-              <a:ext uri="{FF2B5EF4-FFF2-40B4-BE49-F238E27FC236}">
-                <a16:creationId xmlns:a16="http://schemas.microsoft.com/office/drawing/2014/main" id="{A8D5AF67-DBEA-80C8-15A1-E79B86A4E90B}"/>
-              </a:ext>
-            </a:extLst>
-          </p:cNvPr>
-          <p:cNvSpPr txBox="1">
-            <a:spLocks/>
-          </p:cNvSpPr>
-          <p:nvPr/>
-        </p:nvSpPr>
-        <p:spPr>
-          <a:xfrm>
-            <a:off x="2296357" y="529734"/>
-            <a:ext cx="7599286" cy="948261"/>
-          </a:xfrm>
-          <a:prstGeom prst="rect">
-            <a:avLst/>
-          </a:prstGeom>
-        </p:spPr>
-        <p:txBody>
-          <a:bodyPr vert="horz" lIns="91440" tIns="45720" rIns="91440" bIns="45720" rtlCol="0" anchor="ctr">
-            <a:normAutofit/>
-          </a:bodyPr>
-          <a:lstStyle>
-            <a:lvl1pPr algn="l" defTabSz="914400" rtl="0" eaLnBrk="1" latinLnBrk="0" hangingPunct="1">
-              <a:lnSpc>
-                <a:spcPct val="90000"/>
-              </a:lnSpc>
-              <a:spcBef>
-                <a:spcPct val="0"/>
-              </a:spcBef>
-              <a:buNone/>
-              <a:defRPr sz="3600" kern="1200" cap="all" baseline="0">
-                <a:solidFill>
-                  <a:schemeClr val="tx1"/>
-                </a:solidFill>
-                <a:latin typeface="+mj-lt"/>
-                <a:ea typeface="+mj-ea"/>
-                <a:cs typeface="+mj-cs"/>
-              </a:defRPr>
-            </a:lvl1pPr>
-          </a:lstStyle>
-          <a:p>
-            <a:pPr algn="ctr"/>
-            <a:r>
-              <a:rPr lang="en-US" b="1"/>
-              <a:t>fonctionnalitÉs</a:t>
-            </a:r>
-            <a:endParaRPr lang="en-US" b="1" dirty="0"/>
-          </a:p>
-        </p:txBody>
-      </p:sp>
-      <p:sp>
-        <p:nvSpPr>
-          <p:cNvPr id="2" name="TextBox 1">
-            <a:extLst>
-              <a:ext uri="{FF2B5EF4-FFF2-40B4-BE49-F238E27FC236}">
-                <a16:creationId xmlns:a16="http://schemas.microsoft.com/office/drawing/2014/main" id="{33010607-8DFE-2D85-DB3A-57A0D48A38C2}"/>
-              </a:ext>
-            </a:extLst>
-          </p:cNvPr>
-          <p:cNvSpPr txBox="1"/>
-          <p:nvPr/>
-        </p:nvSpPr>
-        <p:spPr>
-          <a:xfrm>
-            <a:off x="6969961" y="1891297"/>
-            <a:ext cx="4082476" cy="3633815"/>
-          </a:xfrm>
-          <a:prstGeom prst="rect">
-            <a:avLst/>
-          </a:prstGeom>
-          <a:noFill/>
-        </p:spPr>
-        <p:txBody>
-          <a:bodyPr wrap="square" rtlCol="0">
-            <a:spAutoFit/>
-          </a:bodyPr>
-          <a:lstStyle/>
-          <a:p>
-            <a:pPr lvl="1">
-              <a:lnSpc>
-                <a:spcPct val="250000"/>
-              </a:lnSpc>
-            </a:pPr>
-            <a:r>
-              <a:rPr lang="fr-FR" sz="2400">
-                <a:effectLst/>
-              </a:rPr>
-              <a:t>Algo Aho-Ullman</a:t>
-            </a:r>
-          </a:p>
-          <a:p>
-            <a:pPr lvl="1">
-              <a:lnSpc>
-                <a:spcPct val="250000"/>
-              </a:lnSpc>
-            </a:pPr>
-            <a:r>
-              <a:rPr lang="fr-FR" sz="2400">
-                <a:effectLst/>
-              </a:rPr>
-              <a:t>Algo KMP</a:t>
-            </a:r>
-          </a:p>
-          <a:p>
-            <a:pPr lvl="1">
-              <a:lnSpc>
-                <a:spcPct val="250000"/>
-              </a:lnSpc>
-            </a:pPr>
-            <a:r>
-              <a:rPr lang="fr-FR" sz="2400">
-                <a:effectLst/>
-              </a:rPr>
-              <a:t>Centralité</a:t>
-            </a:r>
-          </a:p>
-          <a:p>
-            <a:pPr lvl="1">
-              <a:lnSpc>
-                <a:spcPct val="250000"/>
-              </a:lnSpc>
-            </a:pPr>
-            <a:r>
-              <a:rPr lang="fr-FR" sz="2400">
-                <a:effectLst/>
-              </a:rPr>
-              <a:t>Distance de Jaccard</a:t>
-            </a:r>
-          </a:p>
-        </p:txBody>
-      </p:sp>
-      <p:sp>
-        <p:nvSpPr>
-          <p:cNvPr id="5" name="TextBox 4">
-            <a:extLst>
-              <a:ext uri="{FF2B5EF4-FFF2-40B4-BE49-F238E27FC236}">
-                <a16:creationId xmlns:a16="http://schemas.microsoft.com/office/drawing/2014/main" id="{2307D777-F8E0-499B-F601-98F5AFB2A2CA}"/>
-              </a:ext>
-            </a:extLst>
-          </p:cNvPr>
-          <p:cNvSpPr txBox="1"/>
-          <p:nvPr/>
-        </p:nvSpPr>
-        <p:spPr>
-          <a:xfrm>
-            <a:off x="1680732" y="1891298"/>
-            <a:ext cx="4082476" cy="3633815"/>
-          </a:xfrm>
-          <a:prstGeom prst="rect">
-            <a:avLst/>
-          </a:prstGeom>
-          <a:noFill/>
-        </p:spPr>
-        <p:txBody>
-          <a:bodyPr wrap="square" rtlCol="0">
-            <a:spAutoFit/>
-          </a:bodyPr>
-          <a:lstStyle/>
-          <a:p>
-            <a:pPr marL="800100" lvl="1" indent="-342900">
-              <a:lnSpc>
-                <a:spcPct val="250000"/>
-              </a:lnSpc>
-              <a:buFont typeface="Wingdings" panose="05000000000000000000" pitchFamily="2" charset="2"/>
-              <a:buChar char="Ø"/>
-            </a:pPr>
-            <a:r>
-              <a:rPr lang="fr-FR" sz="2400">
-                <a:effectLst/>
-              </a:rPr>
-              <a:t>Recherche par RegEx</a:t>
-            </a:r>
-          </a:p>
-          <a:p>
-            <a:pPr marL="800100" lvl="1" indent="-342900">
-              <a:lnSpc>
-                <a:spcPct val="250000"/>
-              </a:lnSpc>
-              <a:buFont typeface="Wingdings" panose="05000000000000000000" pitchFamily="2" charset="2"/>
-              <a:buChar char="Ø"/>
-            </a:pPr>
-            <a:r>
-              <a:rPr lang="fr-FR" sz="2400">
-                <a:effectLst/>
-              </a:rPr>
-              <a:t>Recherche simple</a:t>
-            </a:r>
-          </a:p>
-          <a:p>
-            <a:pPr marL="800100" lvl="1" indent="-342900">
-              <a:lnSpc>
-                <a:spcPct val="250000"/>
-              </a:lnSpc>
-              <a:buFont typeface="Wingdings" panose="05000000000000000000" pitchFamily="2" charset="2"/>
-              <a:buChar char="Ø"/>
-            </a:pPr>
-            <a:r>
-              <a:rPr lang="fr-FR" sz="2400">
-                <a:effectLst/>
-              </a:rPr>
-              <a:t>Classement</a:t>
-            </a:r>
-          </a:p>
-          <a:p>
-            <a:pPr marL="800100" lvl="1" indent="-342900">
-              <a:lnSpc>
-                <a:spcPct val="250000"/>
-              </a:lnSpc>
-              <a:buFont typeface="Wingdings" panose="05000000000000000000" pitchFamily="2" charset="2"/>
-              <a:buChar char="Ø"/>
-            </a:pPr>
-            <a:r>
-              <a:rPr lang="fr-FR" sz="2400">
-                <a:effectLst/>
-              </a:rPr>
-              <a:t>Suggestions</a:t>
-            </a:r>
-          </a:p>
-        </p:txBody>
-      </p:sp>
-      <p:cxnSp>
-        <p:nvCxnSpPr>
-          <p:cNvPr id="8" name="Straight Arrow Connector 7">
-            <a:extLst>
-              <a:ext uri="{FF2B5EF4-FFF2-40B4-BE49-F238E27FC236}">
-                <a16:creationId xmlns:a16="http://schemas.microsoft.com/office/drawing/2014/main" id="{7B5FD53E-0DE1-5A26-09FB-69049A53B9C6}"/>
-              </a:ext>
-            </a:extLst>
-          </p:cNvPr>
-          <p:cNvCxnSpPr/>
-          <p:nvPr/>
-        </p:nvCxnSpPr>
-        <p:spPr>
-          <a:xfrm>
-            <a:off x="5716553" y="2556587"/>
-            <a:ext cx="1300065" cy="0"/>
-          </a:xfrm>
-          <a:prstGeom prst="straightConnector1">
-            <a:avLst/>
-          </a:prstGeom>
-          <a:ln w="38100">
-            <a:solidFill>
-              <a:schemeClr val="tx1"/>
-            </a:solidFill>
-            <a:tailEnd type="triangle"/>
-          </a:ln>
-        </p:spPr>
-        <p:style>
-          <a:lnRef idx="1">
-            <a:schemeClr val="accent1"/>
-          </a:lnRef>
-          <a:fillRef idx="0">
-            <a:schemeClr val="accent1"/>
-          </a:fillRef>
-          <a:effectRef idx="0">
-            <a:schemeClr val="accent1"/>
-          </a:effectRef>
-          <a:fontRef idx="minor">
-            <a:schemeClr val="tx1"/>
-          </a:fontRef>
-        </p:style>
-      </p:cxnSp>
-      <p:cxnSp>
-        <p:nvCxnSpPr>
-          <p:cNvPr id="9" name="Straight Arrow Connector 8">
-            <a:extLst>
-              <a:ext uri="{FF2B5EF4-FFF2-40B4-BE49-F238E27FC236}">
-                <a16:creationId xmlns:a16="http://schemas.microsoft.com/office/drawing/2014/main" id="{62F7E51F-ED98-5E36-4569-7498D8FA26E9}"/>
-              </a:ext>
-            </a:extLst>
-          </p:cNvPr>
-          <p:cNvCxnSpPr/>
-          <p:nvPr/>
-        </p:nvCxnSpPr>
-        <p:spPr>
-          <a:xfrm>
-            <a:off x="5716553" y="3438331"/>
-            <a:ext cx="1300065" cy="0"/>
-          </a:xfrm>
-          <a:prstGeom prst="straightConnector1">
-            <a:avLst/>
-          </a:prstGeom>
-          <a:ln w="38100">
-            <a:solidFill>
-              <a:schemeClr val="tx1"/>
-            </a:solidFill>
-            <a:tailEnd type="triangle"/>
-          </a:ln>
-        </p:spPr>
-        <p:style>
-          <a:lnRef idx="1">
-            <a:schemeClr val="accent1"/>
-          </a:lnRef>
-          <a:fillRef idx="0">
-            <a:schemeClr val="accent1"/>
-          </a:fillRef>
-          <a:effectRef idx="0">
-            <a:schemeClr val="accent1"/>
-          </a:effectRef>
-          <a:fontRef idx="minor">
-            <a:schemeClr val="tx1"/>
-          </a:fontRef>
-        </p:style>
-      </p:cxnSp>
-      <p:cxnSp>
-        <p:nvCxnSpPr>
-          <p:cNvPr id="10" name="Straight Arrow Connector 9">
-            <a:extLst>
-              <a:ext uri="{FF2B5EF4-FFF2-40B4-BE49-F238E27FC236}">
-                <a16:creationId xmlns:a16="http://schemas.microsoft.com/office/drawing/2014/main" id="{E9AF577E-E729-3A5D-1A9A-12C4C1FCA8A6}"/>
-              </a:ext>
-            </a:extLst>
-          </p:cNvPr>
-          <p:cNvCxnSpPr/>
-          <p:nvPr/>
-        </p:nvCxnSpPr>
-        <p:spPr>
-          <a:xfrm>
-            <a:off x="5716553" y="4355841"/>
-            <a:ext cx="1300065" cy="0"/>
-          </a:xfrm>
-          <a:prstGeom prst="straightConnector1">
-            <a:avLst/>
-          </a:prstGeom>
-          <a:ln w="38100">
-            <a:solidFill>
-              <a:schemeClr val="tx1"/>
-            </a:solidFill>
-            <a:tailEnd type="triangle"/>
-          </a:ln>
-        </p:spPr>
-        <p:style>
-          <a:lnRef idx="1">
-            <a:schemeClr val="accent1"/>
-          </a:lnRef>
-          <a:fillRef idx="0">
-            <a:schemeClr val="accent1"/>
-          </a:fillRef>
-          <a:effectRef idx="0">
-            <a:schemeClr val="accent1"/>
-          </a:effectRef>
-          <a:fontRef idx="minor">
-            <a:schemeClr val="tx1"/>
-          </a:fontRef>
-        </p:style>
-      </p:cxnSp>
-      <p:cxnSp>
-        <p:nvCxnSpPr>
-          <p:cNvPr id="11" name="Straight Arrow Connector 10">
-            <a:extLst>
-              <a:ext uri="{FF2B5EF4-FFF2-40B4-BE49-F238E27FC236}">
-                <a16:creationId xmlns:a16="http://schemas.microsoft.com/office/drawing/2014/main" id="{6D4B5619-1CBD-1B19-35BB-14A2F87831CD}"/>
-              </a:ext>
-            </a:extLst>
-          </p:cNvPr>
-          <p:cNvCxnSpPr/>
-          <p:nvPr/>
-        </p:nvCxnSpPr>
-        <p:spPr>
-          <a:xfrm>
-            <a:off x="5716552" y="5273351"/>
-            <a:ext cx="1300065" cy="0"/>
-          </a:xfrm>
-          <a:prstGeom prst="straightConnector1">
-            <a:avLst/>
-          </a:prstGeom>
-          <a:ln w="38100">
-            <a:solidFill>
-              <a:schemeClr val="tx1"/>
-            </a:solidFill>
-            <a:tailEnd type="triangle"/>
-          </a:ln>
-        </p:spPr>
-        <p:style>
-          <a:lnRef idx="1">
-            <a:schemeClr val="accent1"/>
-          </a:lnRef>
-          <a:fillRef idx="0">
-            <a:schemeClr val="accent1"/>
-          </a:fillRef>
-          <a:effectRef idx="0">
-            <a:schemeClr val="accent1"/>
-          </a:effectRef>
-          <a:fontRef idx="minor">
-            <a:schemeClr val="tx1"/>
-          </a:fontRef>
-        </p:style>
-      </p:cxnSp>
-    </p:spTree>
-    <p:extLst>
-      <p:ext uri="{BB962C8B-B14F-4D97-AF65-F5344CB8AC3E}">
-        <p14:creationId xmlns:p14="http://schemas.microsoft.com/office/powerpoint/2010/main" val="1158705307"/>
-      </p:ext>
-    </p:extLst>
-  </p:cSld>
-  <p:clrMapOvr>
-    <a:masterClrMapping/>
-  </p:clrMapOvr>
-</p:sld>
-</file>
-
-<file path=ppt/slides/slide20.xml><?xml version="1.0" encoding="utf-8"?>
-<p:sld xmlns:a="http://schemas.openxmlformats.org/drawingml/2006/main" xmlns:r="http://schemas.openxmlformats.org/officeDocument/2006/relationships" xmlns:p="http://schemas.openxmlformats.org/presentationml/2006/main">
-  <p:cSld>
-    <p:spTree>
-      <p:nvGrpSpPr>
-        <p:cNvPr id="1" name=""/>
-        <p:cNvGrpSpPr/>
-        <p:nvPr/>
-      </p:nvGrpSpPr>
-      <p:grpSpPr>
-        <a:xfrm>
-          <a:off x="0" y="0"/>
-          <a:ext cx="0" cy="0"/>
-          <a:chOff x="0" y="0"/>
-          <a:chExt cx="0" cy="0"/>
-        </a:xfrm>
-      </p:grpSpPr>
-      <p:sp>
-        <p:nvSpPr>
-          <p:cNvPr id="3" name="Slide Number Placeholder 32">
-            <a:extLst>
-              <a:ext uri="{FF2B5EF4-FFF2-40B4-BE49-F238E27FC236}">
-                <a16:creationId xmlns:a16="http://schemas.microsoft.com/office/drawing/2014/main" id="{73785881-B744-E58E-C152-B267B3D41260}"/>
-              </a:ext>
-            </a:extLst>
-          </p:cNvPr>
-          <p:cNvSpPr>
-            <a:spLocks noGrp="1"/>
-          </p:cNvSpPr>
-          <p:nvPr>
-            <p:ph type="sldNum" sz="quarter" idx="12"/>
-          </p:nvPr>
-        </p:nvSpPr>
-        <p:spPr>
-          <a:xfrm>
-            <a:off x="9107747" y="6429219"/>
-            <a:ext cx="2743200" cy="365125"/>
-          </a:xfrm>
-        </p:spPr>
-        <p:txBody>
-          <a:bodyPr/>
-          <a:lstStyle/>
-          <a:p>
-            <a:fld id="{F26BA1F6-0971-4337-9C55-1D3289524A07}" type="slidenum">
-              <a:rPr lang="en-US" sz="1400" b="1" smtClean="0">
-                <a:solidFill>
-                  <a:schemeClr val="tx1"/>
-                </a:solidFill>
-              </a:rPr>
-              <a:t>20</a:t>
+              <a:t>23</a:t>
             </a:fld>
             <a:endParaRPr lang="en-US" sz="1400" b="1">
               <a:solidFill>
@@ -17111,8 +18404,8 @@
           </a:p>
         </p:txBody>
       </p:sp>
-      <mc:AlternateContent xmlns:mc="http://schemas.openxmlformats.org/markup-compatibility/2006">
-        <mc:Choice xmlns:a14="http://schemas.microsoft.com/office/drawing/2010/main" Requires="a14">
+      <mc:AlternateContent xmlns:mc="http://schemas.openxmlformats.org/markup-compatibility/2006" xmlns:a14="http://schemas.microsoft.com/office/drawing/2010/main">
+        <mc:Choice Requires="a14">
           <p:sp>
             <p:nvSpPr>
               <p:cNvPr id="11" name="TextBox 10">
@@ -17322,7 +18615,7 @@
             </p:txBody>
           </p:sp>
         </mc:Choice>
-        <mc:Fallback>
+        <mc:Fallback xmlns="">
           <p:sp>
             <p:nvSpPr>
               <p:cNvPr id="11" name="TextBox 10">
@@ -17415,7 +18708,7 @@
 </p:sld>
 </file>
 
-<file path=ppt/slides/slide21.xml><?xml version="1.0" encoding="utf-8"?>
+<file path=ppt/slides/slide24.xml><?xml version="1.0" encoding="utf-8"?>
 <p:sld xmlns:a="http://schemas.openxmlformats.org/drawingml/2006/main" xmlns:r="http://schemas.openxmlformats.org/officeDocument/2006/relationships" xmlns:p="http://schemas.openxmlformats.org/presentationml/2006/main">
   <p:cSld>
     <p:spTree>
@@ -17464,7 +18757,7 @@
                   <a:schemeClr val="tx1"/>
                 </a:solidFill>
               </a:rPr>
-              <a:t>21</a:t>
+              <a:t>24</a:t>
             </a:fld>
             <a:endParaRPr lang="en-US" sz="1400" b="1">
               <a:solidFill>
@@ -17524,6 +18817,1132 @@
             <a:pPr algn="ctr"/>
             <a:r>
               <a:rPr lang="fr-FR" b="1" i="1"/>
+              <a:t>TESTS DE PERFORMANCE</a:t>
+            </a:r>
+            <a:endParaRPr lang="en-US" b="1" i="1" dirty="0"/>
+          </a:p>
+        </p:txBody>
+      </p:sp>
+      <p:sp>
+        <p:nvSpPr>
+          <p:cNvPr id="6" name="TextBox 5">
+            <a:extLst>
+              <a:ext uri="{FF2B5EF4-FFF2-40B4-BE49-F238E27FC236}">
+                <a16:creationId xmlns:a16="http://schemas.microsoft.com/office/drawing/2014/main" id="{0FF877E9-7A9E-B0D9-B0DE-4829CA1826F3}"/>
+              </a:ext>
+            </a:extLst>
+          </p:cNvPr>
+          <p:cNvSpPr txBox="1"/>
+          <p:nvPr/>
+        </p:nvSpPr>
+        <p:spPr>
+          <a:xfrm>
+            <a:off x="8486529" y="2581588"/>
+            <a:ext cx="3192148" cy="1694823"/>
+          </a:xfrm>
+          <a:prstGeom prst="rect">
+            <a:avLst/>
+          </a:prstGeom>
+          <a:noFill/>
+        </p:spPr>
+        <p:txBody>
+          <a:bodyPr wrap="square" rtlCol="0">
+            <a:spAutoFit/>
+          </a:bodyPr>
+          <a:lstStyle/>
+          <a:p>
+            <a:pPr rtl="0">
+              <a:lnSpc>
+                <a:spcPct val="150000"/>
+              </a:lnSpc>
+            </a:pPr>
+            <a:r>
+              <a:rPr lang="fr-FR" sz="2400">
+                <a:effectLst/>
+              </a:rPr>
+              <a:t>Démarrage application :</a:t>
+            </a:r>
+          </a:p>
+          <a:p>
+            <a:pPr marL="342900" indent="-342900" rtl="0">
+              <a:lnSpc>
+                <a:spcPct val="150000"/>
+              </a:lnSpc>
+              <a:buFont typeface="Arial" panose="020B0604020202020204" pitchFamily="34" charset="0"/>
+              <a:buChar char="•"/>
+            </a:pPr>
+            <a:r>
+              <a:rPr lang="fr-FR" sz="2400"/>
+              <a:t>O(n)</a:t>
+            </a:r>
+          </a:p>
+          <a:p>
+            <a:pPr marL="342900" indent="-342900" rtl="0">
+              <a:lnSpc>
+                <a:spcPct val="150000"/>
+              </a:lnSpc>
+              <a:buFont typeface="Arial" panose="020B0604020202020204" pitchFamily="34" charset="0"/>
+              <a:buChar char="•"/>
+            </a:pPr>
+            <a:r>
+              <a:rPr lang="fr-FR" sz="2400">
+                <a:effectLst/>
+              </a:rPr>
+              <a:t>&lt; 10s</a:t>
+            </a:r>
+          </a:p>
+        </p:txBody>
+      </p:sp>
+      <p:pic>
+        <p:nvPicPr>
+          <p:cNvPr id="12" name="Picture 11">
+            <a:extLst>
+              <a:ext uri="{FF2B5EF4-FFF2-40B4-BE49-F238E27FC236}">
+                <a16:creationId xmlns:a16="http://schemas.microsoft.com/office/drawing/2014/main" id="{055D8FE3-9ECF-D3F7-C678-91805C58555F}"/>
+              </a:ext>
+            </a:extLst>
+          </p:cNvPr>
+          <p:cNvPicPr>
+            <a:picLocks noChangeAspect="1"/>
+          </p:cNvPicPr>
+          <p:nvPr/>
+        </p:nvPicPr>
+        <p:blipFill>
+          <a:blip r:embed="rId2"/>
+          <a:stretch>
+            <a:fillRect/>
+          </a:stretch>
+        </p:blipFill>
+        <p:spPr>
+          <a:xfrm>
+            <a:off x="1062647" y="1754050"/>
+            <a:ext cx="7028710" cy="4230329"/>
+          </a:xfrm>
+          <a:prstGeom prst="rect">
+            <a:avLst/>
+          </a:prstGeom>
+        </p:spPr>
+      </p:pic>
+    </p:spTree>
+    <p:extLst>
+      <p:ext uri="{BB962C8B-B14F-4D97-AF65-F5344CB8AC3E}">
+        <p14:creationId xmlns:p14="http://schemas.microsoft.com/office/powerpoint/2010/main" val="1586808113"/>
+      </p:ext>
+    </p:extLst>
+  </p:cSld>
+  <p:clrMapOvr>
+    <a:masterClrMapping/>
+  </p:clrMapOvr>
+</p:sld>
+</file>
+
+<file path=ppt/slides/slide25.xml><?xml version="1.0" encoding="utf-8"?>
+<p:sld xmlns:a="http://schemas.openxmlformats.org/drawingml/2006/main" xmlns:r="http://schemas.openxmlformats.org/officeDocument/2006/relationships" xmlns:p="http://schemas.openxmlformats.org/presentationml/2006/main">
+  <p:cSld>
+    <p:spTree>
+      <p:nvGrpSpPr>
+        <p:cNvPr id="1" name=""/>
+        <p:cNvGrpSpPr/>
+        <p:nvPr/>
+      </p:nvGrpSpPr>
+      <p:grpSpPr>
+        <a:xfrm>
+          <a:off x="0" y="0"/>
+          <a:ext cx="0" cy="0"/>
+          <a:chOff x="0" y="0"/>
+          <a:chExt cx="0" cy="0"/>
+        </a:xfrm>
+      </p:grpSpPr>
+      <p:sp>
+        <p:nvSpPr>
+          <p:cNvPr id="3" name="Slide Number Placeholder 32">
+            <a:extLst>
+              <a:ext uri="{FF2B5EF4-FFF2-40B4-BE49-F238E27FC236}">
+                <a16:creationId xmlns:a16="http://schemas.microsoft.com/office/drawing/2014/main" id="{73785881-B744-E58E-C152-B267B3D41260}"/>
+              </a:ext>
+            </a:extLst>
+          </p:cNvPr>
+          <p:cNvSpPr>
+            <a:spLocks noGrp="1"/>
+          </p:cNvSpPr>
+          <p:nvPr>
+            <p:ph type="sldNum" sz="quarter" idx="12"/>
+          </p:nvPr>
+        </p:nvSpPr>
+        <p:spPr>
+          <a:xfrm>
+            <a:off x="9107747" y="6429219"/>
+            <a:ext cx="2743200" cy="365125"/>
+          </a:xfrm>
+        </p:spPr>
+        <p:txBody>
+          <a:bodyPr/>
+          <a:lstStyle/>
+          <a:p>
+            <a:fld id="{F26BA1F6-0971-4337-9C55-1D3289524A07}" type="slidenum">
+              <a:rPr lang="en-US" sz="1400" b="1" smtClean="0">
+                <a:solidFill>
+                  <a:schemeClr val="tx1"/>
+                </a:solidFill>
+              </a:rPr>
+              <a:t>25</a:t>
+            </a:fld>
+            <a:endParaRPr lang="en-US" sz="1400" b="1">
+              <a:solidFill>
+                <a:schemeClr val="tx1"/>
+              </a:solidFill>
+            </a:endParaRPr>
+          </a:p>
+        </p:txBody>
+      </p:sp>
+      <p:sp>
+        <p:nvSpPr>
+          <p:cNvPr id="4" name="Title 1">
+            <a:extLst>
+              <a:ext uri="{FF2B5EF4-FFF2-40B4-BE49-F238E27FC236}">
+                <a16:creationId xmlns:a16="http://schemas.microsoft.com/office/drawing/2014/main" id="{A8D5AF67-DBEA-80C8-15A1-E79B86A4E90B}"/>
+              </a:ext>
+            </a:extLst>
+          </p:cNvPr>
+          <p:cNvSpPr txBox="1">
+            <a:spLocks/>
+          </p:cNvSpPr>
+          <p:nvPr/>
+        </p:nvSpPr>
+        <p:spPr>
+          <a:xfrm>
+            <a:off x="1837088" y="529734"/>
+            <a:ext cx="8517823" cy="948261"/>
+          </a:xfrm>
+          <a:prstGeom prst="rect">
+            <a:avLst/>
+          </a:prstGeom>
+        </p:spPr>
+        <p:txBody>
+          <a:bodyPr vert="horz" lIns="91440" tIns="45720" rIns="91440" bIns="45720" rtlCol="0" anchor="ctr">
+            <a:normAutofit/>
+          </a:bodyPr>
+          <a:lstStyle>
+            <a:lvl1pPr algn="l" defTabSz="914400" rtl="0" eaLnBrk="1" latinLnBrk="0" hangingPunct="1">
+              <a:lnSpc>
+                <a:spcPct val="90000"/>
+              </a:lnSpc>
+              <a:spcBef>
+                <a:spcPct val="0"/>
+              </a:spcBef>
+              <a:buNone/>
+              <a:defRPr sz="3600" kern="1200" cap="all" baseline="0">
+                <a:solidFill>
+                  <a:schemeClr val="tx1"/>
+                </a:solidFill>
+                <a:latin typeface="+mj-lt"/>
+                <a:ea typeface="+mj-ea"/>
+                <a:cs typeface="+mj-cs"/>
+              </a:defRPr>
+            </a:lvl1pPr>
+          </a:lstStyle>
+          <a:p>
+            <a:pPr algn="ctr"/>
+            <a:r>
+              <a:rPr lang="fr-FR" b="1" i="1"/>
+              <a:t>TESTS DE PERFORMANCE</a:t>
+            </a:r>
+            <a:endParaRPr lang="en-US" b="1" i="1" dirty="0"/>
+          </a:p>
+        </p:txBody>
+      </p:sp>
+      <p:sp>
+        <p:nvSpPr>
+          <p:cNvPr id="6" name="TextBox 5">
+            <a:extLst>
+              <a:ext uri="{FF2B5EF4-FFF2-40B4-BE49-F238E27FC236}">
+                <a16:creationId xmlns:a16="http://schemas.microsoft.com/office/drawing/2014/main" id="{0FF877E9-7A9E-B0D9-B0DE-4829CA1826F3}"/>
+              </a:ext>
+            </a:extLst>
+          </p:cNvPr>
+          <p:cNvSpPr txBox="1"/>
+          <p:nvPr/>
+        </p:nvSpPr>
+        <p:spPr>
+          <a:xfrm>
+            <a:off x="8486529" y="2581588"/>
+            <a:ext cx="3192148" cy="1694823"/>
+          </a:xfrm>
+          <a:prstGeom prst="rect">
+            <a:avLst/>
+          </a:prstGeom>
+          <a:noFill/>
+        </p:spPr>
+        <p:txBody>
+          <a:bodyPr wrap="square" rtlCol="0">
+            <a:spAutoFit/>
+          </a:bodyPr>
+          <a:lstStyle/>
+          <a:p>
+            <a:pPr rtl="0">
+              <a:lnSpc>
+                <a:spcPct val="150000"/>
+              </a:lnSpc>
+            </a:pPr>
+            <a:r>
+              <a:rPr lang="fr-FR" sz="2400">
+                <a:effectLst/>
+              </a:rPr>
+              <a:t>Recherche :</a:t>
+            </a:r>
+          </a:p>
+          <a:p>
+            <a:pPr marL="342900" indent="-342900" rtl="0">
+              <a:lnSpc>
+                <a:spcPct val="150000"/>
+              </a:lnSpc>
+              <a:buFont typeface="Arial" panose="020B0604020202020204" pitchFamily="34" charset="0"/>
+              <a:buChar char="•"/>
+            </a:pPr>
+            <a:r>
+              <a:rPr lang="fr-FR" sz="2400"/>
+              <a:t>O(log n)</a:t>
+            </a:r>
+          </a:p>
+          <a:p>
+            <a:pPr marL="342900" indent="-342900" rtl="0">
+              <a:lnSpc>
+                <a:spcPct val="150000"/>
+              </a:lnSpc>
+              <a:buFont typeface="Arial" panose="020B0604020202020204" pitchFamily="34" charset="0"/>
+              <a:buChar char="•"/>
+            </a:pPr>
+            <a:r>
+              <a:rPr lang="fr-FR" sz="2400">
+                <a:effectLst/>
+              </a:rPr>
+              <a:t>&lt; 0,5s</a:t>
+            </a:r>
+          </a:p>
+        </p:txBody>
+      </p:sp>
+      <p:pic>
+        <p:nvPicPr>
+          <p:cNvPr id="5" name="Picture 4">
+            <a:extLst>
+              <a:ext uri="{FF2B5EF4-FFF2-40B4-BE49-F238E27FC236}">
+                <a16:creationId xmlns:a16="http://schemas.microsoft.com/office/drawing/2014/main" id="{6FC4E123-F2A2-D9A0-8D43-212EBC64D282}"/>
+              </a:ext>
+            </a:extLst>
+          </p:cNvPr>
+          <p:cNvPicPr>
+            <a:picLocks noChangeAspect="1"/>
+          </p:cNvPicPr>
+          <p:nvPr/>
+        </p:nvPicPr>
+        <p:blipFill>
+          <a:blip r:embed="rId2"/>
+          <a:stretch>
+            <a:fillRect/>
+          </a:stretch>
+        </p:blipFill>
+        <p:spPr>
+          <a:xfrm>
+            <a:off x="1091545" y="1761936"/>
+            <a:ext cx="6970104" cy="4195056"/>
+          </a:xfrm>
+          <a:prstGeom prst="rect">
+            <a:avLst/>
+          </a:prstGeom>
+        </p:spPr>
+      </p:pic>
+    </p:spTree>
+    <p:extLst>
+      <p:ext uri="{BB962C8B-B14F-4D97-AF65-F5344CB8AC3E}">
+        <p14:creationId xmlns:p14="http://schemas.microsoft.com/office/powerpoint/2010/main" val="3020914380"/>
+      </p:ext>
+    </p:extLst>
+  </p:cSld>
+  <p:clrMapOvr>
+    <a:masterClrMapping/>
+  </p:clrMapOvr>
+</p:sld>
+</file>
+
+<file path=ppt/slides/slide26.xml><?xml version="1.0" encoding="utf-8"?>
+<p:sld xmlns:a="http://schemas.openxmlformats.org/drawingml/2006/main" xmlns:r="http://schemas.openxmlformats.org/officeDocument/2006/relationships" xmlns:p="http://schemas.openxmlformats.org/presentationml/2006/main">
+  <p:cSld>
+    <p:spTree>
+      <p:nvGrpSpPr>
+        <p:cNvPr id="1" name=""/>
+        <p:cNvGrpSpPr/>
+        <p:nvPr/>
+      </p:nvGrpSpPr>
+      <p:grpSpPr>
+        <a:xfrm>
+          <a:off x="0" y="0"/>
+          <a:ext cx="0" cy="0"/>
+          <a:chOff x="0" y="0"/>
+          <a:chExt cx="0" cy="0"/>
+        </a:xfrm>
+      </p:grpSpPr>
+      <p:sp>
+        <p:nvSpPr>
+          <p:cNvPr id="3" name="Slide Number Placeholder 32">
+            <a:extLst>
+              <a:ext uri="{FF2B5EF4-FFF2-40B4-BE49-F238E27FC236}">
+                <a16:creationId xmlns:a16="http://schemas.microsoft.com/office/drawing/2014/main" id="{73785881-B744-E58E-C152-B267B3D41260}"/>
+              </a:ext>
+            </a:extLst>
+          </p:cNvPr>
+          <p:cNvSpPr>
+            <a:spLocks noGrp="1"/>
+          </p:cNvSpPr>
+          <p:nvPr>
+            <p:ph type="sldNum" sz="quarter" idx="12"/>
+          </p:nvPr>
+        </p:nvSpPr>
+        <p:spPr>
+          <a:xfrm>
+            <a:off x="9107747" y="6429219"/>
+            <a:ext cx="2743200" cy="365125"/>
+          </a:xfrm>
+        </p:spPr>
+        <p:txBody>
+          <a:bodyPr/>
+          <a:lstStyle/>
+          <a:p>
+            <a:fld id="{F26BA1F6-0971-4337-9C55-1D3289524A07}" type="slidenum">
+              <a:rPr lang="en-US" sz="1400" b="1" smtClean="0">
+                <a:solidFill>
+                  <a:schemeClr val="tx1"/>
+                </a:solidFill>
+              </a:rPr>
+              <a:t>26</a:t>
+            </a:fld>
+            <a:endParaRPr lang="en-US" sz="1400" b="1">
+              <a:solidFill>
+                <a:schemeClr val="tx1"/>
+              </a:solidFill>
+            </a:endParaRPr>
+          </a:p>
+        </p:txBody>
+      </p:sp>
+      <p:sp>
+        <p:nvSpPr>
+          <p:cNvPr id="4" name="Title 1">
+            <a:extLst>
+              <a:ext uri="{FF2B5EF4-FFF2-40B4-BE49-F238E27FC236}">
+                <a16:creationId xmlns:a16="http://schemas.microsoft.com/office/drawing/2014/main" id="{A8D5AF67-DBEA-80C8-15A1-E79B86A4E90B}"/>
+              </a:ext>
+            </a:extLst>
+          </p:cNvPr>
+          <p:cNvSpPr txBox="1">
+            <a:spLocks/>
+          </p:cNvSpPr>
+          <p:nvPr/>
+        </p:nvSpPr>
+        <p:spPr>
+          <a:xfrm>
+            <a:off x="2296357" y="529734"/>
+            <a:ext cx="7599286" cy="948261"/>
+          </a:xfrm>
+          <a:prstGeom prst="rect">
+            <a:avLst/>
+          </a:prstGeom>
+        </p:spPr>
+        <p:txBody>
+          <a:bodyPr vert="horz" lIns="91440" tIns="45720" rIns="91440" bIns="45720" rtlCol="0" anchor="ctr">
+            <a:normAutofit/>
+          </a:bodyPr>
+          <a:lstStyle>
+            <a:lvl1pPr algn="l" defTabSz="914400" rtl="0" eaLnBrk="1" latinLnBrk="0" hangingPunct="1">
+              <a:lnSpc>
+                <a:spcPct val="90000"/>
+              </a:lnSpc>
+              <a:spcBef>
+                <a:spcPct val="0"/>
+              </a:spcBef>
+              <a:buNone/>
+              <a:defRPr sz="3600" kern="1200" cap="all" baseline="0">
+                <a:solidFill>
+                  <a:schemeClr val="tx1"/>
+                </a:solidFill>
+                <a:latin typeface="+mj-lt"/>
+                <a:ea typeface="+mj-ea"/>
+                <a:cs typeface="+mj-cs"/>
+              </a:defRPr>
+            </a:lvl1pPr>
+          </a:lstStyle>
+          <a:p>
+            <a:pPr algn="ctr"/>
+            <a:r>
+              <a:rPr lang="en-US" b="1"/>
+              <a:t>CONCLUSION</a:t>
+            </a:r>
+            <a:endParaRPr lang="en-US" b="1" dirty="0"/>
+          </a:p>
+        </p:txBody>
+      </p:sp>
+      <p:sp>
+        <p:nvSpPr>
+          <p:cNvPr id="2" name="TextBox 1">
+            <a:extLst>
+              <a:ext uri="{FF2B5EF4-FFF2-40B4-BE49-F238E27FC236}">
+                <a16:creationId xmlns:a16="http://schemas.microsoft.com/office/drawing/2014/main" id="{33010607-8DFE-2D85-DB3A-57A0D48A38C2}"/>
+              </a:ext>
+            </a:extLst>
+          </p:cNvPr>
+          <p:cNvSpPr txBox="1"/>
+          <p:nvPr/>
+        </p:nvSpPr>
+        <p:spPr>
+          <a:xfrm>
+            <a:off x="2296357" y="2233420"/>
+            <a:ext cx="4082476" cy="2248821"/>
+          </a:xfrm>
+          <a:prstGeom prst="rect">
+            <a:avLst/>
+          </a:prstGeom>
+          <a:noFill/>
+        </p:spPr>
+        <p:txBody>
+          <a:bodyPr wrap="square" rtlCol="0">
+            <a:spAutoFit/>
+          </a:bodyPr>
+          <a:lstStyle/>
+          <a:p>
+            <a:pPr marL="342900" indent="-342900" rtl="0">
+              <a:lnSpc>
+                <a:spcPct val="150000"/>
+              </a:lnSpc>
+              <a:buFont typeface="Arial" panose="020B0604020202020204" pitchFamily="34" charset="0"/>
+              <a:buChar char="•"/>
+            </a:pPr>
+            <a:r>
+              <a:rPr lang="fr-FR" sz="2400">
+                <a:effectLst/>
+              </a:rPr>
+              <a:t>Compétences</a:t>
+            </a:r>
+          </a:p>
+          <a:p>
+            <a:pPr marL="800100" lvl="1" indent="-342900">
+              <a:lnSpc>
+                <a:spcPct val="150000"/>
+              </a:lnSpc>
+              <a:buFont typeface="Wingdings" panose="05000000000000000000" pitchFamily="2" charset="2"/>
+              <a:buChar char="Ø"/>
+            </a:pPr>
+            <a:r>
+              <a:rPr lang="fr-FR" sz="2400"/>
+              <a:t>API REST</a:t>
+            </a:r>
+          </a:p>
+          <a:p>
+            <a:pPr marL="800100" lvl="1" indent="-342900">
+              <a:lnSpc>
+                <a:spcPct val="150000"/>
+              </a:lnSpc>
+              <a:buFont typeface="Wingdings" panose="05000000000000000000" pitchFamily="2" charset="2"/>
+              <a:buChar char="Ø"/>
+            </a:pPr>
+            <a:r>
+              <a:rPr lang="fr-FR" sz="2400">
+                <a:effectLst/>
+              </a:rPr>
+              <a:t>Front + Vue.js</a:t>
+            </a:r>
+          </a:p>
+          <a:p>
+            <a:pPr marL="800100" lvl="1" indent="-342900">
+              <a:lnSpc>
+                <a:spcPct val="150000"/>
+              </a:lnSpc>
+              <a:buFont typeface="Wingdings" panose="05000000000000000000" pitchFamily="2" charset="2"/>
+              <a:buChar char="Ø"/>
+            </a:pPr>
+            <a:r>
+              <a:rPr lang="fr-FR" sz="2400"/>
+              <a:t>Graphe + centralités</a:t>
+            </a:r>
+            <a:endParaRPr lang="fr-FR" sz="2400">
+              <a:effectLst/>
+            </a:endParaRPr>
+          </a:p>
+        </p:txBody>
+      </p:sp>
+      <p:sp>
+        <p:nvSpPr>
+          <p:cNvPr id="7" name="TextBox 6">
+            <a:extLst>
+              <a:ext uri="{FF2B5EF4-FFF2-40B4-BE49-F238E27FC236}">
+                <a16:creationId xmlns:a16="http://schemas.microsoft.com/office/drawing/2014/main" id="{33FE4B32-D802-7053-B6E1-A6168C01A380}"/>
+              </a:ext>
+            </a:extLst>
+          </p:cNvPr>
+          <p:cNvSpPr txBox="1"/>
+          <p:nvPr/>
+        </p:nvSpPr>
+        <p:spPr>
+          <a:xfrm>
+            <a:off x="6793407" y="2233420"/>
+            <a:ext cx="4617932" cy="2802819"/>
+          </a:xfrm>
+          <a:prstGeom prst="rect">
+            <a:avLst/>
+          </a:prstGeom>
+          <a:noFill/>
+        </p:spPr>
+        <p:txBody>
+          <a:bodyPr wrap="square" rtlCol="0">
+            <a:spAutoFit/>
+          </a:bodyPr>
+          <a:lstStyle/>
+          <a:p>
+            <a:pPr marL="342900" indent="-342900" rtl="0">
+              <a:lnSpc>
+                <a:spcPct val="150000"/>
+              </a:lnSpc>
+              <a:buFont typeface="Arial" panose="020B0604020202020204" pitchFamily="34" charset="0"/>
+              <a:buChar char="•"/>
+            </a:pPr>
+            <a:r>
+              <a:rPr lang="fr-FR" sz="2400">
+                <a:effectLst/>
+              </a:rPr>
+              <a:t>Suite</a:t>
+            </a:r>
+          </a:p>
+          <a:p>
+            <a:pPr marL="800100" lvl="1" indent="-342900">
+              <a:lnSpc>
+                <a:spcPct val="150000"/>
+              </a:lnSpc>
+              <a:buFont typeface="Wingdings" panose="05000000000000000000" pitchFamily="2" charset="2"/>
+              <a:buChar char="Ø"/>
+            </a:pPr>
+            <a:r>
+              <a:rPr lang="fr-FR" sz="2400"/>
+              <a:t>PageRank &amp; Betweeness</a:t>
+            </a:r>
+          </a:p>
+          <a:p>
+            <a:pPr marL="800100" lvl="1" indent="-342900">
+              <a:lnSpc>
+                <a:spcPct val="150000"/>
+              </a:lnSpc>
+              <a:buFont typeface="Wingdings" panose="05000000000000000000" pitchFamily="2" charset="2"/>
+              <a:buChar char="Ø"/>
+            </a:pPr>
+            <a:r>
+              <a:rPr lang="fr-FR" sz="2400"/>
+              <a:t>Suggestions :</a:t>
+            </a:r>
+          </a:p>
+          <a:p>
+            <a:pPr lvl="1">
+              <a:lnSpc>
+                <a:spcPct val="150000"/>
+              </a:lnSpc>
+            </a:pPr>
+            <a:r>
+              <a:rPr lang="fr-FR" sz="2400"/>
+              <a:t>	recherches précédentes</a:t>
+            </a:r>
+          </a:p>
+          <a:p>
+            <a:pPr marL="800100" lvl="1" indent="-342900">
+              <a:lnSpc>
+                <a:spcPct val="150000"/>
+              </a:lnSpc>
+              <a:buFont typeface="Wingdings" panose="05000000000000000000" pitchFamily="2" charset="2"/>
+              <a:buChar char="Ø"/>
+            </a:pPr>
+            <a:r>
+              <a:rPr lang="fr-FR" sz="2400"/>
+              <a:t>Améliorations performances</a:t>
+            </a:r>
+          </a:p>
+        </p:txBody>
+      </p:sp>
+    </p:spTree>
+    <p:extLst>
+      <p:ext uri="{BB962C8B-B14F-4D97-AF65-F5344CB8AC3E}">
+        <p14:creationId xmlns:p14="http://schemas.microsoft.com/office/powerpoint/2010/main" val="950263833"/>
+      </p:ext>
+    </p:extLst>
+  </p:cSld>
+  <p:clrMapOvr>
+    <a:masterClrMapping/>
+  </p:clrMapOvr>
+</p:sld>
+</file>
+
+<file path=ppt/slides/slide27.xml><?xml version="1.0" encoding="utf-8"?>
+<p:sld xmlns:a="http://schemas.openxmlformats.org/drawingml/2006/main" xmlns:r="http://schemas.openxmlformats.org/officeDocument/2006/relationships" xmlns:p="http://schemas.openxmlformats.org/presentationml/2006/main">
+  <p:cSld>
+    <p:spTree>
+      <p:nvGrpSpPr>
+        <p:cNvPr id="1" name=""/>
+        <p:cNvGrpSpPr/>
+        <p:nvPr/>
+      </p:nvGrpSpPr>
+      <p:grpSpPr>
+        <a:xfrm>
+          <a:off x="0" y="0"/>
+          <a:ext cx="0" cy="0"/>
+          <a:chOff x="0" y="0"/>
+          <a:chExt cx="0" cy="0"/>
+        </a:xfrm>
+      </p:grpSpPr>
+      <p:sp>
+        <p:nvSpPr>
+          <p:cNvPr id="3" name="Slide Number Placeholder 32">
+            <a:extLst>
+              <a:ext uri="{FF2B5EF4-FFF2-40B4-BE49-F238E27FC236}">
+                <a16:creationId xmlns:a16="http://schemas.microsoft.com/office/drawing/2014/main" id="{73785881-B744-E58E-C152-B267B3D41260}"/>
+              </a:ext>
+            </a:extLst>
+          </p:cNvPr>
+          <p:cNvSpPr>
+            <a:spLocks noGrp="1"/>
+          </p:cNvSpPr>
+          <p:nvPr>
+            <p:ph type="sldNum" sz="quarter" idx="12"/>
+          </p:nvPr>
+        </p:nvSpPr>
+        <p:spPr>
+          <a:xfrm>
+            <a:off x="9107747" y="6429219"/>
+            <a:ext cx="2743200" cy="365125"/>
+          </a:xfrm>
+        </p:spPr>
+        <p:txBody>
+          <a:bodyPr/>
+          <a:lstStyle/>
+          <a:p>
+            <a:fld id="{F26BA1F6-0971-4337-9C55-1D3289524A07}" type="slidenum">
+              <a:rPr lang="en-US" sz="1400" b="1" smtClean="0">
+                <a:solidFill>
+                  <a:schemeClr val="tx1"/>
+                </a:solidFill>
+              </a:rPr>
+              <a:t>27</a:t>
+            </a:fld>
+            <a:endParaRPr lang="en-US" sz="1400" b="1">
+              <a:solidFill>
+                <a:schemeClr val="tx1"/>
+              </a:solidFill>
+            </a:endParaRPr>
+          </a:p>
+        </p:txBody>
+      </p:sp>
+      <p:sp>
+        <p:nvSpPr>
+          <p:cNvPr id="4" name="Title 1">
+            <a:extLst>
+              <a:ext uri="{FF2B5EF4-FFF2-40B4-BE49-F238E27FC236}">
+                <a16:creationId xmlns:a16="http://schemas.microsoft.com/office/drawing/2014/main" id="{A8D5AF67-DBEA-80C8-15A1-E79B86A4E90B}"/>
+              </a:ext>
+            </a:extLst>
+          </p:cNvPr>
+          <p:cNvSpPr txBox="1">
+            <a:spLocks/>
+          </p:cNvSpPr>
+          <p:nvPr/>
+        </p:nvSpPr>
+        <p:spPr>
+          <a:xfrm>
+            <a:off x="2296357" y="529734"/>
+            <a:ext cx="7599286" cy="948261"/>
+          </a:xfrm>
+          <a:prstGeom prst="rect">
+            <a:avLst/>
+          </a:prstGeom>
+        </p:spPr>
+        <p:txBody>
+          <a:bodyPr vert="horz" lIns="91440" tIns="45720" rIns="91440" bIns="45720" rtlCol="0" anchor="ctr">
+            <a:normAutofit/>
+          </a:bodyPr>
+          <a:lstStyle>
+            <a:lvl1pPr algn="l" defTabSz="914400" rtl="0" eaLnBrk="1" latinLnBrk="0" hangingPunct="1">
+              <a:lnSpc>
+                <a:spcPct val="90000"/>
+              </a:lnSpc>
+              <a:spcBef>
+                <a:spcPct val="0"/>
+              </a:spcBef>
+              <a:buNone/>
+              <a:defRPr sz="3600" kern="1200" cap="all" baseline="0">
+                <a:solidFill>
+                  <a:schemeClr val="tx1"/>
+                </a:solidFill>
+                <a:latin typeface="+mj-lt"/>
+                <a:ea typeface="+mj-ea"/>
+                <a:cs typeface="+mj-cs"/>
+              </a:defRPr>
+            </a:lvl1pPr>
+          </a:lstStyle>
+          <a:p>
+            <a:pPr algn="ctr"/>
+            <a:r>
+              <a:rPr lang="en-US" b="1"/>
+              <a:t>FRONT : outils</a:t>
+            </a:r>
+            <a:endParaRPr lang="en-US" b="1" dirty="0"/>
+          </a:p>
+        </p:txBody>
+      </p:sp>
+      <p:pic>
+        <p:nvPicPr>
+          <p:cNvPr id="4100" name="Picture 4" descr="A Vue 3 UI Framework | Element Plus">
+            <a:extLst>
+              <a:ext uri="{FF2B5EF4-FFF2-40B4-BE49-F238E27FC236}">
+                <a16:creationId xmlns:a16="http://schemas.microsoft.com/office/drawing/2014/main" id="{BFD1DCEE-C4A4-1D89-A22E-97352A22755C}"/>
+              </a:ext>
+            </a:extLst>
+          </p:cNvPr>
+          <p:cNvPicPr>
+            <a:picLocks noChangeAspect="1" noChangeArrowheads="1"/>
+          </p:cNvPicPr>
+          <p:nvPr/>
+        </p:nvPicPr>
+        <p:blipFill>
+          <a:blip r:embed="rId2">
+            <a:extLst>
+              <a:ext uri="{28A0092B-C50C-407E-A947-70E740481C1C}">
+                <a14:useLocalDpi xmlns:a14="http://schemas.microsoft.com/office/drawing/2010/main" val="0"/>
+              </a:ext>
+            </a:extLst>
+          </a:blip>
+          <a:srcRect/>
+          <a:stretch>
+            <a:fillRect/>
+          </a:stretch>
+        </p:blipFill>
+        <p:spPr bwMode="auto">
+          <a:xfrm>
+            <a:off x="1785979" y="2328067"/>
+            <a:ext cx="5026103" cy="1248167"/>
+          </a:xfrm>
+          <a:prstGeom prst="rect">
+            <a:avLst/>
+          </a:prstGeom>
+          <a:noFill/>
+          <a:extLst>
+            <a:ext uri="{909E8E84-426E-40DD-AFC4-6F175D3DCCD1}">
+              <a14:hiddenFill xmlns:a14="http://schemas.microsoft.com/office/drawing/2010/main">
+                <a:solidFill>
+                  <a:srgbClr val="FFFFFF"/>
+                </a:solidFill>
+              </a14:hiddenFill>
+            </a:ext>
+          </a:extLst>
+        </p:spPr>
+      </p:pic>
+      <p:pic>
+        <p:nvPicPr>
+          <p:cNvPr id="4102" name="Picture 6">
+            <a:extLst>
+              <a:ext uri="{FF2B5EF4-FFF2-40B4-BE49-F238E27FC236}">
+                <a16:creationId xmlns:a16="http://schemas.microsoft.com/office/drawing/2014/main" id="{13B24225-1710-EC1A-A13F-0E5A111E751A}"/>
+              </a:ext>
+            </a:extLst>
+          </p:cNvPr>
+          <p:cNvPicPr>
+            <a:picLocks noChangeAspect="1" noChangeArrowheads="1"/>
+          </p:cNvPicPr>
+          <p:nvPr/>
+        </p:nvPicPr>
+        <p:blipFill>
+          <a:blip r:embed="rId3">
+            <a:extLst>
+              <a:ext uri="{28A0092B-C50C-407E-A947-70E740481C1C}">
+                <a14:useLocalDpi xmlns:a14="http://schemas.microsoft.com/office/drawing/2010/main" val="0"/>
+              </a:ext>
+            </a:extLst>
+          </a:blip>
+          <a:srcRect/>
+          <a:stretch>
+            <a:fillRect/>
+          </a:stretch>
+        </p:blipFill>
+        <p:spPr bwMode="auto">
+          <a:xfrm>
+            <a:off x="1785979" y="5304269"/>
+            <a:ext cx="4576352" cy="672151"/>
+          </a:xfrm>
+          <a:prstGeom prst="rect">
+            <a:avLst/>
+          </a:prstGeom>
+          <a:noFill/>
+          <a:extLst>
+            <a:ext uri="{909E8E84-426E-40DD-AFC4-6F175D3DCCD1}">
+              <a14:hiddenFill xmlns:a14="http://schemas.microsoft.com/office/drawing/2010/main">
+                <a:solidFill>
+                  <a:srgbClr val="FFFFFF"/>
+                </a:solidFill>
+              </a14:hiddenFill>
+            </a:ext>
+          </a:extLst>
+        </p:spPr>
+      </p:pic>
+      <p:sp>
+        <p:nvSpPr>
+          <p:cNvPr id="2" name="TextBox 1">
+            <a:extLst>
+              <a:ext uri="{FF2B5EF4-FFF2-40B4-BE49-F238E27FC236}">
+                <a16:creationId xmlns:a16="http://schemas.microsoft.com/office/drawing/2014/main" id="{33010607-8DFE-2D85-DB3A-57A0D48A38C2}"/>
+              </a:ext>
+            </a:extLst>
+          </p:cNvPr>
+          <p:cNvSpPr txBox="1"/>
+          <p:nvPr/>
+        </p:nvSpPr>
+        <p:spPr>
+          <a:xfrm>
+            <a:off x="7191422" y="2104738"/>
+            <a:ext cx="4082476" cy="1694823"/>
+          </a:xfrm>
+          <a:prstGeom prst="rect">
+            <a:avLst/>
+          </a:prstGeom>
+          <a:noFill/>
+        </p:spPr>
+        <p:txBody>
+          <a:bodyPr wrap="square" rtlCol="0">
+            <a:spAutoFit/>
+          </a:bodyPr>
+          <a:lstStyle/>
+          <a:p>
+            <a:pPr marL="342900" indent="-342900" rtl="0">
+              <a:lnSpc>
+                <a:spcPct val="150000"/>
+              </a:lnSpc>
+              <a:buFont typeface="Arial" panose="020B0604020202020204" pitchFamily="34" charset="0"/>
+              <a:buChar char="•"/>
+            </a:pPr>
+            <a:r>
+              <a:rPr lang="fr-FR" sz="2400">
+                <a:effectLst/>
+              </a:rPr>
+              <a:t>Bibliothèque riche</a:t>
+            </a:r>
+          </a:p>
+          <a:p>
+            <a:pPr marL="800100" lvl="1" indent="-342900">
+              <a:lnSpc>
+                <a:spcPct val="150000"/>
+              </a:lnSpc>
+              <a:buFont typeface="Wingdings" panose="05000000000000000000" pitchFamily="2" charset="2"/>
+              <a:buChar char="Ø"/>
+            </a:pPr>
+            <a:r>
+              <a:rPr lang="fr-FR" sz="2400"/>
+              <a:t>Légère</a:t>
+            </a:r>
+          </a:p>
+          <a:p>
+            <a:pPr marL="800100" lvl="1" indent="-342900">
+              <a:lnSpc>
+                <a:spcPct val="150000"/>
+              </a:lnSpc>
+              <a:buFont typeface="Wingdings" panose="05000000000000000000" pitchFamily="2" charset="2"/>
+              <a:buChar char="Ø"/>
+            </a:pPr>
+            <a:r>
+              <a:rPr lang="fr-FR" sz="2400">
+                <a:effectLst/>
+              </a:rPr>
+              <a:t>Extensible</a:t>
+            </a:r>
+          </a:p>
+        </p:txBody>
+      </p:sp>
+      <p:sp>
+        <p:nvSpPr>
+          <p:cNvPr id="5" name="TextBox 4">
+            <a:extLst>
+              <a:ext uri="{FF2B5EF4-FFF2-40B4-BE49-F238E27FC236}">
+                <a16:creationId xmlns:a16="http://schemas.microsoft.com/office/drawing/2014/main" id="{F82AC49D-EE86-8D77-2C48-D5152F2E0EC9}"/>
+              </a:ext>
+            </a:extLst>
+          </p:cNvPr>
+          <p:cNvSpPr txBox="1"/>
+          <p:nvPr/>
+        </p:nvSpPr>
+        <p:spPr>
+          <a:xfrm>
+            <a:off x="7191422" y="5069931"/>
+            <a:ext cx="4082476" cy="1140825"/>
+          </a:xfrm>
+          <a:prstGeom prst="rect">
+            <a:avLst/>
+          </a:prstGeom>
+          <a:noFill/>
+        </p:spPr>
+        <p:txBody>
+          <a:bodyPr wrap="square" rtlCol="0">
+            <a:spAutoFit/>
+          </a:bodyPr>
+          <a:lstStyle/>
+          <a:p>
+            <a:pPr marL="342900" indent="-342900" rtl="0">
+              <a:lnSpc>
+                <a:spcPct val="150000"/>
+              </a:lnSpc>
+              <a:buFont typeface="Arial" panose="020B0604020202020204" pitchFamily="34" charset="0"/>
+              <a:buChar char="•"/>
+            </a:pPr>
+            <a:r>
+              <a:rPr lang="fr-FR" sz="2400" dirty="0">
+                <a:effectLst/>
+              </a:rPr>
+              <a:t>Conversion des données</a:t>
+            </a:r>
+          </a:p>
+          <a:p>
+            <a:pPr marL="342900" indent="-342900" rtl="0">
+              <a:lnSpc>
+                <a:spcPct val="150000"/>
+              </a:lnSpc>
+              <a:buFont typeface="Arial" panose="020B0604020202020204" pitchFamily="34" charset="0"/>
+              <a:buChar char="•"/>
+            </a:pPr>
+            <a:r>
+              <a:rPr lang="fr-FR" sz="2400" dirty="0">
+                <a:effectLst/>
+              </a:rPr>
+              <a:t>Gesti</a:t>
+            </a:r>
+            <a:r>
+              <a:rPr lang="fr-FR" sz="2400" dirty="0"/>
+              <a:t>on des requêtes</a:t>
+            </a:r>
+            <a:endParaRPr lang="fr-FR" sz="2400" dirty="0">
+              <a:effectLst/>
+            </a:endParaRPr>
+          </a:p>
+        </p:txBody>
+      </p:sp>
+    </p:spTree>
+    <p:extLst>
+      <p:ext uri="{BB962C8B-B14F-4D97-AF65-F5344CB8AC3E}">
+        <p14:creationId xmlns:p14="http://schemas.microsoft.com/office/powerpoint/2010/main" val="3583298849"/>
+      </p:ext>
+    </p:extLst>
+  </p:cSld>
+  <p:clrMapOvr>
+    <a:masterClrMapping/>
+  </p:clrMapOvr>
+</p:sld>
+</file>
+
+<file path=ppt/slides/slide28.xml><?xml version="1.0" encoding="utf-8"?>
+<p:sld xmlns:a="http://schemas.openxmlformats.org/drawingml/2006/main" xmlns:r="http://schemas.openxmlformats.org/officeDocument/2006/relationships" xmlns:p="http://schemas.openxmlformats.org/presentationml/2006/main">
+  <p:cSld>
+    <p:spTree>
+      <p:nvGrpSpPr>
+        <p:cNvPr id="1" name=""/>
+        <p:cNvGrpSpPr/>
+        <p:nvPr/>
+      </p:nvGrpSpPr>
+      <p:grpSpPr>
+        <a:xfrm>
+          <a:off x="0" y="0"/>
+          <a:ext cx="0" cy="0"/>
+          <a:chOff x="0" y="0"/>
+          <a:chExt cx="0" cy="0"/>
+        </a:xfrm>
+      </p:grpSpPr>
+      <p:sp>
+        <p:nvSpPr>
+          <p:cNvPr id="3" name="Slide Number Placeholder 32">
+            <a:extLst>
+              <a:ext uri="{FF2B5EF4-FFF2-40B4-BE49-F238E27FC236}">
+                <a16:creationId xmlns:a16="http://schemas.microsoft.com/office/drawing/2014/main" id="{73785881-B744-E58E-C152-B267B3D41260}"/>
+              </a:ext>
+            </a:extLst>
+          </p:cNvPr>
+          <p:cNvSpPr>
+            <a:spLocks noGrp="1"/>
+          </p:cNvSpPr>
+          <p:nvPr>
+            <p:ph type="sldNum" sz="quarter" idx="12"/>
+          </p:nvPr>
+        </p:nvSpPr>
+        <p:spPr>
+          <a:xfrm>
+            <a:off x="9107747" y="6429219"/>
+            <a:ext cx="2743200" cy="365125"/>
+          </a:xfrm>
+        </p:spPr>
+        <p:txBody>
+          <a:bodyPr/>
+          <a:lstStyle/>
+          <a:p>
+            <a:fld id="{F26BA1F6-0971-4337-9C55-1D3289524A07}" type="slidenum">
+              <a:rPr lang="en-US" sz="1400" b="1" smtClean="0">
+                <a:solidFill>
+                  <a:schemeClr val="tx1"/>
+                </a:solidFill>
+              </a:rPr>
+              <a:t>28</a:t>
+            </a:fld>
+            <a:endParaRPr lang="en-US" sz="1400" b="1">
+              <a:solidFill>
+                <a:schemeClr val="tx1"/>
+              </a:solidFill>
+            </a:endParaRPr>
+          </a:p>
+        </p:txBody>
+      </p:sp>
+      <p:sp>
+        <p:nvSpPr>
+          <p:cNvPr id="4" name="Title 1">
+            <a:extLst>
+              <a:ext uri="{FF2B5EF4-FFF2-40B4-BE49-F238E27FC236}">
+                <a16:creationId xmlns:a16="http://schemas.microsoft.com/office/drawing/2014/main" id="{A8D5AF67-DBEA-80C8-15A1-E79B86A4E90B}"/>
+              </a:ext>
+            </a:extLst>
+          </p:cNvPr>
+          <p:cNvSpPr txBox="1">
+            <a:spLocks/>
+          </p:cNvSpPr>
+          <p:nvPr/>
+        </p:nvSpPr>
+        <p:spPr>
+          <a:xfrm>
+            <a:off x="1837088" y="529734"/>
+            <a:ext cx="8517823" cy="948261"/>
+          </a:xfrm>
+          <a:prstGeom prst="rect">
+            <a:avLst/>
+          </a:prstGeom>
+        </p:spPr>
+        <p:txBody>
+          <a:bodyPr vert="horz" lIns="91440" tIns="45720" rIns="91440" bIns="45720" rtlCol="0" anchor="ctr">
+            <a:normAutofit/>
+          </a:bodyPr>
+          <a:lstStyle>
+            <a:lvl1pPr algn="l" defTabSz="914400" rtl="0" eaLnBrk="1" latinLnBrk="0" hangingPunct="1">
+              <a:lnSpc>
+                <a:spcPct val="90000"/>
+              </a:lnSpc>
+              <a:spcBef>
+                <a:spcPct val="0"/>
+              </a:spcBef>
+              <a:buNone/>
+              <a:defRPr sz="3600" kern="1200" cap="all" baseline="0">
+                <a:solidFill>
+                  <a:schemeClr val="tx1"/>
+                </a:solidFill>
+                <a:latin typeface="+mj-lt"/>
+                <a:ea typeface="+mj-ea"/>
+                <a:cs typeface="+mj-cs"/>
+              </a:defRPr>
+            </a:lvl1pPr>
+          </a:lstStyle>
+          <a:p>
+            <a:pPr algn="ctr"/>
+            <a:r>
+              <a:rPr lang="fr-FR" b="1" i="1"/>
               <a:t>betweeness centrality</a:t>
             </a:r>
             <a:endParaRPr lang="en-US" b="1" i="1" dirty="0"/>
@@ -17575,8 +19994,8 @@
           </a:p>
         </p:txBody>
       </p:sp>
-      <mc:AlternateContent xmlns:mc="http://schemas.openxmlformats.org/markup-compatibility/2006">
-        <mc:Choice xmlns:a14="http://schemas.microsoft.com/office/drawing/2010/main" Requires="a14">
+      <mc:AlternateContent xmlns:mc="http://schemas.openxmlformats.org/markup-compatibility/2006" xmlns:a14="http://schemas.microsoft.com/office/drawing/2010/main">
+        <mc:Choice Requires="a14">
           <p:sp>
             <p:nvSpPr>
               <p:cNvPr id="11" name="TextBox 10">
@@ -17644,13 +20063,7 @@
                         <a:rPr lang="fr-FR" sz="2400" b="0" i="1" smtClean="0">
                           <a:latin typeface="Cambria Math" panose="02040503050406030204" pitchFamily="18" charset="0"/>
                         </a:rPr>
-                        <m:t>=</m:t>
-                      </m:r>
-                      <m:r>
-                        <a:rPr lang="fr-FR" sz="2400" b="0" i="1" smtClean="0">
-                          <a:latin typeface="Cambria Math" panose="02040503050406030204" pitchFamily="18" charset="0"/>
-                        </a:rPr>
-                        <m:t> </m:t>
+                        <m:t>= </m:t>
                       </m:r>
                       <m:nary>
                         <m:naryPr>
@@ -17822,7 +20235,7 @@
             </p:txBody>
           </p:sp>
         </mc:Choice>
-        <mc:Fallback>
+        <mc:Fallback xmlns="">
           <p:sp>
             <p:nvSpPr>
               <p:cNvPr id="11" name="TextBox 10">
@@ -17910,7 +20323,7 @@
     </p:spTree>
     <p:extLst>
       <p:ext uri="{BB962C8B-B14F-4D97-AF65-F5344CB8AC3E}">
-        <p14:creationId xmlns:p14="http://schemas.microsoft.com/office/powerpoint/2010/main" val="2334827926"/>
+        <p14:creationId xmlns:p14="http://schemas.microsoft.com/office/powerpoint/2010/main" val="285435635"/>
       </p:ext>
     </p:extLst>
   </p:cSld>
@@ -17920,7 +20333,7 @@
 </p:sld>
 </file>
 
-<file path=ppt/slides/slide22.xml><?xml version="1.0" encoding="utf-8"?>
+<file path=ppt/slides/slide29.xml><?xml version="1.0" encoding="utf-8"?>
 <p:sld xmlns:a="http://schemas.openxmlformats.org/drawingml/2006/main" xmlns:r="http://schemas.openxmlformats.org/officeDocument/2006/relationships" xmlns:p="http://schemas.openxmlformats.org/presentationml/2006/main">
   <p:cSld>
     <p:spTree>
@@ -17969,7 +20382,7 @@
                   <a:schemeClr val="tx1"/>
                 </a:solidFill>
               </a:rPr>
-              <a:t>22</a:t>
+              <a:t>29</a:t>
             </a:fld>
             <a:endParaRPr lang="en-US" sz="1400" b="1">
               <a:solidFill>
@@ -18089,8 +20502,8 @@
           </a:p>
         </p:txBody>
       </p:sp>
-      <mc:AlternateContent xmlns:mc="http://schemas.openxmlformats.org/markup-compatibility/2006">
-        <mc:Choice xmlns:a14="http://schemas.microsoft.com/office/drawing/2010/main" Requires="a14">
+      <mc:AlternateContent xmlns:mc="http://schemas.openxmlformats.org/markup-compatibility/2006" xmlns:a14="http://schemas.microsoft.com/office/drawing/2010/main">
+        <mc:Choice Requires="a14">
           <p:sp>
             <p:nvSpPr>
               <p:cNvPr id="11" name="TextBox 10">
@@ -18163,7 +20576,7 @@
                       <m:d>
                         <m:dPr>
                           <m:ctrlPr>
-                            <a:rPr lang="fr-FR" sz="2400" b="0" i="0" smtClean="0">
+                            <a:rPr lang="fr-FR" sz="2400" b="0" i="1" smtClean="0">
                               <a:latin typeface="Cambria Math" panose="02040503050406030204" pitchFamily="18" charset="0"/>
                             </a:rPr>
                           </m:ctrlPr>
@@ -18327,7 +20740,7 @@
             </p:txBody>
           </p:sp>
         </mc:Choice>
-        <mc:Fallback>
+        <mc:Fallback xmlns="">
           <p:sp>
             <p:nvSpPr>
               <p:cNvPr id="11" name="TextBox 10">
@@ -18416,7 +20829,7 @@
     </p:spTree>
     <p:extLst>
       <p:ext uri="{BB962C8B-B14F-4D97-AF65-F5344CB8AC3E}">
-        <p14:creationId xmlns:p14="http://schemas.microsoft.com/office/powerpoint/2010/main" val="1199845047"/>
+        <p14:creationId xmlns:p14="http://schemas.microsoft.com/office/powerpoint/2010/main" val="3903708383"/>
       </p:ext>
     </p:extLst>
   </p:cSld>
@@ -18426,7 +20839,7 @@
 </p:sld>
 </file>
 
-<file path=ppt/slides/slide23.xml><?xml version="1.0" encoding="utf-8"?>
+<file path=ppt/slides/slide3.xml><?xml version="1.0" encoding="utf-8"?>
 <p:sld xmlns:a="http://schemas.openxmlformats.org/drawingml/2006/main" xmlns:r="http://schemas.openxmlformats.org/officeDocument/2006/relationships" xmlns:p="http://schemas.openxmlformats.org/presentationml/2006/main">
   <p:cSld>
     <p:spTree>
@@ -18475,7 +20888,7 @@
                   <a:schemeClr val="tx1"/>
                 </a:solidFill>
               </a:rPr>
-              <a:t>23</a:t>
+              <a:t>3</a:t>
             </a:fld>
             <a:endParaRPr lang="en-US" sz="1400" b="1">
               <a:solidFill>
@@ -18501,8 +20914,8 @@
         </p:nvSpPr>
         <p:spPr>
           <a:xfrm>
-            <a:off x="1837088" y="529734"/>
-            <a:ext cx="8517823" cy="948261"/>
+            <a:off x="2296357" y="529734"/>
+            <a:ext cx="7599286" cy="948261"/>
           </a:xfrm>
           <a:prstGeom prst="rect">
             <a:avLst/>
@@ -18534,19 +20947,19 @@
           <a:p>
             <a:pPr algn="ctr"/>
             <a:r>
-              <a:rPr lang="fr-FR" b="1" i="1"/>
-              <a:t>TESTS DE PERFORMANCE</a:t>
+              <a:rPr lang="en-US" b="1"/>
+              <a:t>fonctionnalitÉs</a:t>
             </a:r>
-            <a:endParaRPr lang="en-US" b="1" i="1" dirty="0"/>
+            <a:endParaRPr lang="en-US" b="1" dirty="0"/>
           </a:p>
         </p:txBody>
       </p:sp>
       <p:sp>
         <p:nvSpPr>
-          <p:cNvPr id="6" name="TextBox 5">
+          <p:cNvPr id="2" name="TextBox 1">
             <a:extLst>
               <a:ext uri="{FF2B5EF4-FFF2-40B4-BE49-F238E27FC236}">
-                <a16:creationId xmlns:a16="http://schemas.microsoft.com/office/drawing/2014/main" id="{0FF877E9-7A9E-B0D9-B0DE-4829CA1826F3}"/>
+                <a16:creationId xmlns:a16="http://schemas.microsoft.com/office/drawing/2014/main" id="{33010607-8DFE-2D85-DB3A-57A0D48A38C2}"/>
               </a:ext>
             </a:extLst>
           </p:cNvPr>
@@ -18555,8 +20968,8 @@
         </p:nvSpPr>
         <p:spPr>
           <a:xfrm>
-            <a:off x="8486529" y="2581588"/>
-            <a:ext cx="3192148" cy="1694823"/>
+            <a:off x="6969961" y="1891297"/>
+            <a:ext cx="4082476" cy="3633815"/>
           </a:xfrm>
           <a:prstGeom prst="rect">
             <a:avLst/>
@@ -18569,82 +20982,329 @@
           </a:bodyPr>
           <a:lstStyle/>
           <a:p>
-            <a:pPr rtl="0">
+            <a:pPr lvl="1">
               <a:lnSpc>
-                <a:spcPct val="150000"/>
+                <a:spcPct val="250000"/>
               </a:lnSpc>
+            </a:pPr>
+            <a:r>
+              <a:rPr lang="fr-FR" sz="2400" dirty="0">
+                <a:effectLst/>
+              </a:rPr>
+              <a:t>Algo Aho-</a:t>
+            </a:r>
+            <a:r>
+              <a:rPr lang="fr-FR" sz="2400" dirty="0" err="1">
+                <a:effectLst/>
+              </a:rPr>
+              <a:t>Ullman</a:t>
+            </a:r>
+            <a:endParaRPr lang="fr-FR" sz="2400" dirty="0">
+              <a:effectLst/>
+            </a:endParaRPr>
+          </a:p>
+          <a:p>
+            <a:pPr lvl="1">
+              <a:lnSpc>
+                <a:spcPct val="250000"/>
+              </a:lnSpc>
+            </a:pPr>
+            <a:r>
+              <a:rPr lang="fr-FR" sz="2400" dirty="0">
+                <a:effectLst/>
+              </a:rPr>
+              <a:t>Algo KMP</a:t>
+            </a:r>
+          </a:p>
+          <a:p>
+            <a:pPr lvl="1">
+              <a:lnSpc>
+                <a:spcPct val="250000"/>
+              </a:lnSpc>
+            </a:pPr>
+            <a:r>
+              <a:rPr lang="fr-FR" sz="2400" dirty="0">
+                <a:effectLst/>
+              </a:rPr>
+              <a:t>Centralité</a:t>
+            </a:r>
+          </a:p>
+          <a:p>
+            <a:pPr lvl="1">
+              <a:lnSpc>
+                <a:spcPct val="250000"/>
+              </a:lnSpc>
+            </a:pPr>
+            <a:r>
+              <a:rPr lang="fr-FR" sz="2400" dirty="0">
+                <a:effectLst/>
+              </a:rPr>
+              <a:t>Distance de Jaccard</a:t>
+            </a:r>
+          </a:p>
+        </p:txBody>
+      </p:sp>
+      <p:sp>
+        <p:nvSpPr>
+          <p:cNvPr id="5" name="TextBox 4">
+            <a:extLst>
+              <a:ext uri="{FF2B5EF4-FFF2-40B4-BE49-F238E27FC236}">
+                <a16:creationId xmlns:a16="http://schemas.microsoft.com/office/drawing/2014/main" id="{2307D777-F8E0-499B-F601-98F5AFB2A2CA}"/>
+              </a:ext>
+            </a:extLst>
+          </p:cNvPr>
+          <p:cNvSpPr txBox="1"/>
+          <p:nvPr/>
+        </p:nvSpPr>
+        <p:spPr>
+          <a:xfrm>
+            <a:off x="1680732" y="1891298"/>
+            <a:ext cx="4082476" cy="3633815"/>
+          </a:xfrm>
+          <a:prstGeom prst="rect">
+            <a:avLst/>
+          </a:prstGeom>
+          <a:noFill/>
+        </p:spPr>
+        <p:txBody>
+          <a:bodyPr wrap="square" rtlCol="0">
+            <a:spAutoFit/>
+          </a:bodyPr>
+          <a:lstStyle/>
+          <a:p>
+            <a:pPr marL="800100" lvl="1" indent="-342900">
+              <a:lnSpc>
+                <a:spcPct val="250000"/>
+              </a:lnSpc>
+              <a:buFont typeface="Wingdings" panose="05000000000000000000" pitchFamily="2" charset="2"/>
+              <a:buChar char="Ø"/>
             </a:pPr>
             <a:r>
               <a:rPr lang="fr-FR" sz="2400">
                 <a:effectLst/>
               </a:rPr>
-              <a:t>Démarrage application :</a:t>
+              <a:t>Recherche par RegEx</a:t>
             </a:r>
           </a:p>
           <a:p>
-            <a:pPr marL="342900" indent="-342900" rtl="0">
+            <a:pPr marL="800100" lvl="1" indent="-342900">
               <a:lnSpc>
-                <a:spcPct val="150000"/>
+                <a:spcPct val="250000"/>
               </a:lnSpc>
-              <a:buFont typeface="Arial" panose="020B0604020202020204" pitchFamily="34" charset="0"/>
-              <a:buChar char="•"/>
-            </a:pPr>
-            <a:r>
-              <a:rPr lang="fr-FR" sz="2400"/>
-              <a:t>O(n)</a:t>
-            </a:r>
-          </a:p>
-          <a:p>
-            <a:pPr marL="342900" indent="-342900" rtl="0">
-              <a:lnSpc>
-                <a:spcPct val="150000"/>
-              </a:lnSpc>
-              <a:buFont typeface="Arial" panose="020B0604020202020204" pitchFamily="34" charset="0"/>
-              <a:buChar char="•"/>
+              <a:buFont typeface="Wingdings" panose="05000000000000000000" pitchFamily="2" charset="2"/>
+              <a:buChar char="Ø"/>
             </a:pPr>
             <a:r>
               <a:rPr lang="fr-FR" sz="2400">
                 <a:effectLst/>
               </a:rPr>
-              <a:t>&lt; 10s</a:t>
+              <a:t>Recherche simple</a:t>
+            </a:r>
+          </a:p>
+          <a:p>
+            <a:pPr marL="800100" lvl="1" indent="-342900">
+              <a:lnSpc>
+                <a:spcPct val="250000"/>
+              </a:lnSpc>
+              <a:buFont typeface="Wingdings" panose="05000000000000000000" pitchFamily="2" charset="2"/>
+              <a:buChar char="Ø"/>
+            </a:pPr>
+            <a:r>
+              <a:rPr lang="fr-FR" sz="2400">
+                <a:effectLst/>
+              </a:rPr>
+              <a:t>Classement</a:t>
+            </a:r>
+          </a:p>
+          <a:p>
+            <a:pPr marL="800100" lvl="1" indent="-342900">
+              <a:lnSpc>
+                <a:spcPct val="250000"/>
+              </a:lnSpc>
+              <a:buFont typeface="Wingdings" panose="05000000000000000000" pitchFamily="2" charset="2"/>
+              <a:buChar char="Ø"/>
+            </a:pPr>
+            <a:r>
+              <a:rPr lang="fr-FR" sz="2400">
+                <a:effectLst/>
+              </a:rPr>
+              <a:t>Suggestions</a:t>
             </a:r>
           </a:p>
         </p:txBody>
       </p:sp>
-      <p:pic>
-        <p:nvPicPr>
-          <p:cNvPr id="12" name="Picture 11">
+      <p:cxnSp>
+        <p:nvCxnSpPr>
+          <p:cNvPr id="8" name="Straight Arrow Connector 7">
             <a:extLst>
               <a:ext uri="{FF2B5EF4-FFF2-40B4-BE49-F238E27FC236}">
-                <a16:creationId xmlns:a16="http://schemas.microsoft.com/office/drawing/2014/main" id="{055D8FE3-9ECF-D3F7-C678-91805C58555F}"/>
+                <a16:creationId xmlns:a16="http://schemas.microsoft.com/office/drawing/2014/main" id="{7B5FD53E-0DE1-5A26-09FB-69049A53B9C6}"/>
               </a:ext>
             </a:extLst>
           </p:cNvPr>
-          <p:cNvPicPr>
-            <a:picLocks noChangeAspect="1"/>
-          </p:cNvPicPr>
+          <p:cNvCxnSpPr/>
           <p:nvPr/>
-        </p:nvPicPr>
-        <p:blipFill>
-          <a:blip r:embed="rId2"/>
-          <a:stretch>
-            <a:fillRect/>
-          </a:stretch>
-        </p:blipFill>
+        </p:nvCxnSpPr>
         <p:spPr>
           <a:xfrm>
-            <a:off x="1062647" y="1754050"/>
-            <a:ext cx="7028710" cy="4230329"/>
+            <a:off x="5716553" y="2556587"/>
+            <a:ext cx="1300065" cy="0"/>
           </a:xfrm>
-          <a:prstGeom prst="rect">
+          <a:prstGeom prst="straightConnector1">
             <a:avLst/>
           </a:prstGeom>
+          <a:ln w="38100">
+            <a:solidFill>
+              <a:schemeClr val="tx1"/>
+            </a:solidFill>
+            <a:tailEnd type="triangle"/>
+          </a:ln>
         </p:spPr>
-      </p:pic>
+        <p:style>
+          <a:lnRef idx="1">
+            <a:schemeClr val="accent1"/>
+          </a:lnRef>
+          <a:fillRef idx="0">
+            <a:schemeClr val="accent1"/>
+          </a:fillRef>
+          <a:effectRef idx="0">
+            <a:schemeClr val="accent1"/>
+          </a:effectRef>
+          <a:fontRef idx="minor">
+            <a:schemeClr val="tx1"/>
+          </a:fontRef>
+        </p:style>
+      </p:cxnSp>
+      <p:cxnSp>
+        <p:nvCxnSpPr>
+          <p:cNvPr id="9" name="Straight Arrow Connector 8">
+            <a:extLst>
+              <a:ext uri="{FF2B5EF4-FFF2-40B4-BE49-F238E27FC236}">
+                <a16:creationId xmlns:a16="http://schemas.microsoft.com/office/drawing/2014/main" id="{62F7E51F-ED98-5E36-4569-7498D8FA26E9}"/>
+              </a:ext>
+            </a:extLst>
+          </p:cNvPr>
+          <p:cNvCxnSpPr/>
+          <p:nvPr/>
+        </p:nvCxnSpPr>
+        <p:spPr>
+          <a:xfrm>
+            <a:off x="5716553" y="3438331"/>
+            <a:ext cx="1300065" cy="0"/>
+          </a:xfrm>
+          <a:prstGeom prst="straightConnector1">
+            <a:avLst/>
+          </a:prstGeom>
+          <a:ln w="38100">
+            <a:solidFill>
+              <a:schemeClr val="tx1"/>
+            </a:solidFill>
+            <a:tailEnd type="triangle"/>
+          </a:ln>
+        </p:spPr>
+        <p:style>
+          <a:lnRef idx="1">
+            <a:schemeClr val="accent1"/>
+          </a:lnRef>
+          <a:fillRef idx="0">
+            <a:schemeClr val="accent1"/>
+          </a:fillRef>
+          <a:effectRef idx="0">
+            <a:schemeClr val="accent1"/>
+          </a:effectRef>
+          <a:fontRef idx="minor">
+            <a:schemeClr val="tx1"/>
+          </a:fontRef>
+        </p:style>
+      </p:cxnSp>
+      <p:cxnSp>
+        <p:nvCxnSpPr>
+          <p:cNvPr id="10" name="Straight Arrow Connector 9">
+            <a:extLst>
+              <a:ext uri="{FF2B5EF4-FFF2-40B4-BE49-F238E27FC236}">
+                <a16:creationId xmlns:a16="http://schemas.microsoft.com/office/drawing/2014/main" id="{E9AF577E-E729-3A5D-1A9A-12C4C1FCA8A6}"/>
+              </a:ext>
+            </a:extLst>
+          </p:cNvPr>
+          <p:cNvCxnSpPr/>
+          <p:nvPr/>
+        </p:nvCxnSpPr>
+        <p:spPr>
+          <a:xfrm>
+            <a:off x="5716553" y="4355841"/>
+            <a:ext cx="1300065" cy="0"/>
+          </a:xfrm>
+          <a:prstGeom prst="straightConnector1">
+            <a:avLst/>
+          </a:prstGeom>
+          <a:ln w="38100">
+            <a:solidFill>
+              <a:schemeClr val="tx1"/>
+            </a:solidFill>
+            <a:tailEnd type="triangle"/>
+          </a:ln>
+        </p:spPr>
+        <p:style>
+          <a:lnRef idx="1">
+            <a:schemeClr val="accent1"/>
+          </a:lnRef>
+          <a:fillRef idx="0">
+            <a:schemeClr val="accent1"/>
+          </a:fillRef>
+          <a:effectRef idx="0">
+            <a:schemeClr val="accent1"/>
+          </a:effectRef>
+          <a:fontRef idx="minor">
+            <a:schemeClr val="tx1"/>
+          </a:fontRef>
+        </p:style>
+      </p:cxnSp>
+      <p:cxnSp>
+        <p:nvCxnSpPr>
+          <p:cNvPr id="11" name="Straight Arrow Connector 10">
+            <a:extLst>
+              <a:ext uri="{FF2B5EF4-FFF2-40B4-BE49-F238E27FC236}">
+                <a16:creationId xmlns:a16="http://schemas.microsoft.com/office/drawing/2014/main" id="{6D4B5619-1CBD-1B19-35BB-14A2F87831CD}"/>
+              </a:ext>
+            </a:extLst>
+          </p:cNvPr>
+          <p:cNvCxnSpPr/>
+          <p:nvPr/>
+        </p:nvCxnSpPr>
+        <p:spPr>
+          <a:xfrm>
+            <a:off x="5716552" y="5273351"/>
+            <a:ext cx="1300065" cy="0"/>
+          </a:xfrm>
+          <a:prstGeom prst="straightConnector1">
+            <a:avLst/>
+          </a:prstGeom>
+          <a:ln w="38100">
+            <a:solidFill>
+              <a:schemeClr val="tx1"/>
+            </a:solidFill>
+            <a:tailEnd type="triangle"/>
+          </a:ln>
+        </p:spPr>
+        <p:style>
+          <a:lnRef idx="1">
+            <a:schemeClr val="accent1"/>
+          </a:lnRef>
+          <a:fillRef idx="0">
+            <a:schemeClr val="accent1"/>
+          </a:fillRef>
+          <a:effectRef idx="0">
+            <a:schemeClr val="accent1"/>
+          </a:effectRef>
+          <a:fontRef idx="minor">
+            <a:schemeClr val="tx1"/>
+          </a:fontRef>
+        </p:style>
+      </p:cxnSp>
     </p:spTree>
     <p:extLst>
       <p:ext uri="{BB962C8B-B14F-4D97-AF65-F5344CB8AC3E}">
-        <p14:creationId xmlns:p14="http://schemas.microsoft.com/office/powerpoint/2010/main" val="1586808113"/>
+        <p14:creationId xmlns:p14="http://schemas.microsoft.com/office/powerpoint/2010/main" val="1158705307"/>
       </p:ext>
     </p:extLst>
   </p:cSld>
@@ -18654,7 +21314,7 @@
 </p:sld>
 </file>
 
-<file path=ppt/slides/slide24.xml><?xml version="1.0" encoding="utf-8"?>
+<file path=ppt/slides/slide4.xml><?xml version="1.0" encoding="utf-8"?>
 <p:sld xmlns:a="http://schemas.openxmlformats.org/drawingml/2006/main" xmlns:r="http://schemas.openxmlformats.org/officeDocument/2006/relationships" xmlns:p="http://schemas.openxmlformats.org/presentationml/2006/main">
   <p:cSld>
     <p:spTree>
@@ -18703,235 +21363,7 @@
                   <a:schemeClr val="tx1"/>
                 </a:solidFill>
               </a:rPr>
-              <a:t>24</a:t>
-            </a:fld>
-            <a:endParaRPr lang="en-US" sz="1400" b="1">
-              <a:solidFill>
-                <a:schemeClr val="tx1"/>
-              </a:solidFill>
-            </a:endParaRPr>
-          </a:p>
-        </p:txBody>
-      </p:sp>
-      <p:sp>
-        <p:nvSpPr>
-          <p:cNvPr id="4" name="Title 1">
-            <a:extLst>
-              <a:ext uri="{FF2B5EF4-FFF2-40B4-BE49-F238E27FC236}">
-                <a16:creationId xmlns:a16="http://schemas.microsoft.com/office/drawing/2014/main" id="{A8D5AF67-DBEA-80C8-15A1-E79B86A4E90B}"/>
-              </a:ext>
-            </a:extLst>
-          </p:cNvPr>
-          <p:cNvSpPr txBox="1">
-            <a:spLocks/>
-          </p:cNvSpPr>
-          <p:nvPr/>
-        </p:nvSpPr>
-        <p:spPr>
-          <a:xfrm>
-            <a:off x="1837088" y="529734"/>
-            <a:ext cx="8517823" cy="948261"/>
-          </a:xfrm>
-          <a:prstGeom prst="rect">
-            <a:avLst/>
-          </a:prstGeom>
-        </p:spPr>
-        <p:txBody>
-          <a:bodyPr vert="horz" lIns="91440" tIns="45720" rIns="91440" bIns="45720" rtlCol="0" anchor="ctr">
-            <a:normAutofit/>
-          </a:bodyPr>
-          <a:lstStyle>
-            <a:lvl1pPr algn="l" defTabSz="914400" rtl="0" eaLnBrk="1" latinLnBrk="0" hangingPunct="1">
-              <a:lnSpc>
-                <a:spcPct val="90000"/>
-              </a:lnSpc>
-              <a:spcBef>
-                <a:spcPct val="0"/>
-              </a:spcBef>
-              <a:buNone/>
-              <a:defRPr sz="3600" kern="1200" cap="all" baseline="0">
-                <a:solidFill>
-                  <a:schemeClr val="tx1"/>
-                </a:solidFill>
-                <a:latin typeface="+mj-lt"/>
-                <a:ea typeface="+mj-ea"/>
-                <a:cs typeface="+mj-cs"/>
-              </a:defRPr>
-            </a:lvl1pPr>
-          </a:lstStyle>
-          <a:p>
-            <a:pPr algn="ctr"/>
-            <a:r>
-              <a:rPr lang="fr-FR" b="1" i="1"/>
-              <a:t>TESTS DE PERFORMANCE</a:t>
-            </a:r>
-            <a:endParaRPr lang="en-US" b="1" i="1" dirty="0"/>
-          </a:p>
-        </p:txBody>
-      </p:sp>
-      <p:sp>
-        <p:nvSpPr>
-          <p:cNvPr id="6" name="TextBox 5">
-            <a:extLst>
-              <a:ext uri="{FF2B5EF4-FFF2-40B4-BE49-F238E27FC236}">
-                <a16:creationId xmlns:a16="http://schemas.microsoft.com/office/drawing/2014/main" id="{0FF877E9-7A9E-B0D9-B0DE-4829CA1826F3}"/>
-              </a:ext>
-            </a:extLst>
-          </p:cNvPr>
-          <p:cNvSpPr txBox="1"/>
-          <p:nvPr/>
-        </p:nvSpPr>
-        <p:spPr>
-          <a:xfrm>
-            <a:off x="8486529" y="2581588"/>
-            <a:ext cx="3192148" cy="1694823"/>
-          </a:xfrm>
-          <a:prstGeom prst="rect">
-            <a:avLst/>
-          </a:prstGeom>
-          <a:noFill/>
-        </p:spPr>
-        <p:txBody>
-          <a:bodyPr wrap="square" rtlCol="0">
-            <a:spAutoFit/>
-          </a:bodyPr>
-          <a:lstStyle/>
-          <a:p>
-            <a:pPr rtl="0">
-              <a:lnSpc>
-                <a:spcPct val="150000"/>
-              </a:lnSpc>
-            </a:pPr>
-            <a:r>
-              <a:rPr lang="fr-FR" sz="2400">
-                <a:effectLst/>
-              </a:rPr>
-              <a:t>Recherche :</a:t>
-            </a:r>
-          </a:p>
-          <a:p>
-            <a:pPr marL="342900" indent="-342900" rtl="0">
-              <a:lnSpc>
-                <a:spcPct val="150000"/>
-              </a:lnSpc>
-              <a:buFont typeface="Arial" panose="020B0604020202020204" pitchFamily="34" charset="0"/>
-              <a:buChar char="•"/>
-            </a:pPr>
-            <a:r>
-              <a:rPr lang="fr-FR" sz="2400"/>
-              <a:t>O(log n)</a:t>
-            </a:r>
-          </a:p>
-          <a:p>
-            <a:pPr marL="342900" indent="-342900" rtl="0">
-              <a:lnSpc>
-                <a:spcPct val="150000"/>
-              </a:lnSpc>
-              <a:buFont typeface="Arial" panose="020B0604020202020204" pitchFamily="34" charset="0"/>
-              <a:buChar char="•"/>
-            </a:pPr>
-            <a:r>
-              <a:rPr lang="fr-FR" sz="2400">
-                <a:effectLst/>
-              </a:rPr>
-              <a:t>&lt; 0,5s</a:t>
-            </a:r>
-          </a:p>
-        </p:txBody>
-      </p:sp>
-      <p:pic>
-        <p:nvPicPr>
-          <p:cNvPr id="5" name="Picture 4">
-            <a:extLst>
-              <a:ext uri="{FF2B5EF4-FFF2-40B4-BE49-F238E27FC236}">
-                <a16:creationId xmlns:a16="http://schemas.microsoft.com/office/drawing/2014/main" id="{6FC4E123-F2A2-D9A0-8D43-212EBC64D282}"/>
-              </a:ext>
-            </a:extLst>
-          </p:cNvPr>
-          <p:cNvPicPr>
-            <a:picLocks noChangeAspect="1"/>
-          </p:cNvPicPr>
-          <p:nvPr/>
-        </p:nvPicPr>
-        <p:blipFill>
-          <a:blip r:embed="rId2"/>
-          <a:stretch>
-            <a:fillRect/>
-          </a:stretch>
-        </p:blipFill>
-        <p:spPr>
-          <a:xfrm>
-            <a:off x="1091545" y="1761936"/>
-            <a:ext cx="6970104" cy="4195056"/>
-          </a:xfrm>
-          <a:prstGeom prst="rect">
-            <a:avLst/>
-          </a:prstGeom>
-        </p:spPr>
-      </p:pic>
-    </p:spTree>
-    <p:extLst>
-      <p:ext uri="{BB962C8B-B14F-4D97-AF65-F5344CB8AC3E}">
-        <p14:creationId xmlns:p14="http://schemas.microsoft.com/office/powerpoint/2010/main" val="3020914380"/>
-      </p:ext>
-    </p:extLst>
-  </p:cSld>
-  <p:clrMapOvr>
-    <a:masterClrMapping/>
-  </p:clrMapOvr>
-</p:sld>
-</file>
-
-<file path=ppt/slides/slide25.xml><?xml version="1.0" encoding="utf-8"?>
-<p:sld xmlns:a="http://schemas.openxmlformats.org/drawingml/2006/main" xmlns:r="http://schemas.openxmlformats.org/officeDocument/2006/relationships" xmlns:p="http://schemas.openxmlformats.org/presentationml/2006/main">
-  <p:cSld>
-    <p:spTree>
-      <p:nvGrpSpPr>
-        <p:cNvPr id="1" name=""/>
-        <p:cNvGrpSpPr/>
-        <p:nvPr/>
-      </p:nvGrpSpPr>
-      <p:grpSpPr>
-        <a:xfrm>
-          <a:off x="0" y="0"/>
-          <a:ext cx="0" cy="0"/>
-          <a:chOff x="0" y="0"/>
-          <a:chExt cx="0" cy="0"/>
-        </a:xfrm>
-      </p:grpSpPr>
-      <p:sp>
-        <p:nvSpPr>
-          <p:cNvPr id="3" name="Slide Number Placeholder 32">
-            <a:extLst>
-              <a:ext uri="{FF2B5EF4-FFF2-40B4-BE49-F238E27FC236}">
-                <a16:creationId xmlns:a16="http://schemas.microsoft.com/office/drawing/2014/main" id="{73785881-B744-E58E-C152-B267B3D41260}"/>
-              </a:ext>
-            </a:extLst>
-          </p:cNvPr>
-          <p:cNvSpPr>
-            <a:spLocks noGrp="1"/>
-          </p:cNvSpPr>
-          <p:nvPr>
-            <p:ph type="sldNum" sz="quarter" idx="12"/>
-          </p:nvPr>
-        </p:nvSpPr>
-        <p:spPr>
-          <a:xfrm>
-            <a:off x="9107747" y="6429219"/>
-            <a:ext cx="2743200" cy="365125"/>
-          </a:xfrm>
-        </p:spPr>
-        <p:txBody>
-          <a:bodyPr/>
-          <a:lstStyle/>
-          <a:p>
-            <a:fld id="{F26BA1F6-0971-4337-9C55-1D3289524A07}" type="slidenum">
-              <a:rPr lang="en-US" sz="1400" b="1" smtClean="0">
-                <a:solidFill>
-                  <a:schemeClr val="tx1"/>
-                </a:solidFill>
-              </a:rPr>
-              <a:t>25</a:t>
+              <a:t>4</a:t>
             </a:fld>
             <a:endParaRPr lang="en-US" sz="1400" b="1">
               <a:solidFill>
@@ -18990,199 +21422,52 @@
           <a:p>
             <a:pPr algn="ctr"/>
             <a:r>
-              <a:rPr lang="en-US" b="1"/>
-              <a:t>CONCLUSION</a:t>
+              <a:rPr lang="en-US" b="1" dirty="0"/>
+              <a:t>GANTT CHART</a:t>
             </a:r>
-            <a:endParaRPr lang="en-US" b="1" dirty="0"/>
           </a:p>
         </p:txBody>
       </p:sp>
-      <p:sp>
-        <p:nvSpPr>
-          <p:cNvPr id="2" name="TextBox 1">
+      <p:pic>
+        <p:nvPicPr>
+          <p:cNvPr id="6" name="Picture 5">
             <a:extLst>
               <a:ext uri="{FF2B5EF4-FFF2-40B4-BE49-F238E27FC236}">
-                <a16:creationId xmlns:a16="http://schemas.microsoft.com/office/drawing/2014/main" id="{33010607-8DFE-2D85-DB3A-57A0D48A38C2}"/>
+                <a16:creationId xmlns:a16="http://schemas.microsoft.com/office/drawing/2014/main" id="{B145F5BF-B054-878E-7B1E-B3CF16F7FE39}"/>
               </a:ext>
             </a:extLst>
           </p:cNvPr>
-          <p:cNvSpPr txBox="1"/>
+          <p:cNvPicPr>
+            <a:picLocks noChangeAspect="1"/>
+          </p:cNvPicPr>
           <p:nvPr/>
-        </p:nvSpPr>
+        </p:nvPicPr>
+        <p:blipFill>
+          <a:blip r:embed="rId2">
+            <a:extLst>
+              <a:ext uri="{28A0092B-C50C-407E-A947-70E740481C1C}">
+                <a14:useLocalDpi xmlns:a14="http://schemas.microsoft.com/office/drawing/2010/main" val="0"/>
+              </a:ext>
+            </a:extLst>
+          </a:blip>
+          <a:stretch>
+            <a:fillRect/>
+          </a:stretch>
+        </p:blipFill>
         <p:spPr>
           <a:xfrm>
-            <a:off x="2296357" y="2233420"/>
-            <a:ext cx="4082476" cy="2248821"/>
+            <a:off x="2527443" y="1277189"/>
+            <a:ext cx="7137114" cy="5352836"/>
           </a:xfrm>
           <a:prstGeom prst="rect">
             <a:avLst/>
           </a:prstGeom>
-          <a:noFill/>
         </p:spPr>
-        <p:txBody>
-          <a:bodyPr wrap="square" rtlCol="0">
-            <a:spAutoFit/>
-          </a:bodyPr>
-          <a:lstStyle/>
-          <a:p>
-            <a:pPr marL="342900" indent="-342900" rtl="0">
-              <a:lnSpc>
-                <a:spcPct val="150000"/>
-              </a:lnSpc>
-              <a:buFont typeface="Arial" panose="020B0604020202020204" pitchFamily="34" charset="0"/>
-              <a:buChar char="•"/>
-            </a:pPr>
-            <a:r>
-              <a:rPr lang="fr-FR" sz="2400">
-                <a:effectLst/>
-              </a:rPr>
-              <a:t>Compétences</a:t>
-            </a:r>
-          </a:p>
-          <a:p>
-            <a:pPr marL="800100" lvl="1" indent="-342900">
-              <a:lnSpc>
-                <a:spcPct val="150000"/>
-              </a:lnSpc>
-              <a:buFont typeface="Wingdings" panose="05000000000000000000" pitchFamily="2" charset="2"/>
-              <a:buChar char="Ø"/>
-            </a:pPr>
-            <a:r>
-              <a:rPr lang="fr-FR" sz="2400"/>
-              <a:t>API REST</a:t>
-            </a:r>
-          </a:p>
-          <a:p>
-            <a:pPr marL="800100" lvl="1" indent="-342900">
-              <a:lnSpc>
-                <a:spcPct val="150000"/>
-              </a:lnSpc>
-              <a:buFont typeface="Wingdings" panose="05000000000000000000" pitchFamily="2" charset="2"/>
-              <a:buChar char="Ø"/>
-            </a:pPr>
-            <a:r>
-              <a:rPr lang="fr-FR" sz="2400">
-                <a:effectLst/>
-              </a:rPr>
-              <a:t>Front + Vue.js</a:t>
-            </a:r>
-          </a:p>
-          <a:p>
-            <a:pPr marL="800100" lvl="1" indent="-342900">
-              <a:lnSpc>
-                <a:spcPct val="150000"/>
-              </a:lnSpc>
-              <a:buFont typeface="Wingdings" panose="05000000000000000000" pitchFamily="2" charset="2"/>
-              <a:buChar char="Ø"/>
-            </a:pPr>
-            <a:r>
-              <a:rPr lang="fr-FR" sz="2400"/>
-              <a:t>Graphe + centralités</a:t>
-            </a:r>
-            <a:endParaRPr lang="fr-FR" sz="2400">
-              <a:effectLst/>
-            </a:endParaRPr>
-          </a:p>
-        </p:txBody>
-      </p:sp>
-      <p:sp>
-        <p:nvSpPr>
-          <p:cNvPr id="7" name="TextBox 6">
-            <a:extLst>
-              <a:ext uri="{FF2B5EF4-FFF2-40B4-BE49-F238E27FC236}">
-                <a16:creationId xmlns:a16="http://schemas.microsoft.com/office/drawing/2014/main" id="{33FE4B32-D802-7053-B6E1-A6168C01A380}"/>
-              </a:ext>
-            </a:extLst>
-          </p:cNvPr>
-          <p:cNvSpPr txBox="1"/>
-          <p:nvPr/>
-        </p:nvSpPr>
-        <p:spPr>
-          <a:xfrm>
-            <a:off x="6793407" y="2233420"/>
-            <a:ext cx="4617932" cy="2802819"/>
-          </a:xfrm>
-          <a:prstGeom prst="rect">
-            <a:avLst/>
-          </a:prstGeom>
-          <a:noFill/>
-        </p:spPr>
-        <p:txBody>
-          <a:bodyPr wrap="square" rtlCol="0">
-            <a:spAutoFit/>
-          </a:bodyPr>
-          <a:lstStyle/>
-          <a:p>
-            <a:pPr marL="342900" indent="-342900" rtl="0">
-              <a:lnSpc>
-                <a:spcPct val="150000"/>
-              </a:lnSpc>
-              <a:buFont typeface="Arial" panose="020B0604020202020204" pitchFamily="34" charset="0"/>
-              <a:buChar char="•"/>
-            </a:pPr>
-            <a:r>
-              <a:rPr lang="fr-FR" sz="2400">
-                <a:effectLst/>
-              </a:rPr>
-              <a:t>Suite</a:t>
-            </a:r>
-          </a:p>
-          <a:p>
-            <a:pPr marL="800100" lvl="1" indent="-342900">
-              <a:lnSpc>
-                <a:spcPct val="150000"/>
-              </a:lnSpc>
-              <a:buFont typeface="Wingdings" panose="05000000000000000000" pitchFamily="2" charset="2"/>
-              <a:buChar char="Ø"/>
-            </a:pPr>
-            <a:r>
-              <a:rPr lang="fr-FR" sz="2400"/>
-              <a:t>PageRank &amp; Betweeness</a:t>
-            </a:r>
-          </a:p>
-          <a:p>
-            <a:pPr marL="800100" lvl="1" indent="-342900">
-              <a:lnSpc>
-                <a:spcPct val="150000"/>
-              </a:lnSpc>
-              <a:buFont typeface="Wingdings" panose="05000000000000000000" pitchFamily="2" charset="2"/>
-              <a:buChar char="Ø"/>
-            </a:pPr>
-            <a:r>
-              <a:rPr lang="fr-FR" sz="2400"/>
-              <a:t>Suggestions :</a:t>
-            </a:r>
-          </a:p>
-          <a:p>
-            <a:pPr lvl="1">
-              <a:lnSpc>
-                <a:spcPct val="150000"/>
-              </a:lnSpc>
-            </a:pPr>
-            <a:r>
-              <a:rPr lang="fr-FR" sz="2400"/>
-              <a:t>	recherches précédentes</a:t>
-            </a:r>
-          </a:p>
-          <a:p>
-            <a:pPr marL="800100" lvl="1" indent="-342900">
-              <a:lnSpc>
-                <a:spcPct val="150000"/>
-              </a:lnSpc>
-              <a:buFont typeface="Wingdings" panose="05000000000000000000" pitchFamily="2" charset="2"/>
-              <a:buChar char="Ø"/>
-            </a:pPr>
-            <a:r>
-              <a:rPr lang="fr-FR" sz="2400"/>
-              <a:t>Améliorations performances</a:t>
-            </a:r>
-          </a:p>
-        </p:txBody>
-      </p:sp>
+      </p:pic>
     </p:spTree>
     <p:extLst>
       <p:ext uri="{BB962C8B-B14F-4D97-AF65-F5344CB8AC3E}">
-        <p14:creationId xmlns:p14="http://schemas.microsoft.com/office/powerpoint/2010/main" val="950263833"/>
+        <p14:creationId xmlns:p14="http://schemas.microsoft.com/office/powerpoint/2010/main" val="1498823690"/>
       </p:ext>
     </p:extLst>
   </p:cSld>
@@ -19192,7 +21477,7 @@
 </p:sld>
 </file>
 
-<file path=ppt/slides/slide3.xml><?xml version="1.0" encoding="utf-8"?>
+<file path=ppt/slides/slide5.xml><?xml version="1.0" encoding="utf-8"?>
 <p:sld xmlns:a="http://schemas.openxmlformats.org/drawingml/2006/main" xmlns:r="http://schemas.openxmlformats.org/officeDocument/2006/relationships" xmlns:p="http://schemas.openxmlformats.org/presentationml/2006/main">
   <p:cSld>
     <p:spTree>
@@ -19308,7 +21593,7 @@
                   <a:schemeClr val="tx1"/>
                 </a:solidFill>
               </a:rPr>
-              <a:t>3</a:t>
+              <a:t>5</a:t>
             </a:fld>
             <a:endParaRPr lang="en-US" sz="1400" b="1">
               <a:solidFill>
@@ -19684,7 +21969,7 @@
 </p:sld>
 </file>
 
-<file path=ppt/slides/slide4.xml><?xml version="1.0" encoding="utf-8"?>
+<file path=ppt/slides/slide6.xml><?xml version="1.0" encoding="utf-8"?>
 <p:sld xmlns:a="http://schemas.openxmlformats.org/drawingml/2006/main" xmlns:r="http://schemas.openxmlformats.org/officeDocument/2006/relationships" xmlns:p="http://schemas.openxmlformats.org/presentationml/2006/main">
   <p:cSld>
     <p:spTree>
@@ -19733,7 +22018,7 @@
                   <a:schemeClr val="tx1"/>
                 </a:solidFill>
               </a:rPr>
-              <a:t>4</a:t>
+              <a:t>6</a:t>
             </a:fld>
             <a:endParaRPr lang="en-US" sz="1400" b="1">
               <a:solidFill>
@@ -19813,7 +22098,7 @@
         </p:nvSpPr>
         <p:spPr>
           <a:xfrm>
-            <a:off x="2013524" y="4770117"/>
+            <a:off x="3455436" y="4960511"/>
             <a:ext cx="4082476" cy="1315553"/>
           </a:xfrm>
           <a:prstGeom prst="rect">
@@ -19835,7 +22120,7 @@
               <a:buChar char="•"/>
             </a:pPr>
             <a:r>
-              <a:rPr lang="fr-FR" sz="2800"/>
+              <a:rPr lang="fr-FR" sz="2800" dirty="0"/>
               <a:t>Orienté documents</a:t>
             </a:r>
           </a:p>
@@ -19848,7 +22133,7 @@
               <a:buChar char="•"/>
             </a:pPr>
             <a:r>
-              <a:rPr lang="fr-FR" sz="2800"/>
+              <a:rPr lang="fr-FR" sz="2800" dirty="0"/>
               <a:t>Pas de schéma prédéfini</a:t>
             </a:r>
           </a:p>
@@ -19881,38 +22166,8 @@
         </p:blipFill>
         <p:spPr>
           <a:xfrm>
-            <a:off x="1539551" y="2108720"/>
+            <a:off x="3455436" y="2087883"/>
             <a:ext cx="5281127" cy="2262740"/>
-          </a:xfrm>
-          <a:prstGeom prst="rect">
-            <a:avLst/>
-          </a:prstGeom>
-        </p:spPr>
-      </p:pic>
-      <p:pic>
-        <p:nvPicPr>
-          <p:cNvPr id="13" name="Picture 12">
-            <a:extLst>
-              <a:ext uri="{FF2B5EF4-FFF2-40B4-BE49-F238E27FC236}">
-                <a16:creationId xmlns:a16="http://schemas.microsoft.com/office/drawing/2014/main" id="{72A74EA8-6A3C-99AA-C63B-8A8BC7137C2E}"/>
-              </a:ext>
-            </a:extLst>
-          </p:cNvPr>
-          <p:cNvPicPr>
-            <a:picLocks noChangeAspect="1"/>
-          </p:cNvPicPr>
-          <p:nvPr/>
-        </p:nvPicPr>
-        <p:blipFill>
-          <a:blip r:embed="rId3"/>
-          <a:stretch>
-            <a:fillRect/>
-          </a:stretch>
-        </p:blipFill>
-        <p:spPr>
-          <a:xfrm>
-            <a:off x="7784516" y="2108720"/>
-            <a:ext cx="2982787" cy="4151302"/>
           </a:xfrm>
           <a:prstGeom prst="rect">
             <a:avLst/>
@@ -19932,7 +22187,7 @@
 </p:sld>
 </file>
 
-<file path=ppt/slides/slide5.xml><?xml version="1.0" encoding="utf-8"?>
+<file path=ppt/slides/slide7.xml><?xml version="1.0" encoding="utf-8"?>
 <p:sld xmlns:a="http://schemas.openxmlformats.org/drawingml/2006/main" xmlns:r="http://schemas.openxmlformats.org/officeDocument/2006/relationships" xmlns:p="http://schemas.openxmlformats.org/presentationml/2006/main">
   <p:cSld>
     <p:spTree>
@@ -19981,7 +22236,7 @@
                   <a:schemeClr val="tx1"/>
                 </a:solidFill>
               </a:rPr>
-              <a:t>5</a:t>
+              <a:t>7</a:t>
             </a:fld>
             <a:endParaRPr lang="en-US" sz="1400" b="1">
               <a:solidFill>
@@ -20205,1217 +22460,7 @@
 </p:sld>
 </file>
 
-<file path=ppt/slides/slide6.xml><?xml version="1.0" encoding="utf-8"?>
-<p:sld xmlns:a="http://schemas.openxmlformats.org/drawingml/2006/main" xmlns:r="http://schemas.openxmlformats.org/officeDocument/2006/relationships" xmlns:p="http://schemas.openxmlformats.org/presentationml/2006/main">
-  <p:cSld>
-    <p:spTree>
-      <p:nvGrpSpPr>
-        <p:cNvPr id="1" name=""/>
-        <p:cNvGrpSpPr/>
-        <p:nvPr/>
-      </p:nvGrpSpPr>
-      <p:grpSpPr>
-        <a:xfrm>
-          <a:off x="0" y="0"/>
-          <a:ext cx="0" cy="0"/>
-          <a:chOff x="0" y="0"/>
-          <a:chExt cx="0" cy="0"/>
-        </a:xfrm>
-      </p:grpSpPr>
-      <p:sp>
-        <p:nvSpPr>
-          <p:cNvPr id="49" name="Rectangle 48">
-            <a:extLst>
-              <a:ext uri="{FF2B5EF4-FFF2-40B4-BE49-F238E27FC236}">
-                <a16:creationId xmlns:a16="http://schemas.microsoft.com/office/drawing/2014/main" id="{993F344E-E798-4E69-BE5E-11ACEDCBC8F6}"/>
-              </a:ext>
-            </a:extLst>
-          </p:cNvPr>
-          <p:cNvSpPr/>
-          <p:nvPr/>
-        </p:nvSpPr>
-        <p:spPr>
-          <a:xfrm>
-            <a:off x="5163673" y="2163810"/>
-            <a:ext cx="2138039" cy="594804"/>
-          </a:xfrm>
-          <a:prstGeom prst="rect">
-            <a:avLst/>
-          </a:prstGeom>
-          <a:solidFill>
-            <a:schemeClr val="bg1"/>
-          </a:solidFill>
-          <a:ln>
-            <a:solidFill>
-              <a:schemeClr val="tx1"/>
-            </a:solidFill>
-          </a:ln>
-          <a:effectLst>
-            <a:outerShdw blurRad="50800" dist="38100" dir="5400000" algn="t" rotWithShape="0">
-              <a:prstClr val="black">
-                <a:alpha val="40000"/>
-              </a:prstClr>
-            </a:outerShdw>
-          </a:effectLst>
-        </p:spPr>
-        <p:style>
-          <a:lnRef idx="2">
-            <a:schemeClr val="dk1">
-              <a:shade val="50000"/>
-            </a:schemeClr>
-          </a:lnRef>
-          <a:fillRef idx="1">
-            <a:schemeClr val="dk1"/>
-          </a:fillRef>
-          <a:effectRef idx="0">
-            <a:schemeClr val="dk1"/>
-          </a:effectRef>
-          <a:fontRef idx="minor">
-            <a:schemeClr val="lt1"/>
-          </a:fontRef>
-        </p:style>
-        <p:txBody>
-          <a:bodyPr rtlCol="0" anchor="ctr"/>
-          <a:lstStyle/>
-          <a:p>
-            <a:pPr algn="ctr"/>
-            <a:r>
-              <a:rPr lang="fr-FR">
-                <a:solidFill>
-                  <a:schemeClr val="tx1"/>
-                </a:solidFill>
-              </a:rPr>
-              <a:t>Controller</a:t>
-            </a:r>
-            <a:endParaRPr lang="en-US">
-              <a:solidFill>
-                <a:schemeClr val="tx1"/>
-              </a:solidFill>
-            </a:endParaRPr>
-          </a:p>
-        </p:txBody>
-      </p:sp>
-      <p:sp>
-        <p:nvSpPr>
-          <p:cNvPr id="53" name="Rectangle 52">
-            <a:extLst>
-              <a:ext uri="{FF2B5EF4-FFF2-40B4-BE49-F238E27FC236}">
-                <a16:creationId xmlns:a16="http://schemas.microsoft.com/office/drawing/2014/main" id="{67DE5DAD-095D-4C45-AF19-0D1D77AF343D}"/>
-              </a:ext>
-            </a:extLst>
-          </p:cNvPr>
-          <p:cNvSpPr/>
-          <p:nvPr/>
-        </p:nvSpPr>
-        <p:spPr>
-          <a:xfrm>
-            <a:off x="5163676" y="3391247"/>
-            <a:ext cx="2138039" cy="594804"/>
-          </a:xfrm>
-          <a:prstGeom prst="rect">
-            <a:avLst/>
-          </a:prstGeom>
-          <a:solidFill>
-            <a:schemeClr val="bg1"/>
-          </a:solidFill>
-          <a:ln>
-            <a:solidFill>
-              <a:schemeClr val="tx1"/>
-            </a:solidFill>
-          </a:ln>
-          <a:effectLst>
-            <a:outerShdw blurRad="50800" dist="38100" dir="5400000" algn="t" rotWithShape="0">
-              <a:prstClr val="black">
-                <a:alpha val="40000"/>
-              </a:prstClr>
-            </a:outerShdw>
-          </a:effectLst>
-        </p:spPr>
-        <p:style>
-          <a:lnRef idx="2">
-            <a:schemeClr val="dk1">
-              <a:shade val="50000"/>
-            </a:schemeClr>
-          </a:lnRef>
-          <a:fillRef idx="1">
-            <a:schemeClr val="dk1"/>
-          </a:fillRef>
-          <a:effectRef idx="0">
-            <a:schemeClr val="dk1"/>
-          </a:effectRef>
-          <a:fontRef idx="minor">
-            <a:schemeClr val="lt1"/>
-          </a:fontRef>
-        </p:style>
-        <p:txBody>
-          <a:bodyPr rtlCol="0" anchor="ctr"/>
-          <a:lstStyle/>
-          <a:p>
-            <a:pPr algn="ctr"/>
-            <a:r>
-              <a:rPr lang="fr-FR">
-                <a:solidFill>
-                  <a:schemeClr val="tx1"/>
-                </a:solidFill>
-              </a:rPr>
-              <a:t>Service</a:t>
-            </a:r>
-            <a:endParaRPr lang="en-US">
-              <a:solidFill>
-                <a:schemeClr val="tx1"/>
-              </a:solidFill>
-            </a:endParaRPr>
-          </a:p>
-        </p:txBody>
-      </p:sp>
-      <p:cxnSp>
-        <p:nvCxnSpPr>
-          <p:cNvPr id="54" name="Connector: Elbow 53">
-            <a:extLst>
-              <a:ext uri="{FF2B5EF4-FFF2-40B4-BE49-F238E27FC236}">
-                <a16:creationId xmlns:a16="http://schemas.microsoft.com/office/drawing/2014/main" id="{2816B2DF-12D8-4128-944D-3264478F90BD}"/>
-              </a:ext>
-            </a:extLst>
-          </p:cNvPr>
-          <p:cNvCxnSpPr>
-            <a:cxnSpLocks/>
-          </p:cNvCxnSpPr>
-          <p:nvPr/>
-        </p:nvCxnSpPr>
-        <p:spPr>
-          <a:xfrm rot="16200000" flipH="1">
-            <a:off x="5605138" y="3087062"/>
-            <a:ext cx="600102" cy="3616"/>
-          </a:xfrm>
-          <a:prstGeom prst="bentConnector3">
-            <a:avLst>
-              <a:gd name="adj1" fmla="val 50000"/>
-            </a:avLst>
-          </a:prstGeom>
-          <a:ln w="28575">
-            <a:solidFill>
-              <a:srgbClr val="FF0000"/>
-            </a:solidFill>
-            <a:tailEnd type="triangle"/>
-          </a:ln>
-        </p:spPr>
-        <p:style>
-          <a:lnRef idx="1">
-            <a:schemeClr val="accent1"/>
-          </a:lnRef>
-          <a:fillRef idx="0">
-            <a:schemeClr val="accent1"/>
-          </a:fillRef>
-          <a:effectRef idx="0">
-            <a:schemeClr val="accent1"/>
-          </a:effectRef>
-          <a:fontRef idx="minor">
-            <a:schemeClr val="tx1"/>
-          </a:fontRef>
-        </p:style>
-      </p:cxnSp>
-      <p:sp>
-        <p:nvSpPr>
-          <p:cNvPr id="56" name="Rectangle 55">
-            <a:extLst>
-              <a:ext uri="{FF2B5EF4-FFF2-40B4-BE49-F238E27FC236}">
-                <a16:creationId xmlns:a16="http://schemas.microsoft.com/office/drawing/2014/main" id="{F4CBA6B1-880B-4F87-9EB4-4F27E15B2D91}"/>
-              </a:ext>
-            </a:extLst>
-          </p:cNvPr>
-          <p:cNvSpPr/>
-          <p:nvPr/>
-        </p:nvSpPr>
-        <p:spPr>
-          <a:xfrm>
-            <a:off x="5163672" y="4658707"/>
-            <a:ext cx="2138039" cy="594804"/>
-          </a:xfrm>
-          <a:prstGeom prst="rect">
-            <a:avLst/>
-          </a:prstGeom>
-          <a:solidFill>
-            <a:schemeClr val="bg1"/>
-          </a:solidFill>
-          <a:ln>
-            <a:solidFill>
-              <a:schemeClr val="tx1"/>
-            </a:solidFill>
-          </a:ln>
-          <a:effectLst>
-            <a:outerShdw blurRad="50800" dist="38100" dir="5400000" algn="t" rotWithShape="0">
-              <a:prstClr val="black">
-                <a:alpha val="40000"/>
-              </a:prstClr>
-            </a:outerShdw>
-          </a:effectLst>
-        </p:spPr>
-        <p:style>
-          <a:lnRef idx="2">
-            <a:schemeClr val="dk1">
-              <a:shade val="50000"/>
-            </a:schemeClr>
-          </a:lnRef>
-          <a:fillRef idx="1">
-            <a:schemeClr val="dk1"/>
-          </a:fillRef>
-          <a:effectRef idx="0">
-            <a:schemeClr val="dk1"/>
-          </a:effectRef>
-          <a:fontRef idx="minor">
-            <a:schemeClr val="lt1"/>
-          </a:fontRef>
-        </p:style>
-        <p:txBody>
-          <a:bodyPr rtlCol="0" anchor="ctr"/>
-          <a:lstStyle/>
-          <a:p>
-            <a:pPr algn="ctr"/>
-            <a:r>
-              <a:rPr lang="fr-FR">
-                <a:solidFill>
-                  <a:schemeClr val="tx1"/>
-                </a:solidFill>
-              </a:rPr>
-              <a:t>Repository</a:t>
-            </a:r>
-            <a:endParaRPr lang="en-US">
-              <a:solidFill>
-                <a:schemeClr val="tx1"/>
-              </a:solidFill>
-            </a:endParaRPr>
-          </a:p>
-        </p:txBody>
-      </p:sp>
-      <p:cxnSp>
-        <p:nvCxnSpPr>
-          <p:cNvPr id="57" name="Connector: Elbow 56">
-            <a:extLst>
-              <a:ext uri="{FF2B5EF4-FFF2-40B4-BE49-F238E27FC236}">
-                <a16:creationId xmlns:a16="http://schemas.microsoft.com/office/drawing/2014/main" id="{8E2B4431-CC25-4ACD-B916-D437998C2868}"/>
-              </a:ext>
-            </a:extLst>
-          </p:cNvPr>
-          <p:cNvCxnSpPr>
-            <a:cxnSpLocks/>
-          </p:cNvCxnSpPr>
-          <p:nvPr/>
-        </p:nvCxnSpPr>
-        <p:spPr>
-          <a:xfrm rot="16200000" flipV="1">
-            <a:off x="6329101" y="3072602"/>
-            <a:ext cx="627981" cy="2"/>
-          </a:xfrm>
-          <a:prstGeom prst="bentConnector3">
-            <a:avLst>
-              <a:gd name="adj1" fmla="val 50000"/>
-            </a:avLst>
-          </a:prstGeom>
-          <a:ln w="28575">
-            <a:solidFill>
-              <a:schemeClr val="accent2">
-                <a:lumMod val="50000"/>
-              </a:schemeClr>
-            </a:solidFill>
-            <a:tailEnd type="triangle"/>
-          </a:ln>
-        </p:spPr>
-        <p:style>
-          <a:lnRef idx="1">
-            <a:schemeClr val="accent1"/>
-          </a:lnRef>
-          <a:fillRef idx="0">
-            <a:schemeClr val="accent1"/>
-          </a:fillRef>
-          <a:effectRef idx="0">
-            <a:schemeClr val="accent1"/>
-          </a:effectRef>
-          <a:fontRef idx="minor">
-            <a:schemeClr val="tx1"/>
-          </a:fontRef>
-        </p:style>
-      </p:cxnSp>
-      <p:sp>
-        <p:nvSpPr>
-          <p:cNvPr id="3" name="Slide Number Placeholder 32">
-            <a:extLst>
-              <a:ext uri="{FF2B5EF4-FFF2-40B4-BE49-F238E27FC236}">
-                <a16:creationId xmlns:a16="http://schemas.microsoft.com/office/drawing/2014/main" id="{73785881-B744-E58E-C152-B267B3D41260}"/>
-              </a:ext>
-            </a:extLst>
-          </p:cNvPr>
-          <p:cNvSpPr>
-            <a:spLocks noGrp="1"/>
-          </p:cNvSpPr>
-          <p:nvPr>
-            <p:ph type="sldNum" sz="quarter" idx="12"/>
-          </p:nvPr>
-        </p:nvSpPr>
-        <p:spPr>
-          <a:xfrm>
-            <a:off x="9107747" y="6429219"/>
-            <a:ext cx="2743200" cy="365125"/>
-          </a:xfrm>
-        </p:spPr>
-        <p:txBody>
-          <a:bodyPr/>
-          <a:lstStyle/>
-          <a:p>
-            <a:fld id="{F26BA1F6-0971-4337-9C55-1D3289524A07}" type="slidenum">
-              <a:rPr lang="en-US" sz="1400" b="1" smtClean="0">
-                <a:solidFill>
-                  <a:schemeClr val="tx1"/>
-                </a:solidFill>
-              </a:rPr>
-              <a:t>6</a:t>
-            </a:fld>
-            <a:endParaRPr lang="en-US" sz="1400" b="1">
-              <a:solidFill>
-                <a:schemeClr val="tx1"/>
-              </a:solidFill>
-            </a:endParaRPr>
-          </a:p>
-        </p:txBody>
-      </p:sp>
-      <p:sp>
-        <p:nvSpPr>
-          <p:cNvPr id="4" name="Title 1">
-            <a:extLst>
-              <a:ext uri="{FF2B5EF4-FFF2-40B4-BE49-F238E27FC236}">
-                <a16:creationId xmlns:a16="http://schemas.microsoft.com/office/drawing/2014/main" id="{A8D5AF67-DBEA-80C8-15A1-E79B86A4E90B}"/>
-              </a:ext>
-            </a:extLst>
-          </p:cNvPr>
-          <p:cNvSpPr txBox="1">
-            <a:spLocks/>
-          </p:cNvSpPr>
-          <p:nvPr/>
-        </p:nvSpPr>
-        <p:spPr>
-          <a:xfrm>
-            <a:off x="2296357" y="529734"/>
-            <a:ext cx="7599286" cy="948261"/>
-          </a:xfrm>
-          <a:prstGeom prst="rect">
-            <a:avLst/>
-          </a:prstGeom>
-          <a:noFill/>
-        </p:spPr>
-        <p:txBody>
-          <a:bodyPr vert="horz" lIns="91440" tIns="45720" rIns="91440" bIns="45720" rtlCol="0" anchor="ctr">
-            <a:normAutofit/>
-          </a:bodyPr>
-          <a:lstStyle>
-            <a:lvl1pPr algn="l" defTabSz="914400" rtl="0" eaLnBrk="1" latinLnBrk="0" hangingPunct="1">
-              <a:lnSpc>
-                <a:spcPct val="90000"/>
-              </a:lnSpc>
-              <a:spcBef>
-                <a:spcPct val="0"/>
-              </a:spcBef>
-              <a:buNone/>
-              <a:defRPr sz="3600" kern="1200" cap="all" baseline="0">
-                <a:solidFill>
-                  <a:schemeClr val="tx1"/>
-                </a:solidFill>
-                <a:latin typeface="+mj-lt"/>
-                <a:ea typeface="+mj-ea"/>
-                <a:cs typeface="+mj-cs"/>
-              </a:defRPr>
-            </a:lvl1pPr>
-          </a:lstStyle>
-          <a:p>
-            <a:pPr algn="ctr"/>
-            <a:r>
-              <a:rPr lang="fr-FR" b="1"/>
-              <a:t>BACK : ARCHITECTURE</a:t>
-            </a:r>
-            <a:endParaRPr lang="en-US" b="1"/>
-          </a:p>
-        </p:txBody>
-      </p:sp>
-      <p:cxnSp>
-        <p:nvCxnSpPr>
-          <p:cNvPr id="16" name="Connector: Elbow 15">
-            <a:extLst>
-              <a:ext uri="{FF2B5EF4-FFF2-40B4-BE49-F238E27FC236}">
-                <a16:creationId xmlns:a16="http://schemas.microsoft.com/office/drawing/2014/main" id="{5BBA408B-87F3-E055-80BA-D339D4838D87}"/>
-              </a:ext>
-            </a:extLst>
-          </p:cNvPr>
-          <p:cNvCxnSpPr>
-            <a:cxnSpLocks/>
-          </p:cNvCxnSpPr>
-          <p:nvPr/>
-        </p:nvCxnSpPr>
-        <p:spPr>
-          <a:xfrm rot="5400000">
-            <a:off x="5567269" y="4339251"/>
-            <a:ext cx="638912" cy="1"/>
-          </a:xfrm>
-          <a:prstGeom prst="bentConnector3">
-            <a:avLst>
-              <a:gd name="adj1" fmla="val 50000"/>
-            </a:avLst>
-          </a:prstGeom>
-          <a:ln w="28575">
-            <a:solidFill>
-              <a:srgbClr val="FF0000"/>
-            </a:solidFill>
-            <a:tailEnd type="triangle"/>
-          </a:ln>
-        </p:spPr>
-        <p:style>
-          <a:lnRef idx="1">
-            <a:schemeClr val="accent1"/>
-          </a:lnRef>
-          <a:fillRef idx="0">
-            <a:schemeClr val="accent1"/>
-          </a:fillRef>
-          <a:effectRef idx="0">
-            <a:schemeClr val="accent1"/>
-          </a:effectRef>
-          <a:fontRef idx="minor">
-            <a:schemeClr val="tx1"/>
-          </a:fontRef>
-        </p:style>
-      </p:cxnSp>
-      <p:cxnSp>
-        <p:nvCxnSpPr>
-          <p:cNvPr id="18" name="Connector: Elbow 17">
-            <a:extLst>
-              <a:ext uri="{FF2B5EF4-FFF2-40B4-BE49-F238E27FC236}">
-                <a16:creationId xmlns:a16="http://schemas.microsoft.com/office/drawing/2014/main" id="{5D862489-6F0B-1BF4-678A-97D5BBE97E38}"/>
-              </a:ext>
-            </a:extLst>
-          </p:cNvPr>
-          <p:cNvCxnSpPr>
-            <a:cxnSpLocks/>
-          </p:cNvCxnSpPr>
-          <p:nvPr/>
-        </p:nvCxnSpPr>
-        <p:spPr>
-          <a:xfrm rot="16200000" flipV="1">
-            <a:off x="6329100" y="4330333"/>
-            <a:ext cx="627981" cy="2"/>
-          </a:xfrm>
-          <a:prstGeom prst="bentConnector3">
-            <a:avLst>
-              <a:gd name="adj1" fmla="val 50000"/>
-            </a:avLst>
-          </a:prstGeom>
-          <a:ln w="28575">
-            <a:solidFill>
-              <a:schemeClr val="accent2">
-                <a:lumMod val="50000"/>
-              </a:schemeClr>
-            </a:solidFill>
-            <a:tailEnd type="triangle"/>
-          </a:ln>
-        </p:spPr>
-        <p:style>
-          <a:lnRef idx="1">
-            <a:schemeClr val="accent1"/>
-          </a:lnRef>
-          <a:fillRef idx="0">
-            <a:schemeClr val="accent1"/>
-          </a:fillRef>
-          <a:effectRef idx="0">
-            <a:schemeClr val="accent1"/>
-          </a:effectRef>
-          <a:fontRef idx="minor">
-            <a:schemeClr val="tx1"/>
-          </a:fontRef>
-        </p:style>
-      </p:cxnSp>
-      <p:sp>
-        <p:nvSpPr>
-          <p:cNvPr id="11" name="Rectangle 10">
-            <a:extLst>
-              <a:ext uri="{FF2B5EF4-FFF2-40B4-BE49-F238E27FC236}">
-                <a16:creationId xmlns:a16="http://schemas.microsoft.com/office/drawing/2014/main" id="{80D81C17-F171-D23C-2CC1-A23849632295}"/>
-              </a:ext>
-            </a:extLst>
-          </p:cNvPr>
-          <p:cNvSpPr/>
-          <p:nvPr/>
-        </p:nvSpPr>
-        <p:spPr>
-          <a:xfrm>
-            <a:off x="8186691" y="4339251"/>
-            <a:ext cx="1285779" cy="594804"/>
-          </a:xfrm>
-          <a:prstGeom prst="rect">
-            <a:avLst/>
-          </a:prstGeom>
-          <a:solidFill>
-            <a:schemeClr val="bg1"/>
-          </a:solidFill>
-          <a:ln>
-            <a:solidFill>
-              <a:schemeClr val="tx1"/>
-            </a:solidFill>
-          </a:ln>
-          <a:effectLst>
-            <a:outerShdw blurRad="50800" dist="38100" dir="5400000" algn="t" rotWithShape="0">
-              <a:prstClr val="black">
-                <a:alpha val="40000"/>
-              </a:prstClr>
-            </a:outerShdw>
-          </a:effectLst>
-        </p:spPr>
-        <p:style>
-          <a:lnRef idx="2">
-            <a:schemeClr val="dk1">
-              <a:shade val="50000"/>
-            </a:schemeClr>
-          </a:lnRef>
-          <a:fillRef idx="1">
-            <a:schemeClr val="dk1"/>
-          </a:fillRef>
-          <a:effectRef idx="0">
-            <a:schemeClr val="dk1"/>
-          </a:effectRef>
-          <a:fontRef idx="minor">
-            <a:schemeClr val="lt1"/>
-          </a:fontRef>
-        </p:style>
-        <p:txBody>
-          <a:bodyPr rtlCol="0" anchor="ctr"/>
-          <a:lstStyle/>
-          <a:p>
-            <a:pPr algn="ctr"/>
-            <a:r>
-              <a:rPr lang="fr-FR">
-                <a:solidFill>
-                  <a:schemeClr val="tx1"/>
-                </a:solidFill>
-              </a:rPr>
-              <a:t>Model</a:t>
-            </a:r>
-            <a:endParaRPr lang="en-US">
-              <a:solidFill>
-                <a:schemeClr val="tx1"/>
-              </a:solidFill>
-            </a:endParaRPr>
-          </a:p>
-        </p:txBody>
-      </p:sp>
-      <p:sp>
-        <p:nvSpPr>
-          <p:cNvPr id="12" name="Rectangle 11">
-            <a:extLst>
-              <a:ext uri="{FF2B5EF4-FFF2-40B4-BE49-F238E27FC236}">
-                <a16:creationId xmlns:a16="http://schemas.microsoft.com/office/drawing/2014/main" id="{4E5C46D6-5BA3-41AE-46D0-C05D0771D3EB}"/>
-              </a:ext>
-            </a:extLst>
-          </p:cNvPr>
-          <p:cNvSpPr/>
-          <p:nvPr/>
-        </p:nvSpPr>
-        <p:spPr>
-          <a:xfrm>
-            <a:off x="8186691" y="5148599"/>
-            <a:ext cx="1285779" cy="594804"/>
-          </a:xfrm>
-          <a:prstGeom prst="rect">
-            <a:avLst/>
-          </a:prstGeom>
-          <a:solidFill>
-            <a:schemeClr val="bg1"/>
-          </a:solidFill>
-          <a:ln>
-            <a:solidFill>
-              <a:schemeClr val="tx1"/>
-            </a:solidFill>
-          </a:ln>
-          <a:effectLst>
-            <a:outerShdw blurRad="50800" dist="38100" dir="5400000" algn="t" rotWithShape="0">
-              <a:prstClr val="black">
-                <a:alpha val="40000"/>
-              </a:prstClr>
-            </a:outerShdw>
-          </a:effectLst>
-        </p:spPr>
-        <p:style>
-          <a:lnRef idx="2">
-            <a:schemeClr val="dk1">
-              <a:shade val="50000"/>
-            </a:schemeClr>
-          </a:lnRef>
-          <a:fillRef idx="1">
-            <a:schemeClr val="dk1"/>
-          </a:fillRef>
-          <a:effectRef idx="0">
-            <a:schemeClr val="dk1"/>
-          </a:effectRef>
-          <a:fontRef idx="minor">
-            <a:schemeClr val="lt1"/>
-          </a:fontRef>
-        </p:style>
-        <p:txBody>
-          <a:bodyPr rtlCol="0" anchor="ctr"/>
-          <a:lstStyle/>
-          <a:p>
-            <a:pPr algn="ctr"/>
-            <a:r>
-              <a:rPr lang="fr-FR">
-                <a:solidFill>
-                  <a:schemeClr val="tx1"/>
-                </a:solidFill>
-              </a:rPr>
-              <a:t>Id</a:t>
-            </a:r>
-            <a:endParaRPr lang="en-US">
-              <a:solidFill>
-                <a:schemeClr val="tx1"/>
-              </a:solidFill>
-            </a:endParaRPr>
-          </a:p>
-        </p:txBody>
-      </p:sp>
-      <p:cxnSp>
-        <p:nvCxnSpPr>
-          <p:cNvPr id="13" name="Connector: Elbow 12">
-            <a:extLst>
-              <a:ext uri="{FF2B5EF4-FFF2-40B4-BE49-F238E27FC236}">
-                <a16:creationId xmlns:a16="http://schemas.microsoft.com/office/drawing/2014/main" id="{C43C7028-27CD-3690-FB03-A816709716E5}"/>
-              </a:ext>
-            </a:extLst>
-          </p:cNvPr>
-          <p:cNvCxnSpPr>
-            <a:cxnSpLocks/>
-            <a:stCxn id="56" idx="3"/>
-            <a:endCxn id="11" idx="1"/>
-          </p:cNvCxnSpPr>
-          <p:nvPr/>
-        </p:nvCxnSpPr>
-        <p:spPr>
-          <a:xfrm flipV="1">
-            <a:off x="7301711" y="4636653"/>
-            <a:ext cx="884980" cy="319456"/>
-          </a:xfrm>
-          <a:prstGeom prst="bentConnector3">
-            <a:avLst>
-              <a:gd name="adj1" fmla="val 50000"/>
-            </a:avLst>
-          </a:prstGeom>
-          <a:ln>
-            <a:solidFill>
-              <a:schemeClr val="tx1"/>
-            </a:solidFill>
-            <a:tailEnd type="none"/>
-          </a:ln>
-        </p:spPr>
-        <p:style>
-          <a:lnRef idx="1">
-            <a:schemeClr val="dk1"/>
-          </a:lnRef>
-          <a:fillRef idx="0">
-            <a:schemeClr val="dk1"/>
-          </a:fillRef>
-          <a:effectRef idx="0">
-            <a:schemeClr val="dk1"/>
-          </a:effectRef>
-          <a:fontRef idx="minor">
-            <a:schemeClr val="tx1"/>
-          </a:fontRef>
-        </p:style>
-      </p:cxnSp>
-      <p:cxnSp>
-        <p:nvCxnSpPr>
-          <p:cNvPr id="17" name="Connector: Elbow 16">
-            <a:extLst>
-              <a:ext uri="{FF2B5EF4-FFF2-40B4-BE49-F238E27FC236}">
-                <a16:creationId xmlns:a16="http://schemas.microsoft.com/office/drawing/2014/main" id="{F873176C-9573-0D17-6707-6E11BB50E7FC}"/>
-              </a:ext>
-            </a:extLst>
-          </p:cNvPr>
-          <p:cNvCxnSpPr>
-            <a:cxnSpLocks/>
-            <a:stCxn id="56" idx="3"/>
-            <a:endCxn id="12" idx="1"/>
-          </p:cNvCxnSpPr>
-          <p:nvPr/>
-        </p:nvCxnSpPr>
-        <p:spPr>
-          <a:xfrm>
-            <a:off x="7301711" y="4956109"/>
-            <a:ext cx="884980" cy="489892"/>
-          </a:xfrm>
-          <a:prstGeom prst="bentConnector3">
-            <a:avLst>
-              <a:gd name="adj1" fmla="val 50000"/>
-            </a:avLst>
-          </a:prstGeom>
-          <a:ln>
-            <a:solidFill>
-              <a:schemeClr val="tx1"/>
-            </a:solidFill>
-            <a:tailEnd type="none"/>
-          </a:ln>
-        </p:spPr>
-        <p:style>
-          <a:lnRef idx="1">
-            <a:schemeClr val="dk1"/>
-          </a:lnRef>
-          <a:fillRef idx="0">
-            <a:schemeClr val="dk1"/>
-          </a:fillRef>
-          <a:effectRef idx="0">
-            <a:schemeClr val="dk1"/>
-          </a:effectRef>
-          <a:fontRef idx="minor">
-            <a:schemeClr val="tx1"/>
-          </a:fontRef>
-        </p:style>
-      </p:cxnSp>
-      <p:sp>
-        <p:nvSpPr>
-          <p:cNvPr id="22" name="Rectangle 21">
-            <a:extLst>
-              <a:ext uri="{FF2B5EF4-FFF2-40B4-BE49-F238E27FC236}">
-                <a16:creationId xmlns:a16="http://schemas.microsoft.com/office/drawing/2014/main" id="{D60EC692-41E3-DA3A-10D1-0D74F8BAD197}"/>
-              </a:ext>
-            </a:extLst>
-          </p:cNvPr>
-          <p:cNvSpPr/>
-          <p:nvPr/>
-        </p:nvSpPr>
-        <p:spPr>
-          <a:xfrm>
-            <a:off x="2192785" y="4667585"/>
-            <a:ext cx="2292662" cy="594804"/>
-          </a:xfrm>
-          <a:prstGeom prst="rect">
-            <a:avLst/>
-          </a:prstGeom>
-          <a:solidFill>
-            <a:schemeClr val="bg1"/>
-          </a:solidFill>
-          <a:ln>
-            <a:solidFill>
-              <a:schemeClr val="tx1"/>
-            </a:solidFill>
-          </a:ln>
-          <a:effectLst>
-            <a:outerShdw blurRad="50800" dist="38100" dir="5400000" algn="t" rotWithShape="0">
-              <a:prstClr val="black">
-                <a:alpha val="40000"/>
-              </a:prstClr>
-            </a:outerShdw>
-          </a:effectLst>
-        </p:spPr>
-        <p:style>
-          <a:lnRef idx="2">
-            <a:schemeClr val="dk1">
-              <a:shade val="50000"/>
-            </a:schemeClr>
-          </a:lnRef>
-          <a:fillRef idx="1">
-            <a:schemeClr val="dk1"/>
-          </a:fillRef>
-          <a:effectRef idx="0">
-            <a:schemeClr val="dk1"/>
-          </a:effectRef>
-          <a:fontRef idx="minor">
-            <a:schemeClr val="lt1"/>
-          </a:fontRef>
-        </p:style>
-        <p:txBody>
-          <a:bodyPr rtlCol="0" anchor="ctr"/>
-          <a:lstStyle/>
-          <a:p>
-            <a:pPr algn="ctr" rtl="0">
-              <a:lnSpc>
-                <a:spcPct val="100000"/>
-              </a:lnSpc>
-            </a:pPr>
-            <a:r>
-              <a:rPr lang="fr-FR" sz="1800" b="0" i="0">
-                <a:effectLst/>
-                <a:latin typeface="Calibri, sans-serif"/>
-              </a:rPr>
-              <a:t>CrudRepository&lt;T, G&gt;</a:t>
-            </a:r>
-            <a:endParaRPr lang="fr-FR" b="0" i="0">
-              <a:effectLst/>
-            </a:endParaRPr>
-          </a:p>
-        </p:txBody>
-      </p:sp>
-      <p:cxnSp>
-        <p:nvCxnSpPr>
-          <p:cNvPr id="26" name="Connector: Elbow 25">
-            <a:extLst>
-              <a:ext uri="{FF2B5EF4-FFF2-40B4-BE49-F238E27FC236}">
-                <a16:creationId xmlns:a16="http://schemas.microsoft.com/office/drawing/2014/main" id="{154FAFB8-BCF1-A146-4F37-B36FE9423632}"/>
-              </a:ext>
-            </a:extLst>
-          </p:cNvPr>
-          <p:cNvCxnSpPr>
-            <a:cxnSpLocks/>
-            <a:stCxn id="22" idx="3"/>
-            <a:endCxn id="56" idx="1"/>
-          </p:cNvCxnSpPr>
-          <p:nvPr/>
-        </p:nvCxnSpPr>
-        <p:spPr>
-          <a:xfrm flipV="1">
-            <a:off x="4485447" y="4956109"/>
-            <a:ext cx="678225" cy="8878"/>
-          </a:xfrm>
-          <a:prstGeom prst="bentConnector3">
-            <a:avLst>
-              <a:gd name="adj1" fmla="val 50000"/>
-            </a:avLst>
-          </a:prstGeom>
-          <a:ln>
-            <a:tailEnd type="none"/>
-          </a:ln>
-        </p:spPr>
-        <p:style>
-          <a:lnRef idx="1">
-            <a:schemeClr val="dk1"/>
-          </a:lnRef>
-          <a:fillRef idx="0">
-            <a:schemeClr val="dk1"/>
-          </a:fillRef>
-          <a:effectRef idx="0">
-            <a:schemeClr val="dk1"/>
-          </a:effectRef>
-          <a:fontRef idx="minor">
-            <a:schemeClr val="tx1"/>
-          </a:fontRef>
-        </p:style>
-      </p:cxnSp>
-      <p:sp>
-        <p:nvSpPr>
-          <p:cNvPr id="34" name="Rectangle: Rounded Corners 33">
-            <a:extLst>
-              <a:ext uri="{FF2B5EF4-FFF2-40B4-BE49-F238E27FC236}">
-                <a16:creationId xmlns:a16="http://schemas.microsoft.com/office/drawing/2014/main" id="{21B969EB-C36D-8BAF-EC19-E6E7BDB4A3BD}"/>
-              </a:ext>
-            </a:extLst>
-          </p:cNvPr>
-          <p:cNvSpPr/>
-          <p:nvPr/>
-        </p:nvSpPr>
-        <p:spPr>
-          <a:xfrm>
-            <a:off x="5542933" y="6090665"/>
-            <a:ext cx="1379515" cy="338554"/>
-          </a:xfrm>
-          <a:prstGeom prst="roundRect">
-            <a:avLst/>
-          </a:prstGeom>
-          <a:noFill/>
-          <a:ln>
-            <a:solidFill>
-              <a:schemeClr val="tx1"/>
-            </a:solidFill>
-          </a:ln>
-        </p:spPr>
-        <p:style>
-          <a:lnRef idx="2">
-            <a:schemeClr val="accent1">
-              <a:shade val="50000"/>
-            </a:schemeClr>
-          </a:lnRef>
-          <a:fillRef idx="1">
-            <a:schemeClr val="accent1"/>
-          </a:fillRef>
-          <a:effectRef idx="0">
-            <a:schemeClr val="accent1"/>
-          </a:effectRef>
-          <a:fontRef idx="minor">
-            <a:schemeClr val="lt1"/>
-          </a:fontRef>
-        </p:style>
-        <p:txBody>
-          <a:bodyPr rtlCol="0" anchor="ctr"/>
-          <a:lstStyle/>
-          <a:p>
-            <a:pPr algn="ctr"/>
-            <a:r>
-              <a:rPr lang="fr-FR">
-                <a:solidFill>
-                  <a:schemeClr val="tx1"/>
-                </a:solidFill>
-              </a:rPr>
-              <a:t>DB</a:t>
-            </a:r>
-            <a:endParaRPr lang="en-US">
-              <a:solidFill>
-                <a:schemeClr val="tx1"/>
-              </a:solidFill>
-            </a:endParaRPr>
-          </a:p>
-        </p:txBody>
-      </p:sp>
-      <p:sp>
-        <p:nvSpPr>
-          <p:cNvPr id="35" name="Rectangle: Rounded Corners 34">
-            <a:extLst>
-              <a:ext uri="{FF2B5EF4-FFF2-40B4-BE49-F238E27FC236}">
-                <a16:creationId xmlns:a16="http://schemas.microsoft.com/office/drawing/2014/main" id="{C6EF5B3A-3F50-475C-25F3-97E76A1ABBA2}"/>
-              </a:ext>
-            </a:extLst>
-          </p:cNvPr>
-          <p:cNvSpPr/>
-          <p:nvPr/>
-        </p:nvSpPr>
-        <p:spPr>
-          <a:xfrm>
-            <a:off x="2649358" y="1737740"/>
-            <a:ext cx="1379515" cy="338554"/>
-          </a:xfrm>
-          <a:prstGeom prst="roundRect">
-            <a:avLst/>
-          </a:prstGeom>
-          <a:noFill/>
-          <a:ln>
-            <a:solidFill>
-              <a:schemeClr val="tx1"/>
-            </a:solidFill>
-          </a:ln>
-        </p:spPr>
-        <p:style>
-          <a:lnRef idx="2">
-            <a:schemeClr val="accent1">
-              <a:shade val="50000"/>
-            </a:schemeClr>
-          </a:lnRef>
-          <a:fillRef idx="1">
-            <a:schemeClr val="accent1"/>
-          </a:fillRef>
-          <a:effectRef idx="0">
-            <a:schemeClr val="accent1"/>
-          </a:effectRef>
-          <a:fontRef idx="minor">
-            <a:schemeClr val="lt1"/>
-          </a:fontRef>
-        </p:style>
-        <p:txBody>
-          <a:bodyPr rtlCol="0" anchor="ctr"/>
-          <a:lstStyle/>
-          <a:p>
-            <a:pPr algn="ctr"/>
-            <a:r>
-              <a:rPr lang="fr-FR">
-                <a:solidFill>
-                  <a:schemeClr val="tx1"/>
-                </a:solidFill>
-              </a:rPr>
-              <a:t>FRONT</a:t>
-            </a:r>
-            <a:endParaRPr lang="en-US">
-              <a:solidFill>
-                <a:schemeClr val="tx1"/>
-              </a:solidFill>
-            </a:endParaRPr>
-          </a:p>
-        </p:txBody>
-      </p:sp>
-      <p:cxnSp>
-        <p:nvCxnSpPr>
-          <p:cNvPr id="39" name="Connector: Elbow 38">
-            <a:extLst>
-              <a:ext uri="{FF2B5EF4-FFF2-40B4-BE49-F238E27FC236}">
-                <a16:creationId xmlns:a16="http://schemas.microsoft.com/office/drawing/2014/main" id="{F5F912D3-BE0A-E864-F32D-5A9B51DCDFA2}"/>
-              </a:ext>
-            </a:extLst>
-          </p:cNvPr>
-          <p:cNvCxnSpPr>
-            <a:stCxn id="35" idx="3"/>
-            <a:endCxn id="49" idx="0"/>
-          </p:cNvCxnSpPr>
-          <p:nvPr/>
-        </p:nvCxnSpPr>
-        <p:spPr>
-          <a:xfrm>
-            <a:off x="4028873" y="1907017"/>
-            <a:ext cx="2203820" cy="256793"/>
-          </a:xfrm>
-          <a:prstGeom prst="bentConnector2">
-            <a:avLst/>
-          </a:prstGeom>
-          <a:ln>
-            <a:solidFill>
-              <a:schemeClr val="tx1"/>
-            </a:solidFill>
-            <a:headEnd type="triangle"/>
-            <a:tailEnd type="triangle"/>
-          </a:ln>
-        </p:spPr>
-        <p:style>
-          <a:lnRef idx="3">
-            <a:schemeClr val="dk1"/>
-          </a:lnRef>
-          <a:fillRef idx="0">
-            <a:schemeClr val="dk1"/>
-          </a:fillRef>
-          <a:effectRef idx="2">
-            <a:schemeClr val="dk1"/>
-          </a:effectRef>
-          <a:fontRef idx="minor">
-            <a:schemeClr val="tx1"/>
-          </a:fontRef>
-        </p:style>
-      </p:cxnSp>
-      <p:cxnSp>
-        <p:nvCxnSpPr>
-          <p:cNvPr id="40" name="Connector: Elbow 39">
-            <a:extLst>
-              <a:ext uri="{FF2B5EF4-FFF2-40B4-BE49-F238E27FC236}">
-                <a16:creationId xmlns:a16="http://schemas.microsoft.com/office/drawing/2014/main" id="{E08029FC-46BA-00A7-5411-FFC456E477ED}"/>
-              </a:ext>
-            </a:extLst>
-          </p:cNvPr>
-          <p:cNvCxnSpPr>
-            <a:cxnSpLocks/>
-            <a:stCxn id="56" idx="2"/>
-            <a:endCxn id="34" idx="0"/>
-          </p:cNvCxnSpPr>
-          <p:nvPr/>
-        </p:nvCxnSpPr>
-        <p:spPr>
-          <a:xfrm rot="5400000">
-            <a:off x="5814115" y="5672088"/>
-            <a:ext cx="837154" cy="1"/>
-          </a:xfrm>
-          <a:prstGeom prst="bentConnector3">
-            <a:avLst>
-              <a:gd name="adj1" fmla="val 50000"/>
-            </a:avLst>
-          </a:prstGeom>
-          <a:ln>
-            <a:headEnd type="triangle"/>
-            <a:tailEnd type="triangle"/>
-          </a:ln>
-        </p:spPr>
-        <p:style>
-          <a:lnRef idx="3">
-            <a:schemeClr val="dk1"/>
-          </a:lnRef>
-          <a:fillRef idx="0">
-            <a:schemeClr val="dk1"/>
-          </a:fillRef>
-          <a:effectRef idx="2">
-            <a:schemeClr val="dk1"/>
-          </a:effectRef>
-          <a:fontRef idx="minor">
-            <a:schemeClr val="tx1"/>
-          </a:fontRef>
-        </p:style>
-      </p:cxnSp>
-      <p:cxnSp>
-        <p:nvCxnSpPr>
-          <p:cNvPr id="2" name="Connector: Elbow 1">
-            <a:extLst>
-              <a:ext uri="{FF2B5EF4-FFF2-40B4-BE49-F238E27FC236}">
-                <a16:creationId xmlns:a16="http://schemas.microsoft.com/office/drawing/2014/main" id="{1FA13AB7-872F-5966-6BC8-70204397F0B7}"/>
-              </a:ext>
-            </a:extLst>
-          </p:cNvPr>
-          <p:cNvCxnSpPr>
-            <a:cxnSpLocks/>
-          </p:cNvCxnSpPr>
-          <p:nvPr/>
-        </p:nvCxnSpPr>
-        <p:spPr>
-          <a:xfrm flipV="1">
-            <a:off x="4485447" y="4956110"/>
-            <a:ext cx="678225" cy="8878"/>
-          </a:xfrm>
-          <a:prstGeom prst="bentConnector3">
-            <a:avLst>
-              <a:gd name="adj1" fmla="val 50000"/>
-            </a:avLst>
-          </a:prstGeom>
-          <a:ln>
-            <a:solidFill>
-              <a:schemeClr val="tx1"/>
-            </a:solidFill>
-            <a:tailEnd type="none"/>
-          </a:ln>
-        </p:spPr>
-        <p:style>
-          <a:lnRef idx="1">
-            <a:schemeClr val="dk1"/>
-          </a:lnRef>
-          <a:fillRef idx="0">
-            <a:schemeClr val="dk1"/>
-          </a:fillRef>
-          <a:effectRef idx="0">
-            <a:schemeClr val="dk1"/>
-          </a:effectRef>
-          <a:fontRef idx="minor">
-            <a:schemeClr val="tx1"/>
-          </a:fontRef>
-        </p:style>
-      </p:cxnSp>
-      <p:cxnSp>
-        <p:nvCxnSpPr>
-          <p:cNvPr id="5" name="Connector: Elbow 4">
-            <a:extLst>
-              <a:ext uri="{FF2B5EF4-FFF2-40B4-BE49-F238E27FC236}">
-                <a16:creationId xmlns:a16="http://schemas.microsoft.com/office/drawing/2014/main" id="{A10BA6A3-6C00-540F-3A6B-B6D1A027AF1F}"/>
-              </a:ext>
-            </a:extLst>
-          </p:cNvPr>
-          <p:cNvCxnSpPr>
-            <a:cxnSpLocks/>
-          </p:cNvCxnSpPr>
-          <p:nvPr/>
-        </p:nvCxnSpPr>
-        <p:spPr>
-          <a:xfrm rot="5400000">
-            <a:off x="5814115" y="5672089"/>
-            <a:ext cx="837154" cy="1"/>
-          </a:xfrm>
-          <a:prstGeom prst="bentConnector3">
-            <a:avLst>
-              <a:gd name="adj1" fmla="val 50000"/>
-            </a:avLst>
-          </a:prstGeom>
-          <a:ln>
-            <a:solidFill>
-              <a:schemeClr val="tx1"/>
-            </a:solidFill>
-            <a:headEnd type="triangle"/>
-            <a:tailEnd type="triangle"/>
-          </a:ln>
-        </p:spPr>
-        <p:style>
-          <a:lnRef idx="3">
-            <a:schemeClr val="dk1"/>
-          </a:lnRef>
-          <a:fillRef idx="0">
-            <a:schemeClr val="dk1"/>
-          </a:fillRef>
-          <a:effectRef idx="2">
-            <a:schemeClr val="dk1"/>
-          </a:effectRef>
-          <a:fontRef idx="minor">
-            <a:schemeClr val="tx1"/>
-          </a:fontRef>
-        </p:style>
-      </p:cxnSp>
-    </p:spTree>
-    <p:extLst>
-      <p:ext uri="{BB962C8B-B14F-4D97-AF65-F5344CB8AC3E}">
-        <p14:creationId xmlns:p14="http://schemas.microsoft.com/office/powerpoint/2010/main" val="4113191568"/>
-      </p:ext>
-    </p:extLst>
-  </p:cSld>
-  <p:clrMapOvr>
-    <a:masterClrMapping/>
-  </p:clrMapOvr>
-</p:sld>
-</file>
-
-<file path=ppt/slides/slide7.xml><?xml version="1.0" encoding="utf-8"?>
+<file path=ppt/slides/slide8.xml><?xml version="1.0" encoding="utf-8"?>
 <p:sld xmlns:a="http://schemas.openxmlformats.org/drawingml/2006/main" xmlns:r="http://schemas.openxmlformats.org/officeDocument/2006/relationships" xmlns:p="http://schemas.openxmlformats.org/presentationml/2006/main">
   <p:cSld>
     <p:spTree>
@@ -21464,7 +22509,7 @@
                   <a:schemeClr val="tx1"/>
                 </a:solidFill>
               </a:rPr>
-              <a:t>7</a:t>
+              <a:t>8</a:t>
             </a:fld>
             <a:endParaRPr lang="en-US" sz="1400" b="1">
               <a:solidFill>
@@ -21649,7 +22694,7 @@
               </a:lnSpc>
             </a:pPr>
             <a:r>
-              <a:rPr lang="fr-FR" sz="2400">
+              <a:rPr lang="fr-FR" sz="2400" dirty="0">
                 <a:effectLst/>
               </a:rPr>
               <a:t>Avantages :</a:t>
@@ -21664,7 +22709,7 @@
               <a:buChar char="Ø"/>
             </a:pPr>
             <a:r>
-              <a:rPr lang="fr-FR" sz="2400">
+              <a:rPr lang="fr-FR" sz="2400" dirty="0">
                 <a:effectLst/>
               </a:rPr>
               <a:t>Système de Réactivité</a:t>
@@ -21679,7 +22724,7 @@
               <a:buChar char="Ø"/>
             </a:pPr>
             <a:r>
-              <a:rPr lang="fr-FR" sz="2400">
+              <a:rPr lang="fr-FR" sz="2400" dirty="0">
                 <a:effectLst/>
               </a:rPr>
               <a:t>Composants réutilisables</a:t>
@@ -21776,366 +22821,6 @@
     <p:extLst>
       <p:ext uri="{BB962C8B-B14F-4D97-AF65-F5344CB8AC3E}">
         <p14:creationId xmlns:p14="http://schemas.microsoft.com/office/powerpoint/2010/main" val="1733543436"/>
-      </p:ext>
-    </p:extLst>
-  </p:cSld>
-  <p:clrMapOvr>
-    <a:masterClrMapping/>
-  </p:clrMapOvr>
-</p:sld>
-</file>
-
-<file path=ppt/slides/slide8.xml><?xml version="1.0" encoding="utf-8"?>
-<p:sld xmlns:a="http://schemas.openxmlformats.org/drawingml/2006/main" xmlns:r="http://schemas.openxmlformats.org/officeDocument/2006/relationships" xmlns:p="http://schemas.openxmlformats.org/presentationml/2006/main">
-  <p:cSld>
-    <p:spTree>
-      <p:nvGrpSpPr>
-        <p:cNvPr id="1" name=""/>
-        <p:cNvGrpSpPr/>
-        <p:nvPr/>
-      </p:nvGrpSpPr>
-      <p:grpSpPr>
-        <a:xfrm>
-          <a:off x="0" y="0"/>
-          <a:ext cx="0" cy="0"/>
-          <a:chOff x="0" y="0"/>
-          <a:chExt cx="0" cy="0"/>
-        </a:xfrm>
-      </p:grpSpPr>
-      <p:sp>
-        <p:nvSpPr>
-          <p:cNvPr id="3" name="Slide Number Placeholder 32">
-            <a:extLst>
-              <a:ext uri="{FF2B5EF4-FFF2-40B4-BE49-F238E27FC236}">
-                <a16:creationId xmlns:a16="http://schemas.microsoft.com/office/drawing/2014/main" id="{73785881-B744-E58E-C152-B267B3D41260}"/>
-              </a:ext>
-            </a:extLst>
-          </p:cNvPr>
-          <p:cNvSpPr>
-            <a:spLocks noGrp="1"/>
-          </p:cNvSpPr>
-          <p:nvPr>
-            <p:ph type="sldNum" sz="quarter" idx="12"/>
-          </p:nvPr>
-        </p:nvSpPr>
-        <p:spPr>
-          <a:xfrm>
-            <a:off x="9107747" y="6429219"/>
-            <a:ext cx="2743200" cy="365125"/>
-          </a:xfrm>
-        </p:spPr>
-        <p:txBody>
-          <a:bodyPr/>
-          <a:lstStyle/>
-          <a:p>
-            <a:fld id="{F26BA1F6-0971-4337-9C55-1D3289524A07}" type="slidenum">
-              <a:rPr lang="en-US" sz="1400" b="1" smtClean="0">
-                <a:solidFill>
-                  <a:schemeClr val="tx1"/>
-                </a:solidFill>
-              </a:rPr>
-              <a:t>8</a:t>
-            </a:fld>
-            <a:endParaRPr lang="en-US" sz="1400" b="1">
-              <a:solidFill>
-                <a:schemeClr val="tx1"/>
-              </a:solidFill>
-            </a:endParaRPr>
-          </a:p>
-        </p:txBody>
-      </p:sp>
-      <p:sp>
-        <p:nvSpPr>
-          <p:cNvPr id="4" name="Title 1">
-            <a:extLst>
-              <a:ext uri="{FF2B5EF4-FFF2-40B4-BE49-F238E27FC236}">
-                <a16:creationId xmlns:a16="http://schemas.microsoft.com/office/drawing/2014/main" id="{A8D5AF67-DBEA-80C8-15A1-E79B86A4E90B}"/>
-              </a:ext>
-            </a:extLst>
-          </p:cNvPr>
-          <p:cNvSpPr txBox="1">
-            <a:spLocks/>
-          </p:cNvSpPr>
-          <p:nvPr/>
-        </p:nvSpPr>
-        <p:spPr>
-          <a:xfrm>
-            <a:off x="2296357" y="529734"/>
-            <a:ext cx="7599286" cy="948261"/>
-          </a:xfrm>
-          <a:prstGeom prst="rect">
-            <a:avLst/>
-          </a:prstGeom>
-        </p:spPr>
-        <p:txBody>
-          <a:bodyPr vert="horz" lIns="91440" tIns="45720" rIns="91440" bIns="45720" rtlCol="0" anchor="ctr">
-            <a:normAutofit/>
-          </a:bodyPr>
-          <a:lstStyle>
-            <a:lvl1pPr algn="l" defTabSz="914400" rtl="0" eaLnBrk="1" latinLnBrk="0" hangingPunct="1">
-              <a:lnSpc>
-                <a:spcPct val="90000"/>
-              </a:lnSpc>
-              <a:spcBef>
-                <a:spcPct val="0"/>
-              </a:spcBef>
-              <a:buNone/>
-              <a:defRPr sz="3600" kern="1200" cap="all" baseline="0">
-                <a:solidFill>
-                  <a:schemeClr val="tx1"/>
-                </a:solidFill>
-                <a:latin typeface="+mj-lt"/>
-                <a:ea typeface="+mj-ea"/>
-                <a:cs typeface="+mj-cs"/>
-              </a:defRPr>
-            </a:lvl1pPr>
-          </a:lstStyle>
-          <a:p>
-            <a:pPr algn="ctr"/>
-            <a:r>
-              <a:rPr lang="en-US" b="1"/>
-              <a:t>FRONT : outils</a:t>
-            </a:r>
-            <a:endParaRPr lang="en-US" b="1" dirty="0"/>
-          </a:p>
-        </p:txBody>
-      </p:sp>
-      <p:pic>
-        <p:nvPicPr>
-          <p:cNvPr id="4100" name="Picture 4" descr="A Vue 3 UI Framework | Element Plus">
-            <a:extLst>
-              <a:ext uri="{FF2B5EF4-FFF2-40B4-BE49-F238E27FC236}">
-                <a16:creationId xmlns:a16="http://schemas.microsoft.com/office/drawing/2014/main" id="{BFD1DCEE-C4A4-1D89-A22E-97352A22755C}"/>
-              </a:ext>
-            </a:extLst>
-          </p:cNvPr>
-          <p:cNvPicPr>
-            <a:picLocks noChangeAspect="1" noChangeArrowheads="1"/>
-          </p:cNvPicPr>
-          <p:nvPr/>
-        </p:nvPicPr>
-        <p:blipFill>
-          <a:blip r:embed="rId2">
-            <a:extLst>
-              <a:ext uri="{28A0092B-C50C-407E-A947-70E740481C1C}">
-                <a14:useLocalDpi xmlns:a14="http://schemas.microsoft.com/office/drawing/2010/main" val="0"/>
-              </a:ext>
-            </a:extLst>
-          </a:blip>
-          <a:srcRect/>
-          <a:stretch>
-            <a:fillRect/>
-          </a:stretch>
-        </p:blipFill>
-        <p:spPr bwMode="auto">
-          <a:xfrm>
-            <a:off x="1785979" y="2328067"/>
-            <a:ext cx="5026103" cy="1248167"/>
-          </a:xfrm>
-          <a:prstGeom prst="rect">
-            <a:avLst/>
-          </a:prstGeom>
-          <a:noFill/>
-          <a:extLst>
-            <a:ext uri="{909E8E84-426E-40DD-AFC4-6F175D3DCCD1}">
-              <a14:hiddenFill xmlns:a14="http://schemas.microsoft.com/office/drawing/2010/main">
-                <a:solidFill>
-                  <a:srgbClr val="FFFFFF"/>
-                </a:solidFill>
-              </a14:hiddenFill>
-            </a:ext>
-          </a:extLst>
-        </p:spPr>
-      </p:pic>
-      <p:pic>
-        <p:nvPicPr>
-          <p:cNvPr id="4102" name="Picture 6">
-            <a:extLst>
-              <a:ext uri="{FF2B5EF4-FFF2-40B4-BE49-F238E27FC236}">
-                <a16:creationId xmlns:a16="http://schemas.microsoft.com/office/drawing/2014/main" id="{13B24225-1710-EC1A-A13F-0E5A111E751A}"/>
-              </a:ext>
-            </a:extLst>
-          </p:cNvPr>
-          <p:cNvPicPr>
-            <a:picLocks noChangeAspect="1" noChangeArrowheads="1"/>
-          </p:cNvPicPr>
-          <p:nvPr/>
-        </p:nvPicPr>
-        <p:blipFill>
-          <a:blip r:embed="rId3">
-            <a:extLst>
-              <a:ext uri="{28A0092B-C50C-407E-A947-70E740481C1C}">
-                <a14:useLocalDpi xmlns:a14="http://schemas.microsoft.com/office/drawing/2010/main" val="0"/>
-              </a:ext>
-            </a:extLst>
-          </a:blip>
-          <a:srcRect/>
-          <a:stretch>
-            <a:fillRect/>
-          </a:stretch>
-        </p:blipFill>
-        <p:spPr bwMode="auto">
-          <a:xfrm>
-            <a:off x="1785979" y="5304269"/>
-            <a:ext cx="4576352" cy="672151"/>
-          </a:xfrm>
-          <a:prstGeom prst="rect">
-            <a:avLst/>
-          </a:prstGeom>
-          <a:noFill/>
-          <a:extLst>
-            <a:ext uri="{909E8E84-426E-40DD-AFC4-6F175D3DCCD1}">
-              <a14:hiddenFill xmlns:a14="http://schemas.microsoft.com/office/drawing/2010/main">
-                <a:solidFill>
-                  <a:srgbClr val="FFFFFF"/>
-                </a:solidFill>
-              </a14:hiddenFill>
-            </a:ext>
-          </a:extLst>
-        </p:spPr>
-      </p:pic>
-      <p:sp>
-        <p:nvSpPr>
-          <p:cNvPr id="2" name="TextBox 1">
-            <a:extLst>
-              <a:ext uri="{FF2B5EF4-FFF2-40B4-BE49-F238E27FC236}">
-                <a16:creationId xmlns:a16="http://schemas.microsoft.com/office/drawing/2014/main" id="{33010607-8DFE-2D85-DB3A-57A0D48A38C2}"/>
-              </a:ext>
-            </a:extLst>
-          </p:cNvPr>
-          <p:cNvSpPr txBox="1"/>
-          <p:nvPr/>
-        </p:nvSpPr>
-        <p:spPr>
-          <a:xfrm>
-            <a:off x="7191422" y="2104738"/>
-            <a:ext cx="4082476" cy="1694823"/>
-          </a:xfrm>
-          <a:prstGeom prst="rect">
-            <a:avLst/>
-          </a:prstGeom>
-          <a:noFill/>
-        </p:spPr>
-        <p:txBody>
-          <a:bodyPr wrap="square" rtlCol="0">
-            <a:spAutoFit/>
-          </a:bodyPr>
-          <a:lstStyle/>
-          <a:p>
-            <a:pPr marL="342900" indent="-342900" rtl="0">
-              <a:lnSpc>
-                <a:spcPct val="150000"/>
-              </a:lnSpc>
-              <a:buFont typeface="Arial" panose="020B0604020202020204" pitchFamily="34" charset="0"/>
-              <a:buChar char="•"/>
-            </a:pPr>
-            <a:r>
-              <a:rPr lang="fr-FR" sz="2400">
-                <a:effectLst/>
-              </a:rPr>
-              <a:t>Bibliothèque riche</a:t>
-            </a:r>
-          </a:p>
-          <a:p>
-            <a:pPr marL="800100" lvl="1" indent="-342900">
-              <a:lnSpc>
-                <a:spcPct val="150000"/>
-              </a:lnSpc>
-              <a:buFont typeface="Wingdings" panose="05000000000000000000" pitchFamily="2" charset="2"/>
-              <a:buChar char="Ø"/>
-            </a:pPr>
-            <a:r>
-              <a:rPr lang="fr-FR" sz="2400"/>
-              <a:t>Légère</a:t>
-            </a:r>
-          </a:p>
-          <a:p>
-            <a:pPr marL="800100" lvl="1" indent="-342900">
-              <a:lnSpc>
-                <a:spcPct val="150000"/>
-              </a:lnSpc>
-              <a:buFont typeface="Wingdings" panose="05000000000000000000" pitchFamily="2" charset="2"/>
-              <a:buChar char="Ø"/>
-            </a:pPr>
-            <a:r>
-              <a:rPr lang="fr-FR" sz="2400">
-                <a:effectLst/>
-              </a:rPr>
-              <a:t>Extensible</a:t>
-            </a:r>
-          </a:p>
-        </p:txBody>
-      </p:sp>
-      <p:sp>
-        <p:nvSpPr>
-          <p:cNvPr id="5" name="TextBox 4">
-            <a:extLst>
-              <a:ext uri="{FF2B5EF4-FFF2-40B4-BE49-F238E27FC236}">
-                <a16:creationId xmlns:a16="http://schemas.microsoft.com/office/drawing/2014/main" id="{F82AC49D-EE86-8D77-2C48-D5152F2E0EC9}"/>
-              </a:ext>
-            </a:extLst>
-          </p:cNvPr>
-          <p:cNvSpPr txBox="1"/>
-          <p:nvPr/>
-        </p:nvSpPr>
-        <p:spPr>
-          <a:xfrm>
-            <a:off x="7191422" y="5069931"/>
-            <a:ext cx="4082476" cy="1140825"/>
-          </a:xfrm>
-          <a:prstGeom prst="rect">
-            <a:avLst/>
-          </a:prstGeom>
-          <a:noFill/>
-        </p:spPr>
-        <p:txBody>
-          <a:bodyPr wrap="square" rtlCol="0">
-            <a:spAutoFit/>
-          </a:bodyPr>
-          <a:lstStyle/>
-          <a:p>
-            <a:pPr marL="342900" indent="-342900" rtl="0">
-              <a:lnSpc>
-                <a:spcPct val="150000"/>
-              </a:lnSpc>
-              <a:buFont typeface="Arial" panose="020B0604020202020204" pitchFamily="34" charset="0"/>
-              <a:buChar char="•"/>
-            </a:pPr>
-            <a:r>
-              <a:rPr lang="fr-FR" sz="2400">
-                <a:effectLst/>
-              </a:rPr>
-              <a:t>Conversion des données</a:t>
-            </a:r>
-          </a:p>
-          <a:p>
-            <a:pPr marL="342900" indent="-342900" rtl="0">
-              <a:lnSpc>
-                <a:spcPct val="150000"/>
-              </a:lnSpc>
-              <a:buFont typeface="Arial" panose="020B0604020202020204" pitchFamily="34" charset="0"/>
-              <a:buChar char="•"/>
-            </a:pPr>
-            <a:r>
-              <a:rPr lang="fr-FR" sz="2400">
-                <a:effectLst/>
-              </a:rPr>
-              <a:t>Gesti</a:t>
-            </a:r>
-            <a:r>
-              <a:rPr lang="fr-FR" sz="2400"/>
-              <a:t>on des requêtes</a:t>
-            </a:r>
-            <a:endParaRPr lang="fr-FR" sz="2400">
-              <a:effectLst/>
-            </a:endParaRPr>
-          </a:p>
-        </p:txBody>
-      </p:sp>
-    </p:spTree>
-    <p:extLst>
-      <p:ext uri="{BB962C8B-B14F-4D97-AF65-F5344CB8AC3E}">
-        <p14:creationId xmlns:p14="http://schemas.microsoft.com/office/powerpoint/2010/main" val="2910806120"/>
       </p:ext>
     </p:extLst>
   </p:cSld>
@@ -22191,14 +22876,14 @@
             <a:fld id="{F26BA1F6-0971-4337-9C55-1D3289524A07}" type="slidenum">
               <a:rPr lang="en-US" sz="1400" b="1" smtClean="0">
                 <a:solidFill>
-                  <a:schemeClr val="bg1"/>
+                  <a:schemeClr val="tx1"/>
                 </a:solidFill>
               </a:rPr>
               <a:t>9</a:t>
             </a:fld>
             <a:endParaRPr lang="en-US" sz="1400" b="1">
               <a:solidFill>
-                <a:schemeClr val="bg1"/>
+                <a:schemeClr val="tx1"/>
               </a:solidFill>
             </a:endParaRPr>
           </a:p>
@@ -22220,16 +22905,17 @@
         </p:nvSpPr>
         <p:spPr>
           <a:xfrm>
-            <a:off x="7688062" y="2855683"/>
-            <a:ext cx="3559945" cy="948261"/>
+            <a:off x="2296357" y="529734"/>
+            <a:ext cx="7599286" cy="948261"/>
           </a:xfrm>
           <a:prstGeom prst="rect">
             <a:avLst/>
           </a:prstGeom>
+          <a:noFill/>
         </p:spPr>
         <p:txBody>
           <a:bodyPr vert="horz" lIns="91440" tIns="45720" rIns="91440" bIns="45720" rtlCol="0" anchor="ctr">
-            <a:normAutofit fontScale="92500" lnSpcReduction="10000"/>
+            <a:normAutofit/>
           </a:bodyPr>
           <a:lstStyle>
             <a:lvl1pPr algn="l" defTabSz="914400" rtl="0" eaLnBrk="1" latinLnBrk="0" hangingPunct="1">
@@ -22251,53 +22937,304 @@
             </a:lvl1pPr>
           </a:lstStyle>
           <a:p>
+            <a:pPr algn="ctr"/>
             <a:r>
-              <a:rPr lang="en-US" b="1"/>
-              <a:t>front :</a:t>
-            </a:r>
-          </a:p>
-          <a:p>
-            <a:r>
-              <a:rPr lang="en-US" b="1"/>
-              <a:t>architecturE</a:t>
+              <a:rPr lang="fr-FR" b="1" dirty="0"/>
+              <a:t>BDD : Tables d’indexage</a:t>
             </a:r>
             <a:endParaRPr lang="en-US" b="1" dirty="0"/>
+          </a:p>
+        </p:txBody>
+      </p:sp>
+      <p:sp>
+        <p:nvSpPr>
+          <p:cNvPr id="6" name="TextBox 5">
+            <a:extLst>
+              <a:ext uri="{FF2B5EF4-FFF2-40B4-BE49-F238E27FC236}">
+                <a16:creationId xmlns:a16="http://schemas.microsoft.com/office/drawing/2014/main" id="{D19EA639-E1EA-5F54-C4B1-3B3A5471FF1B}"/>
+              </a:ext>
+            </a:extLst>
+          </p:cNvPr>
+          <p:cNvSpPr txBox="1"/>
+          <p:nvPr/>
+        </p:nvSpPr>
+        <p:spPr>
+          <a:xfrm>
+            <a:off x="1483823" y="1759377"/>
+            <a:ext cx="1865552" cy="586764"/>
+          </a:xfrm>
+          <a:prstGeom prst="rect">
+            <a:avLst/>
+          </a:prstGeom>
+          <a:noFill/>
+        </p:spPr>
+        <p:txBody>
+          <a:bodyPr wrap="square" rtlCol="0">
+            <a:spAutoFit/>
+          </a:bodyPr>
+          <a:lstStyle/>
+          <a:p>
+            <a:pPr rtl="0">
+              <a:lnSpc>
+                <a:spcPct val="150000"/>
+              </a:lnSpc>
+            </a:pPr>
+            <a:r>
+              <a:rPr lang="fr-FR" sz="2400" dirty="0" err="1">
+                <a:effectLst/>
+              </a:rPr>
+              <a:t>IndexTable</a:t>
+            </a:r>
+            <a:r>
+              <a:rPr lang="fr-FR" sz="2400" dirty="0">
+                <a:effectLst/>
+              </a:rPr>
+              <a:t> :</a:t>
+            </a:r>
           </a:p>
         </p:txBody>
       </p:sp>
       <p:pic>
         <p:nvPicPr>
-          <p:cNvPr id="5" name="Picture 4">
+          <p:cNvPr id="7" name="Picture 4">
             <a:extLst>
               <a:ext uri="{FF2B5EF4-FFF2-40B4-BE49-F238E27FC236}">
-                <a16:creationId xmlns:a16="http://schemas.microsoft.com/office/drawing/2014/main" id="{940416F0-26B2-3113-9DE9-5DBC670F8761}"/>
+                <a16:creationId xmlns:a16="http://schemas.microsoft.com/office/drawing/2014/main" id="{23D18116-D1A1-3A2E-CD04-585A9D0D04B5}"/>
               </a:ext>
             </a:extLst>
           </p:cNvPr>
           <p:cNvPicPr>
-            <a:picLocks noChangeAspect="1"/>
+            <a:picLocks noChangeAspect="1" noChangeArrowheads="1"/>
           </p:cNvPicPr>
           <p:nvPr/>
         </p:nvPicPr>
-        <p:blipFill rotWithShape="1">
-          <a:blip r:embed="rId2"/>
-          <a:srcRect l="14060" t="2313" b="2313"/>
-          <a:stretch/>
+        <p:blipFill>
+          <a:blip r:embed="rId2">
+            <a:extLst>
+              <a:ext uri="{28A0092B-C50C-407E-A947-70E740481C1C}">
+                <a14:useLocalDpi xmlns:a14="http://schemas.microsoft.com/office/drawing/2010/main" val="0"/>
+              </a:ext>
+            </a:extLst>
+          </a:blip>
+          <a:srcRect/>
+          <a:stretch>
+            <a:fillRect/>
+          </a:stretch>
         </p:blipFill>
-        <p:spPr>
+        <p:spPr bwMode="auto">
           <a:xfrm>
-            <a:off x="2001349" y="158620"/>
-            <a:ext cx="5005179" cy="6540760"/>
+            <a:off x="3598088" y="1477995"/>
+            <a:ext cx="7217861" cy="1551653"/>
           </a:xfrm>
           <a:prstGeom prst="rect">
             <a:avLst/>
           </a:prstGeom>
+          <a:noFill/>
+          <a:extLst>
+            <a:ext uri="{909E8E84-426E-40DD-AFC4-6F175D3DCCD1}">
+              <a14:hiddenFill xmlns:a14="http://schemas.microsoft.com/office/drawing/2010/main">
+                <a:solidFill>
+                  <a:srgbClr val="FFFFFF"/>
+                </a:solidFill>
+              </a14:hiddenFill>
+            </a:ext>
+          </a:extLst>
         </p:spPr>
       </p:pic>
+      <p:pic>
+        <p:nvPicPr>
+          <p:cNvPr id="8" name="Picture 6">
+            <a:extLst>
+              <a:ext uri="{FF2B5EF4-FFF2-40B4-BE49-F238E27FC236}">
+                <a16:creationId xmlns:a16="http://schemas.microsoft.com/office/drawing/2014/main" id="{D87BFA9F-31A4-69A6-F3F8-85664A627D54}"/>
+              </a:ext>
+            </a:extLst>
+          </p:cNvPr>
+          <p:cNvPicPr>
+            <a:picLocks noChangeAspect="1" noChangeArrowheads="1"/>
+          </p:cNvPicPr>
+          <p:nvPr/>
+        </p:nvPicPr>
+        <p:blipFill>
+          <a:blip r:embed="rId3">
+            <a:extLst>
+              <a:ext uri="{28A0092B-C50C-407E-A947-70E740481C1C}">
+                <a14:useLocalDpi xmlns:a14="http://schemas.microsoft.com/office/drawing/2010/main" val="0"/>
+              </a:ext>
+            </a:extLst>
+          </a:blip>
+          <a:srcRect/>
+          <a:stretch>
+            <a:fillRect/>
+          </a:stretch>
+        </p:blipFill>
+        <p:spPr bwMode="auto">
+          <a:xfrm>
+            <a:off x="4021021" y="5171473"/>
+            <a:ext cx="6371993" cy="1422083"/>
+          </a:xfrm>
+          <a:prstGeom prst="rect">
+            <a:avLst/>
+          </a:prstGeom>
+          <a:noFill/>
+          <a:extLst>
+            <a:ext uri="{909E8E84-426E-40DD-AFC4-6F175D3DCCD1}">
+              <a14:hiddenFill xmlns:a14="http://schemas.microsoft.com/office/drawing/2010/main">
+                <a:solidFill>
+                  <a:srgbClr val="FFFFFF"/>
+                </a:solidFill>
+              </a14:hiddenFill>
+            </a:ext>
+          </a:extLst>
+        </p:spPr>
+      </p:pic>
+      <p:pic>
+        <p:nvPicPr>
+          <p:cNvPr id="1032" name="Picture 8">
+            <a:extLst>
+              <a:ext uri="{FF2B5EF4-FFF2-40B4-BE49-F238E27FC236}">
+                <a16:creationId xmlns:a16="http://schemas.microsoft.com/office/drawing/2014/main" id="{283F8001-D4FC-94E6-735D-7C18052EF454}"/>
+              </a:ext>
+            </a:extLst>
+          </p:cNvPr>
+          <p:cNvPicPr>
+            <a:picLocks noChangeAspect="1" noChangeArrowheads="1"/>
+          </p:cNvPicPr>
+          <p:nvPr/>
+        </p:nvPicPr>
+        <p:blipFill>
+          <a:blip r:embed="rId4">
+            <a:extLst>
+              <a:ext uri="{28A0092B-C50C-407E-A947-70E740481C1C}">
+                <a14:useLocalDpi xmlns:a14="http://schemas.microsoft.com/office/drawing/2010/main" val="0"/>
+              </a:ext>
+            </a:extLst>
+          </a:blip>
+          <a:srcRect/>
+          <a:stretch>
+            <a:fillRect/>
+          </a:stretch>
+        </p:blipFill>
+        <p:spPr bwMode="auto">
+          <a:xfrm>
+            <a:off x="3526125" y="3517077"/>
+            <a:ext cx="7365110" cy="1170937"/>
+          </a:xfrm>
+          <a:prstGeom prst="rect">
+            <a:avLst/>
+          </a:prstGeom>
+          <a:noFill/>
+          <a:extLst>
+            <a:ext uri="{909E8E84-426E-40DD-AFC4-6F175D3DCCD1}">
+              <a14:hiddenFill xmlns:a14="http://schemas.microsoft.com/office/drawing/2010/main">
+                <a:solidFill>
+                  <a:srgbClr val="FFFFFF"/>
+                </a:solidFill>
+              </a14:hiddenFill>
+            </a:ext>
+          </a:extLst>
+        </p:spPr>
+      </p:pic>
+      <p:sp>
+        <p:nvSpPr>
+          <p:cNvPr id="9" name="TextBox 8">
+            <a:extLst>
+              <a:ext uri="{FF2B5EF4-FFF2-40B4-BE49-F238E27FC236}">
+                <a16:creationId xmlns:a16="http://schemas.microsoft.com/office/drawing/2014/main" id="{4359C27A-229E-0F62-F139-D679A758D616}"/>
+              </a:ext>
+            </a:extLst>
+          </p:cNvPr>
+          <p:cNvSpPr txBox="1"/>
+          <p:nvPr/>
+        </p:nvSpPr>
+        <p:spPr>
+          <a:xfrm>
+            <a:off x="1483823" y="3594780"/>
+            <a:ext cx="1865552" cy="586764"/>
+          </a:xfrm>
+          <a:prstGeom prst="rect">
+            <a:avLst/>
+          </a:prstGeom>
+          <a:noFill/>
+        </p:spPr>
+        <p:txBody>
+          <a:bodyPr wrap="square" rtlCol="0">
+            <a:spAutoFit/>
+          </a:bodyPr>
+          <a:lstStyle/>
+          <a:p>
+            <a:pPr rtl="0">
+              <a:lnSpc>
+                <a:spcPct val="150000"/>
+              </a:lnSpc>
+            </a:pPr>
+            <a:r>
+              <a:rPr lang="fr-FR" sz="2400" dirty="0" err="1">
+                <a:effectLst/>
+              </a:rPr>
+              <a:t>TitleIndex</a:t>
+            </a:r>
+            <a:r>
+              <a:rPr lang="fr-FR" sz="2400" dirty="0">
+                <a:effectLst/>
+              </a:rPr>
+              <a:t> :</a:t>
+            </a:r>
+          </a:p>
+        </p:txBody>
+      </p:sp>
+      <p:sp>
+        <p:nvSpPr>
+          <p:cNvPr id="10" name="TextBox 9">
+            <a:extLst>
+              <a:ext uri="{FF2B5EF4-FFF2-40B4-BE49-F238E27FC236}">
+                <a16:creationId xmlns:a16="http://schemas.microsoft.com/office/drawing/2014/main" id="{7FA8C5F2-06D5-E769-6894-40C2CB7DA78D}"/>
+              </a:ext>
+            </a:extLst>
+          </p:cNvPr>
+          <p:cNvSpPr txBox="1"/>
+          <p:nvPr/>
+        </p:nvSpPr>
+        <p:spPr>
+          <a:xfrm>
+            <a:off x="1483823" y="5464577"/>
+            <a:ext cx="1865552" cy="586764"/>
+          </a:xfrm>
+          <a:prstGeom prst="rect">
+            <a:avLst/>
+          </a:prstGeom>
+          <a:noFill/>
+        </p:spPr>
+        <p:txBody>
+          <a:bodyPr wrap="square" rtlCol="0">
+            <a:spAutoFit/>
+          </a:bodyPr>
+          <a:lstStyle/>
+          <a:p>
+            <a:pPr rtl="0">
+              <a:lnSpc>
+                <a:spcPct val="150000"/>
+              </a:lnSpc>
+            </a:pPr>
+            <a:r>
+              <a:rPr lang="fr-FR" sz="2400" dirty="0" err="1">
+                <a:effectLst/>
+              </a:rPr>
+              <a:t>AuthorIndex</a:t>
+            </a:r>
+            <a:r>
+              <a:rPr lang="fr-FR" sz="2400" dirty="0">
+                <a:effectLst/>
+              </a:rPr>
+              <a:t> :</a:t>
+            </a:r>
+          </a:p>
+        </p:txBody>
+      </p:sp>
     </p:spTree>
     <p:extLst>
       <p:ext uri="{BB962C8B-B14F-4D97-AF65-F5344CB8AC3E}">
-        <p14:creationId xmlns:p14="http://schemas.microsoft.com/office/powerpoint/2010/main" val="4139910263"/>
+        <p14:creationId xmlns:p14="http://schemas.microsoft.com/office/powerpoint/2010/main" val="4113191568"/>
       </p:ext>
     </p:extLst>
   </p:cSld>

--- a/01-documentation/05-booksearch-presentation.pptx
+++ b/01-documentation/05-booksearch-presentation.pptx
@@ -225,7 +225,7 @@
           <a:p>
             <a:fld id="{177EDC67-45CA-4858-80B2-EBE24FDEE160}" type="datetimeFigureOut">
               <a:rPr lang="en-US" smtClean="0"/>
-              <a:t>4/13/23</a:t>
+              <a:t>4/13/2023</a:t>
             </a:fld>
             <a:endParaRPr lang="en-US"/>
           </a:p>
@@ -549,7 +549,7 @@
           <a:noFill/>
           <a:extLst>
             <a:ext uri="{909E8E84-426E-40dd-AFC4-6F175D3DCCD1}">
-              <a14:hiddenFill xmlns:a14="http://schemas.microsoft.com/office/drawing/2010/main" xmlns="">
+              <a14:hiddenFill xmlns="" xmlns:a14="http://schemas.microsoft.com/office/drawing/2010/main">
                 <a:solidFill>
                   <a:srgbClr val="FFFFFF"/>
                 </a:solidFill>
@@ -608,7 +608,7 @@
             </a:ln>
             <a:extLst>
               <a:ext uri="{91240B29-F687-4f45-9708-019B960494DF}">
-                <a14:hiddenLine xmlns:a14="http://schemas.microsoft.com/office/drawing/2010/main" xmlns="" w="9525">
+                <a14:hiddenLine xmlns="" xmlns:a14="http://schemas.microsoft.com/office/drawing/2010/main" w="9525">
                   <a:solidFill>
                     <a:srgbClr val="000000"/>
                   </a:solidFill>
@@ -698,7 +698,7 @@
             </a:ln>
             <a:extLst>
               <a:ext uri="{91240B29-F687-4f45-9708-019B960494DF}">
-                <a14:hiddenLine xmlns:a14="http://schemas.microsoft.com/office/drawing/2010/main" xmlns="" w="9525">
+                <a14:hiddenLine xmlns="" xmlns:a14="http://schemas.microsoft.com/office/drawing/2010/main" w="9525">
                   <a:solidFill>
                     <a:srgbClr val="000000"/>
                   </a:solidFill>
@@ -788,7 +788,7 @@
             </a:ln>
             <a:extLst>
               <a:ext uri="{91240B29-F687-4f45-9708-019B960494DF}">
-                <a14:hiddenLine xmlns:a14="http://schemas.microsoft.com/office/drawing/2010/main" xmlns="" w="9525">
+                <a14:hiddenLine xmlns="" xmlns:a14="http://schemas.microsoft.com/office/drawing/2010/main" w="9525">
                   <a:solidFill>
                     <a:srgbClr val="000000"/>
                   </a:solidFill>
@@ -822,7 +822,7 @@
             </a:ln>
             <a:extLst>
               <a:ext uri="{91240B29-F687-4f45-9708-019B960494DF}">
-                <a14:hiddenLine xmlns:a14="http://schemas.microsoft.com/office/drawing/2010/main" xmlns="" w="9525">
+                <a14:hiddenLine xmlns="" xmlns:a14="http://schemas.microsoft.com/office/drawing/2010/main" w="9525">
                   <a:solidFill>
                     <a:srgbClr val="000000"/>
                   </a:solidFill>
@@ -912,7 +912,7 @@
             </a:ln>
             <a:extLst>
               <a:ext uri="{91240B29-F687-4f45-9708-019B960494DF}">
-                <a14:hiddenLine xmlns:a14="http://schemas.microsoft.com/office/drawing/2010/main" xmlns="" w="9525">
+                <a14:hiddenLine xmlns="" xmlns:a14="http://schemas.microsoft.com/office/drawing/2010/main" w="9525">
                   <a:solidFill>
                     <a:srgbClr val="000000"/>
                   </a:solidFill>
@@ -974,7 +974,7 @@
             </a:ln>
             <a:extLst>
               <a:ext uri="{91240B29-F687-4f45-9708-019B960494DF}">
-                <a14:hiddenLine xmlns:a14="http://schemas.microsoft.com/office/drawing/2010/main" xmlns="" w="9525">
+                <a14:hiddenLine xmlns="" xmlns:a14="http://schemas.microsoft.com/office/drawing/2010/main" w="9525">
                   <a:solidFill>
                     <a:srgbClr val="000000"/>
                   </a:solidFill>
@@ -1036,7 +1036,7 @@
             </a:ln>
             <a:extLst>
               <a:ext uri="{91240B29-F687-4f45-9708-019B960494DF}">
-                <a14:hiddenLine xmlns:a14="http://schemas.microsoft.com/office/drawing/2010/main" xmlns="" w="9525">
+                <a14:hiddenLine xmlns="" xmlns:a14="http://schemas.microsoft.com/office/drawing/2010/main" w="9525">
                   <a:solidFill>
                     <a:srgbClr val="000000"/>
                   </a:solidFill>
@@ -1126,7 +1126,7 @@
             </a:ln>
             <a:extLst>
               <a:ext uri="{91240B29-F687-4f45-9708-019B960494DF}">
-                <a14:hiddenLine xmlns:a14="http://schemas.microsoft.com/office/drawing/2010/main" xmlns="" w="9525">
+                <a14:hiddenLine xmlns="" xmlns:a14="http://schemas.microsoft.com/office/drawing/2010/main" w="9525">
                   <a:solidFill>
                     <a:srgbClr val="000000"/>
                   </a:solidFill>
@@ -1188,7 +1188,7 @@
             </a:ln>
             <a:extLst>
               <a:ext uri="{91240B29-F687-4f45-9708-019B960494DF}">
-                <a14:hiddenLine xmlns:a14="http://schemas.microsoft.com/office/drawing/2010/main" xmlns="" w="9525">
+                <a14:hiddenLine xmlns="" xmlns:a14="http://schemas.microsoft.com/office/drawing/2010/main" w="9525">
                   <a:solidFill>
                     <a:srgbClr val="000000"/>
                   </a:solidFill>
@@ -1250,7 +1250,7 @@
             </a:ln>
             <a:extLst>
               <a:ext uri="{91240B29-F687-4f45-9708-019B960494DF}">
-                <a14:hiddenLine xmlns:a14="http://schemas.microsoft.com/office/drawing/2010/main" xmlns="" w="9525">
+                <a14:hiddenLine xmlns="" xmlns:a14="http://schemas.microsoft.com/office/drawing/2010/main" w="9525">
                   <a:solidFill>
                     <a:srgbClr val="000000"/>
                   </a:solidFill>
@@ -1340,7 +1340,7 @@
             </a:ln>
             <a:extLst>
               <a:ext uri="{91240B29-F687-4f45-9708-019B960494DF}">
-                <a14:hiddenLine xmlns:a14="http://schemas.microsoft.com/office/drawing/2010/main" xmlns="" w="9525">
+                <a14:hiddenLine xmlns="" xmlns:a14="http://schemas.microsoft.com/office/drawing/2010/main" w="9525">
                   <a:solidFill>
                     <a:srgbClr val="000000"/>
                   </a:solidFill>
@@ -1430,7 +1430,7 @@
             </a:ln>
             <a:extLst>
               <a:ext uri="{91240B29-F687-4f45-9708-019B960494DF}">
-                <a14:hiddenLine xmlns:a14="http://schemas.microsoft.com/office/drawing/2010/main" xmlns="" w="9525">
+                <a14:hiddenLine xmlns="" xmlns:a14="http://schemas.microsoft.com/office/drawing/2010/main" w="9525">
                   <a:solidFill>
                     <a:srgbClr val="000000"/>
                   </a:solidFill>
@@ -1492,7 +1492,7 @@
             </a:ln>
             <a:extLst>
               <a:ext uri="{91240B29-F687-4f45-9708-019B960494DF}">
-                <a14:hiddenLine xmlns:a14="http://schemas.microsoft.com/office/drawing/2010/main" xmlns="" w="9525">
+                <a14:hiddenLine xmlns="" xmlns:a14="http://schemas.microsoft.com/office/drawing/2010/main" w="9525">
                   <a:solidFill>
                     <a:srgbClr val="000000"/>
                   </a:solidFill>
@@ -1602,7 +1602,7 @@
             </a:ln>
             <a:extLst>
               <a:ext uri="{91240B29-F687-4f45-9708-019B960494DF}">
-                <a14:hiddenLine xmlns:a14="http://schemas.microsoft.com/office/drawing/2010/main" xmlns="" w="9525">
+                <a14:hiddenLine xmlns="" xmlns:a14="http://schemas.microsoft.com/office/drawing/2010/main" w="9525">
                   <a:solidFill>
                     <a:srgbClr val="000000"/>
                   </a:solidFill>
@@ -1664,7 +1664,7 @@
             </a:ln>
             <a:extLst>
               <a:ext uri="{91240B29-F687-4f45-9708-019B960494DF}">
-                <a14:hiddenLine xmlns:a14="http://schemas.microsoft.com/office/drawing/2010/main" xmlns="" w="9525">
+                <a14:hiddenLine xmlns="" xmlns:a14="http://schemas.microsoft.com/office/drawing/2010/main" w="9525">
                   <a:solidFill>
                     <a:srgbClr val="000000"/>
                   </a:solidFill>
@@ -1754,7 +1754,7 @@
             </a:ln>
             <a:extLst>
               <a:ext uri="{91240B29-F687-4f45-9708-019B960494DF}">
-                <a14:hiddenLine xmlns:a14="http://schemas.microsoft.com/office/drawing/2010/main" xmlns="" w="9525">
+                <a14:hiddenLine xmlns="" xmlns:a14="http://schemas.microsoft.com/office/drawing/2010/main" w="9525">
                   <a:solidFill>
                     <a:srgbClr val="000000"/>
                   </a:solidFill>
@@ -1844,7 +1844,7 @@
             </a:ln>
             <a:extLst>
               <a:ext uri="{91240B29-F687-4f45-9708-019B960494DF}">
-                <a14:hiddenLine xmlns:a14="http://schemas.microsoft.com/office/drawing/2010/main" xmlns="" w="9525">
+                <a14:hiddenLine xmlns="" xmlns:a14="http://schemas.microsoft.com/office/drawing/2010/main" w="9525">
                   <a:solidFill>
                     <a:srgbClr val="000000"/>
                   </a:solidFill>
@@ -1906,7 +1906,7 @@
             </a:ln>
             <a:extLst>
               <a:ext uri="{91240B29-F687-4f45-9708-019B960494DF}">
-                <a14:hiddenLine xmlns:a14="http://schemas.microsoft.com/office/drawing/2010/main" xmlns="" w="9525">
+                <a14:hiddenLine xmlns="" xmlns:a14="http://schemas.microsoft.com/office/drawing/2010/main" w="9525">
                   <a:solidFill>
                     <a:srgbClr val="000000"/>
                   </a:solidFill>
@@ -1996,7 +1996,7 @@
             </a:ln>
             <a:extLst>
               <a:ext uri="{91240B29-F687-4f45-9708-019B960494DF}">
-                <a14:hiddenLine xmlns:a14="http://schemas.microsoft.com/office/drawing/2010/main" xmlns="" w="9525">
+                <a14:hiddenLine xmlns="" xmlns:a14="http://schemas.microsoft.com/office/drawing/2010/main" w="9525">
                   <a:solidFill>
                     <a:srgbClr val="000000"/>
                   </a:solidFill>
@@ -2086,7 +2086,7 @@
             </a:ln>
             <a:extLst>
               <a:ext uri="{91240B29-F687-4f45-9708-019B960494DF}">
-                <a14:hiddenLine xmlns:a14="http://schemas.microsoft.com/office/drawing/2010/main" xmlns="" w="9525">
+                <a14:hiddenLine xmlns="" xmlns:a14="http://schemas.microsoft.com/office/drawing/2010/main" w="9525">
                   <a:solidFill>
                     <a:srgbClr val="000000"/>
                   </a:solidFill>
@@ -2142,7 +2142,7 @@
             </a:ln>
             <a:extLst>
               <a:ext uri="{91240B29-F687-4f45-9708-019B960494DF}">
-                <a14:hiddenLine xmlns:a14="http://schemas.microsoft.com/office/drawing/2010/main" xmlns="" w="9525">
+                <a14:hiddenLine xmlns="" xmlns:a14="http://schemas.microsoft.com/office/drawing/2010/main" w="9525">
                   <a:solidFill>
                     <a:srgbClr val="000000"/>
                   </a:solidFill>
@@ -2232,7 +2232,7 @@
             </a:ln>
             <a:extLst>
               <a:ext uri="{91240B29-F687-4f45-9708-019B960494DF}">
-                <a14:hiddenLine xmlns:a14="http://schemas.microsoft.com/office/drawing/2010/main" xmlns="" w="9525">
+                <a14:hiddenLine xmlns="" xmlns:a14="http://schemas.microsoft.com/office/drawing/2010/main" w="9525">
                   <a:solidFill>
                     <a:srgbClr val="000000"/>
                   </a:solidFill>
@@ -2288,7 +2288,7 @@
             </a:ln>
             <a:extLst>
               <a:ext uri="{91240B29-F687-4f45-9708-019B960494DF}">
-                <a14:hiddenLine xmlns:a14="http://schemas.microsoft.com/office/drawing/2010/main" xmlns="" w="9525">
+                <a14:hiddenLine xmlns="" xmlns:a14="http://schemas.microsoft.com/office/drawing/2010/main" w="9525">
                   <a:solidFill>
                     <a:srgbClr val="000000"/>
                   </a:solidFill>
@@ -2378,7 +2378,7 @@
             </a:ln>
             <a:extLst>
               <a:ext uri="{91240B29-F687-4f45-9708-019B960494DF}">
-                <a14:hiddenLine xmlns:a14="http://schemas.microsoft.com/office/drawing/2010/main" xmlns="" w="9525">
+                <a14:hiddenLine xmlns="" xmlns:a14="http://schemas.microsoft.com/office/drawing/2010/main" w="9525">
                   <a:solidFill>
                     <a:srgbClr val="000000"/>
                   </a:solidFill>
@@ -2446,7 +2446,7 @@
             </a:ln>
             <a:extLst>
               <a:ext uri="{91240B29-F687-4f45-9708-019B960494DF}">
-                <a14:hiddenLine xmlns:a14="http://schemas.microsoft.com/office/drawing/2010/main" xmlns="" w="9525">
+                <a14:hiddenLine xmlns="" xmlns:a14="http://schemas.microsoft.com/office/drawing/2010/main" w="9525">
                   <a:solidFill>
                     <a:srgbClr val="000000"/>
                   </a:solidFill>
@@ -2536,7 +2536,7 @@
             </a:ln>
             <a:extLst>
               <a:ext uri="{91240B29-F687-4f45-9708-019B960494DF}">
-                <a14:hiddenLine xmlns:a14="http://schemas.microsoft.com/office/drawing/2010/main" xmlns="" w="9525">
+                <a14:hiddenLine xmlns="" xmlns:a14="http://schemas.microsoft.com/office/drawing/2010/main" w="9525">
                   <a:solidFill>
                     <a:srgbClr val="000000"/>
                   </a:solidFill>
@@ -2604,7 +2604,7 @@
             </a:ln>
             <a:extLst>
               <a:ext uri="{91240B29-F687-4f45-9708-019B960494DF}">
-                <a14:hiddenLine xmlns:a14="http://schemas.microsoft.com/office/drawing/2010/main" xmlns="" w="9525">
+                <a14:hiddenLine xmlns="" xmlns:a14="http://schemas.microsoft.com/office/drawing/2010/main" w="9525">
                   <a:solidFill>
                     <a:srgbClr val="000000"/>
                   </a:solidFill>
@@ -2694,7 +2694,7 @@
             </a:ln>
             <a:extLst>
               <a:ext uri="{91240B29-F687-4f45-9708-019B960494DF}">
-                <a14:hiddenLine xmlns:a14="http://schemas.microsoft.com/office/drawing/2010/main" xmlns="" w="9525">
+                <a14:hiddenLine xmlns="" xmlns:a14="http://schemas.microsoft.com/office/drawing/2010/main" w="9525">
                   <a:solidFill>
                     <a:srgbClr val="000000"/>
                   </a:solidFill>
@@ -2728,7 +2728,7 @@
             </a:ln>
             <a:extLst>
               <a:ext uri="{91240B29-F687-4f45-9708-019B960494DF}">
-                <a14:hiddenLine xmlns:a14="http://schemas.microsoft.com/office/drawing/2010/main" xmlns="" w="9525">
+                <a14:hiddenLine xmlns="" xmlns:a14="http://schemas.microsoft.com/office/drawing/2010/main" w="9525">
                   <a:solidFill>
                     <a:srgbClr val="000000"/>
                   </a:solidFill>
@@ -2818,7 +2818,7 @@
             </a:ln>
             <a:extLst>
               <a:ext uri="{91240B29-F687-4f45-9708-019B960494DF}">
-                <a14:hiddenLine xmlns:a14="http://schemas.microsoft.com/office/drawing/2010/main" xmlns="" w="9525">
+                <a14:hiddenLine xmlns="" xmlns:a14="http://schemas.microsoft.com/office/drawing/2010/main" w="9525">
                   <a:solidFill>
                     <a:srgbClr val="000000"/>
                   </a:solidFill>
@@ -2880,7 +2880,7 @@
             </a:ln>
             <a:extLst>
               <a:ext uri="{91240B29-F687-4f45-9708-019B960494DF}">
-                <a14:hiddenLine xmlns:a14="http://schemas.microsoft.com/office/drawing/2010/main" xmlns="" w="9525">
+                <a14:hiddenLine xmlns="" xmlns:a14="http://schemas.microsoft.com/office/drawing/2010/main" w="9525">
                   <a:solidFill>
                     <a:srgbClr val="000000"/>
                   </a:solidFill>
@@ -2942,7 +2942,7 @@
             </a:ln>
             <a:extLst>
               <a:ext uri="{91240B29-F687-4f45-9708-019B960494DF}">
-                <a14:hiddenLine xmlns:a14="http://schemas.microsoft.com/office/drawing/2010/main" xmlns="" w="9525">
+                <a14:hiddenLine xmlns="" xmlns:a14="http://schemas.microsoft.com/office/drawing/2010/main" w="9525">
                   <a:solidFill>
                     <a:srgbClr val="000000"/>
                   </a:solidFill>
@@ -3032,7 +3032,7 @@
             </a:ln>
             <a:extLst>
               <a:ext uri="{91240B29-F687-4f45-9708-019B960494DF}">
-                <a14:hiddenLine xmlns:a14="http://schemas.microsoft.com/office/drawing/2010/main" xmlns="" w="9525">
+                <a14:hiddenLine xmlns="" xmlns:a14="http://schemas.microsoft.com/office/drawing/2010/main" w="9525">
                   <a:solidFill>
                     <a:srgbClr val="000000"/>
                   </a:solidFill>
@@ -3100,7 +3100,7 @@
             </a:ln>
             <a:extLst>
               <a:ext uri="{91240B29-F687-4f45-9708-019B960494DF}">
-                <a14:hiddenLine xmlns:a14="http://schemas.microsoft.com/office/drawing/2010/main" xmlns="" w="9525">
+                <a14:hiddenLine xmlns="" xmlns:a14="http://schemas.microsoft.com/office/drawing/2010/main" w="9525">
                   <a:solidFill>
                     <a:srgbClr val="000000"/>
                   </a:solidFill>
@@ -3162,7 +3162,7 @@
             </a:ln>
             <a:extLst>
               <a:ext uri="{91240B29-F687-4f45-9708-019B960494DF}">
-                <a14:hiddenLine xmlns:a14="http://schemas.microsoft.com/office/drawing/2010/main" xmlns="" w="9525">
+                <a14:hiddenLine xmlns="" xmlns:a14="http://schemas.microsoft.com/office/drawing/2010/main" w="9525">
                   <a:solidFill>
                     <a:srgbClr val="000000"/>
                   </a:solidFill>
@@ -3252,7 +3252,7 @@
             </a:ln>
             <a:extLst>
               <a:ext uri="{91240B29-F687-4f45-9708-019B960494DF}">
-                <a14:hiddenLine xmlns:a14="http://schemas.microsoft.com/office/drawing/2010/main" xmlns="" w="9525">
+                <a14:hiddenLine xmlns="" xmlns:a14="http://schemas.microsoft.com/office/drawing/2010/main" w="9525">
                   <a:solidFill>
                     <a:srgbClr val="000000"/>
                   </a:solidFill>
@@ -3314,7 +3314,7 @@
             </a:ln>
             <a:extLst>
               <a:ext uri="{91240B29-F687-4f45-9708-019B960494DF}">
-                <a14:hiddenLine xmlns:a14="http://schemas.microsoft.com/office/drawing/2010/main" xmlns="" w="9525">
+                <a14:hiddenLine xmlns="" xmlns:a14="http://schemas.microsoft.com/office/drawing/2010/main" w="9525">
                   <a:solidFill>
                     <a:srgbClr val="000000"/>
                   </a:solidFill>
@@ -3404,7 +3404,7 @@
             </a:ln>
             <a:extLst>
               <a:ext uri="{91240B29-F687-4f45-9708-019B960494DF}">
-                <a14:hiddenLine xmlns:a14="http://schemas.microsoft.com/office/drawing/2010/main" xmlns="" w="9525">
+                <a14:hiddenLine xmlns="" xmlns:a14="http://schemas.microsoft.com/office/drawing/2010/main" w="9525">
                   <a:solidFill>
                     <a:srgbClr val="000000"/>
                   </a:solidFill>
@@ -3466,7 +3466,7 @@
             </a:ln>
             <a:extLst>
               <a:ext uri="{91240B29-F687-4f45-9708-019B960494DF}">
-                <a14:hiddenLine xmlns:a14="http://schemas.microsoft.com/office/drawing/2010/main" xmlns="" w="9525">
+                <a14:hiddenLine xmlns="" xmlns:a14="http://schemas.microsoft.com/office/drawing/2010/main" w="9525">
                   <a:solidFill>
                     <a:srgbClr val="000000"/>
                   </a:solidFill>
@@ -3556,7 +3556,7 @@
             </a:ln>
             <a:extLst>
               <a:ext uri="{91240B29-F687-4f45-9708-019B960494DF}">
-                <a14:hiddenLine xmlns:a14="http://schemas.microsoft.com/office/drawing/2010/main" xmlns="" w="9525">
+                <a14:hiddenLine xmlns="" xmlns:a14="http://schemas.microsoft.com/office/drawing/2010/main" w="9525">
                   <a:solidFill>
                     <a:srgbClr val="000000"/>
                   </a:solidFill>
@@ -3590,7 +3590,7 @@
             </a:ln>
             <a:extLst>
               <a:ext uri="{91240B29-F687-4f45-9708-019B960494DF}">
-                <a14:hiddenLine xmlns:a14="http://schemas.microsoft.com/office/drawing/2010/main" xmlns="" w="9525">
+                <a14:hiddenLine xmlns="" xmlns:a14="http://schemas.microsoft.com/office/drawing/2010/main" w="9525">
                   <a:solidFill>
                     <a:srgbClr val="000000"/>
                   </a:solidFill>
@@ -3655,7 +3655,7 @@
             </a:ln>
             <a:extLst>
               <a:ext uri="{91240B29-F687-4f45-9708-019B960494DF}">
-                <a14:hiddenLine xmlns:a14="http://schemas.microsoft.com/office/drawing/2010/main" xmlns="" w="9525">
+                <a14:hiddenLine xmlns="" xmlns:a14="http://schemas.microsoft.com/office/drawing/2010/main" w="9525">
                   <a:solidFill>
                     <a:srgbClr val="000000"/>
                   </a:solidFill>
@@ -3745,7 +3745,7 @@
             </a:ln>
             <a:extLst>
               <a:ext uri="{91240B29-F687-4f45-9708-019B960494DF}">
-                <a14:hiddenLine xmlns:a14="http://schemas.microsoft.com/office/drawing/2010/main" xmlns="" w="9525">
+                <a14:hiddenLine xmlns="" xmlns:a14="http://schemas.microsoft.com/office/drawing/2010/main" w="9525">
                   <a:solidFill>
                     <a:srgbClr val="000000"/>
                   </a:solidFill>
@@ -3807,7 +3807,7 @@
             </a:ln>
             <a:extLst>
               <a:ext uri="{91240B29-F687-4f45-9708-019B960494DF}">
-                <a14:hiddenLine xmlns:a14="http://schemas.microsoft.com/office/drawing/2010/main" xmlns="" w="9525">
+                <a14:hiddenLine xmlns="" xmlns:a14="http://schemas.microsoft.com/office/drawing/2010/main" w="9525">
                   <a:solidFill>
                     <a:srgbClr val="000000"/>
                   </a:solidFill>
@@ -3897,7 +3897,7 @@
             </a:ln>
             <a:extLst>
               <a:ext uri="{91240B29-F687-4f45-9708-019B960494DF}">
-                <a14:hiddenLine xmlns:a14="http://schemas.microsoft.com/office/drawing/2010/main" xmlns="" w="9525">
+                <a14:hiddenLine xmlns="" xmlns:a14="http://schemas.microsoft.com/office/drawing/2010/main" w="9525">
                   <a:solidFill>
                     <a:srgbClr val="000000"/>
                   </a:solidFill>
@@ -3987,7 +3987,7 @@
             </a:ln>
             <a:extLst>
               <a:ext uri="{91240B29-F687-4f45-9708-019B960494DF}">
-                <a14:hiddenLine xmlns:a14="http://schemas.microsoft.com/office/drawing/2010/main" xmlns="" w="9525">
+                <a14:hiddenLine xmlns="" xmlns:a14="http://schemas.microsoft.com/office/drawing/2010/main" w="9525">
                   <a:solidFill>
                     <a:srgbClr val="000000"/>
                   </a:solidFill>
@@ -4052,7 +4052,7 @@
             </a:ln>
             <a:extLst>
               <a:ext uri="{91240B29-F687-4f45-9708-019B960494DF}">
-                <a14:hiddenLine xmlns:a14="http://schemas.microsoft.com/office/drawing/2010/main" xmlns="" w="9525">
+                <a14:hiddenLine xmlns="" xmlns:a14="http://schemas.microsoft.com/office/drawing/2010/main" w="9525">
                   <a:solidFill>
                     <a:srgbClr val="000000"/>
                   </a:solidFill>
@@ -4114,7 +4114,7 @@
             </a:ln>
             <a:extLst>
               <a:ext uri="{91240B29-F687-4f45-9708-019B960494DF}">
-                <a14:hiddenLine xmlns:a14="http://schemas.microsoft.com/office/drawing/2010/main" xmlns="" w="9525">
+                <a14:hiddenLine xmlns="" xmlns:a14="http://schemas.microsoft.com/office/drawing/2010/main" w="9525">
                   <a:solidFill>
                     <a:srgbClr val="000000"/>
                   </a:solidFill>
@@ -4204,7 +4204,7 @@
             </a:ln>
             <a:extLst>
               <a:ext uri="{91240B29-F687-4f45-9708-019B960494DF}">
-                <a14:hiddenLine xmlns:a14="http://schemas.microsoft.com/office/drawing/2010/main" xmlns="" w="9525">
+                <a14:hiddenLine xmlns="" xmlns:a14="http://schemas.microsoft.com/office/drawing/2010/main" w="9525">
                   <a:solidFill>
                     <a:srgbClr val="000000"/>
                   </a:solidFill>
@@ -4294,7 +4294,7 @@
             </a:ln>
             <a:extLst>
               <a:ext uri="{91240B29-F687-4f45-9708-019B960494DF}">
-                <a14:hiddenLine xmlns:a14="http://schemas.microsoft.com/office/drawing/2010/main" xmlns="" w="9525">
+                <a14:hiddenLine xmlns="" xmlns:a14="http://schemas.microsoft.com/office/drawing/2010/main" w="9525">
                   <a:solidFill>
                     <a:srgbClr val="000000"/>
                   </a:solidFill>
@@ -4356,7 +4356,7 @@
             </a:ln>
             <a:extLst>
               <a:ext uri="{91240B29-F687-4f45-9708-019B960494DF}">
-                <a14:hiddenLine xmlns:a14="http://schemas.microsoft.com/office/drawing/2010/main" xmlns="" w="9525">
+                <a14:hiddenLine xmlns="" xmlns:a14="http://schemas.microsoft.com/office/drawing/2010/main" w="9525">
                   <a:solidFill>
                     <a:srgbClr val="000000"/>
                   </a:solidFill>
@@ -4476,7 +4476,7 @@
             </a:ln>
             <a:extLst>
               <a:ext uri="{91240B29-F687-4f45-9708-019B960494DF}">
-                <a14:hiddenLine xmlns:a14="http://schemas.microsoft.com/office/drawing/2010/main" xmlns="" w="9525">
+                <a14:hiddenLine xmlns="" xmlns:a14="http://schemas.microsoft.com/office/drawing/2010/main" w="9525">
                   <a:solidFill>
                     <a:srgbClr val="000000"/>
                   </a:solidFill>
@@ -4544,7 +4544,7 @@
             </a:ln>
             <a:extLst>
               <a:ext uri="{91240B29-F687-4f45-9708-019B960494DF}">
-                <a14:hiddenLine xmlns:a14="http://schemas.microsoft.com/office/drawing/2010/main" xmlns="" w="9525">
+                <a14:hiddenLine xmlns="" xmlns:a14="http://schemas.microsoft.com/office/drawing/2010/main" w="9525">
                   <a:solidFill>
                     <a:srgbClr val="000000"/>
                   </a:solidFill>
@@ -4634,7 +4634,7 @@
             </a:ln>
             <a:extLst>
               <a:ext uri="{91240B29-F687-4f45-9708-019B960494DF}">
-                <a14:hiddenLine xmlns:a14="http://schemas.microsoft.com/office/drawing/2010/main" xmlns="" w="9525">
+                <a14:hiddenLine xmlns="" xmlns:a14="http://schemas.microsoft.com/office/drawing/2010/main" w="9525">
                   <a:solidFill>
                     <a:srgbClr val="000000"/>
                   </a:solidFill>
@@ -4774,7 +4774,7 @@
           <a:p>
             <a:fld id="{F60ADE25-4E02-48E0-AFE9-3411F74CA5F8}" type="datetime1">
               <a:rPr lang="en-US" smtClean="0"/>
-              <a:t>4/13/23</a:t>
+              <a:t>4/13/2023</a:t>
             </a:fld>
             <a:endParaRPr lang="en-US"/>
           </a:p>
@@ -5041,7 +5041,7 @@
           <a:p>
             <a:fld id="{A37894F6-DAB0-483A-84FA-A27AC1C331C7}" type="datetime1">
               <a:rPr lang="en-US" smtClean="0"/>
-              <a:t>4/13/23</a:t>
+              <a:t>4/13/2023</a:t>
             </a:fld>
             <a:endParaRPr lang="en-US"/>
           </a:p>
@@ -5238,7 +5238,7 @@
           <a:p>
             <a:fld id="{A37894F6-DAB0-483A-84FA-A27AC1C331C7}" type="datetime1">
               <a:rPr lang="en-US" smtClean="0"/>
-              <a:t>4/13/23</a:t>
+              <a:t>4/13/2023</a:t>
             </a:fld>
             <a:endParaRPr lang="en-US"/>
           </a:p>
@@ -5502,7 +5502,7 @@
           <a:p>
             <a:fld id="{A37894F6-DAB0-483A-84FA-A27AC1C331C7}" type="datetime1">
               <a:rPr lang="en-US" smtClean="0"/>
-              <a:t>4/13/23</a:t>
+              <a:t>4/13/2023</a:t>
             </a:fld>
             <a:endParaRPr lang="en-US"/>
           </a:p>
@@ -5937,7 +5937,7 @@
           <a:p>
             <a:fld id="{A37894F6-DAB0-483A-84FA-A27AC1C331C7}" type="datetime1">
               <a:rPr lang="en-US" smtClean="0"/>
-              <a:t>4/13/23</a:t>
+              <a:t>4/13/2023</a:t>
             </a:fld>
             <a:endParaRPr lang="en-US"/>
           </a:p>
@@ -6484,7 +6484,7 @@
           <a:p>
             <a:fld id="{A37894F6-DAB0-483A-84FA-A27AC1C331C7}" type="datetime1">
               <a:rPr lang="en-US" smtClean="0"/>
-              <a:t>4/13/23</a:t>
+              <a:t>4/13/2023</a:t>
             </a:fld>
             <a:endParaRPr lang="en-US"/>
           </a:p>
@@ -7205,7 +7205,7 @@
           <a:p>
             <a:fld id="{A37894F6-DAB0-483A-84FA-A27AC1C331C7}" type="datetime1">
               <a:rPr lang="en-US" smtClean="0"/>
-              <a:t>4/13/23</a:t>
+              <a:t>4/13/2023</a:t>
             </a:fld>
             <a:endParaRPr lang="en-US"/>
           </a:p>
@@ -7376,7 +7376,7 @@
           <a:p>
             <a:fld id="{36751BF7-E373-4518-8D94-9650E5D29367}" type="datetime1">
               <a:rPr lang="en-US" smtClean="0"/>
-              <a:t>4/13/23</a:t>
+              <a:t>4/13/2023</a:t>
             </a:fld>
             <a:endParaRPr lang="en-US"/>
           </a:p>
@@ -7556,7 +7556,7 @@
           <a:p>
             <a:fld id="{EB78F096-A5D6-4336-ADD9-730F0CCDF58D}" type="datetime1">
               <a:rPr lang="en-US" smtClean="0"/>
-              <a:t>4/13/23</a:t>
+              <a:t>4/13/2023</a:t>
             </a:fld>
             <a:endParaRPr lang="en-US"/>
           </a:p>
@@ -7726,7 +7726,7 @@
           <a:p>
             <a:fld id="{FE0D573B-62FE-4A9E-A4F2-BE09300D6C96}" type="datetime1">
               <a:rPr lang="en-US" smtClean="0"/>
-              <a:t>4/13/23</a:t>
+              <a:t>4/13/2023</a:t>
             </a:fld>
             <a:endParaRPr lang="en-US"/>
           </a:p>
@@ -7976,7 +7976,7 @@
           <a:p>
             <a:fld id="{C297B390-2396-4BEF-BE00-6EE6D2496BF2}" type="datetime1">
               <a:rPr lang="en-US" smtClean="0"/>
-              <a:t>4/13/23</a:t>
+              <a:t>4/13/2023</a:t>
             </a:fld>
             <a:endParaRPr lang="en-US"/>
           </a:p>
@@ -8208,7 +8208,7 @@
           <a:p>
             <a:fld id="{E631B17C-F66C-4177-A3BA-56A80682F604}" type="datetime1">
               <a:rPr lang="en-US" smtClean="0"/>
-              <a:t>4/13/23</a:t>
+              <a:t>4/13/2023</a:t>
             </a:fld>
             <a:endParaRPr lang="en-US"/>
           </a:p>
@@ -8589,7 +8589,7 @@
           <a:p>
             <a:fld id="{EE482F9E-F235-4D8E-808E-21744C9BCFEA}" type="datetime1">
               <a:rPr lang="en-US" smtClean="0"/>
-              <a:t>4/13/23</a:t>
+              <a:t>4/13/2023</a:t>
             </a:fld>
             <a:endParaRPr lang="en-US"/>
           </a:p>
@@ -8707,7 +8707,7 @@
           <a:p>
             <a:fld id="{A93C8557-D81E-4332-ACAB-F320FB2F6284}" type="datetime1">
               <a:rPr lang="en-US" smtClean="0"/>
-              <a:t>4/13/23</a:t>
+              <a:t>4/13/2023</a:t>
             </a:fld>
             <a:endParaRPr lang="en-US"/>
           </a:p>
@@ -8802,7 +8802,7 @@
           <a:p>
             <a:fld id="{EB12948F-F3C5-4603-8BED-1D1D42850CE0}" type="datetime1">
               <a:rPr lang="en-US" smtClean="0"/>
-              <a:t>4/13/23</a:t>
+              <a:t>4/13/2023</a:t>
             </a:fld>
             <a:endParaRPr lang="en-US"/>
           </a:p>
@@ -9051,7 +9051,7 @@
           <a:p>
             <a:fld id="{B2D01129-2DB7-473B-95AB-1BB5125E5305}" type="datetime1">
               <a:rPr lang="en-US" smtClean="0"/>
-              <a:t>4/13/23</a:t>
+              <a:t>4/13/2023</a:t>
             </a:fld>
             <a:endParaRPr lang="en-US"/>
           </a:p>
@@ -9331,7 +9331,7 @@
           <a:p>
             <a:fld id="{B75189D5-F076-46D6-8768-312AB5BE8EAB}" type="datetime1">
               <a:rPr lang="en-US" smtClean="0"/>
-              <a:t>4/13/23</a:t>
+              <a:t>4/13/2023</a:t>
             </a:fld>
             <a:endParaRPr lang="en-US"/>
           </a:p>
@@ -9454,7 +9454,7 @@
           <a:noFill/>
           <a:extLst>
             <a:ext uri="{909E8E84-426E-40dd-AFC4-6F175D3DCCD1}">
-              <a14:hiddenFill xmlns:a14="http://schemas.microsoft.com/office/drawing/2010/main" xmlns="">
+              <a14:hiddenFill xmlns="" xmlns:a14="http://schemas.microsoft.com/office/drawing/2010/main">
                 <a:solidFill>
                   <a:srgbClr val="FFFFFF"/>
                 </a:solidFill>
@@ -9528,7 +9528,7 @@
               </a:ln>
               <a:extLst>
                 <a:ext uri="{91240B29-F687-4f45-9708-019B960494DF}">
-                  <a14:hiddenLine xmlns:a14="http://schemas.microsoft.com/office/drawing/2010/main" xmlns="" w="9525">
+                  <a14:hiddenLine xmlns="" xmlns:a14="http://schemas.microsoft.com/office/drawing/2010/main" w="9525">
                     <a:solidFill>
                       <a:srgbClr val="000000"/>
                     </a:solidFill>
@@ -9618,7 +9618,7 @@
               </a:ln>
               <a:extLst>
                 <a:ext uri="{91240B29-F687-4f45-9708-019B960494DF}">
-                  <a14:hiddenLine xmlns:a14="http://schemas.microsoft.com/office/drawing/2010/main" xmlns="" w="9525">
+                  <a14:hiddenLine xmlns="" xmlns:a14="http://schemas.microsoft.com/office/drawing/2010/main" w="9525">
                     <a:solidFill>
                       <a:srgbClr val="000000"/>
                     </a:solidFill>
@@ -9708,7 +9708,7 @@
               </a:ln>
               <a:extLst>
                 <a:ext uri="{91240B29-F687-4f45-9708-019B960494DF}">
-                  <a14:hiddenLine xmlns:a14="http://schemas.microsoft.com/office/drawing/2010/main" xmlns="" w="9525">
+                  <a14:hiddenLine xmlns="" xmlns:a14="http://schemas.microsoft.com/office/drawing/2010/main" w="9525">
                     <a:solidFill>
                       <a:srgbClr val="000000"/>
                     </a:solidFill>
@@ -9770,7 +9770,7 @@
               </a:ln>
               <a:extLst>
                 <a:ext uri="{91240B29-F687-4f45-9708-019B960494DF}">
-                  <a14:hiddenLine xmlns:a14="http://schemas.microsoft.com/office/drawing/2010/main" xmlns="" w="9525">
+                  <a14:hiddenLine xmlns="" xmlns:a14="http://schemas.microsoft.com/office/drawing/2010/main" w="9525">
                     <a:solidFill>
                       <a:srgbClr val="000000"/>
                     </a:solidFill>
@@ -9860,7 +9860,7 @@
               </a:ln>
               <a:extLst>
                 <a:ext uri="{91240B29-F687-4f45-9708-019B960494DF}">
-                  <a14:hiddenLine xmlns:a14="http://schemas.microsoft.com/office/drawing/2010/main" xmlns="" w="9525">
+                  <a14:hiddenLine xmlns="" xmlns:a14="http://schemas.microsoft.com/office/drawing/2010/main" w="9525">
                     <a:solidFill>
                       <a:srgbClr val="000000"/>
                     </a:solidFill>
@@ -9922,7 +9922,7 @@
               </a:ln>
               <a:extLst>
                 <a:ext uri="{91240B29-F687-4f45-9708-019B960494DF}">
-                  <a14:hiddenLine xmlns:a14="http://schemas.microsoft.com/office/drawing/2010/main" xmlns="" w="9525">
+                  <a14:hiddenLine xmlns="" xmlns:a14="http://schemas.microsoft.com/office/drawing/2010/main" w="9525">
                     <a:solidFill>
                       <a:srgbClr val="000000"/>
                     </a:solidFill>
@@ -9984,7 +9984,7 @@
               </a:ln>
               <a:extLst>
                 <a:ext uri="{91240B29-F687-4f45-9708-019B960494DF}">
-                  <a14:hiddenLine xmlns:a14="http://schemas.microsoft.com/office/drawing/2010/main" xmlns="" w="9525">
+                  <a14:hiddenLine xmlns="" xmlns:a14="http://schemas.microsoft.com/office/drawing/2010/main" w="9525">
                     <a:solidFill>
                       <a:srgbClr val="000000"/>
                     </a:solidFill>
@@ -10074,7 +10074,7 @@
               </a:ln>
               <a:extLst>
                 <a:ext uri="{91240B29-F687-4f45-9708-019B960494DF}">
-                  <a14:hiddenLine xmlns:a14="http://schemas.microsoft.com/office/drawing/2010/main" xmlns="" w="9525">
+                  <a14:hiddenLine xmlns="" xmlns:a14="http://schemas.microsoft.com/office/drawing/2010/main" w="9525">
                     <a:solidFill>
                       <a:srgbClr val="000000"/>
                     </a:solidFill>
@@ -10164,7 +10164,7 @@
               </a:ln>
               <a:extLst>
                 <a:ext uri="{91240B29-F687-4f45-9708-019B960494DF}">
-                  <a14:hiddenLine xmlns:a14="http://schemas.microsoft.com/office/drawing/2010/main" xmlns="" w="9525">
+                  <a14:hiddenLine xmlns="" xmlns:a14="http://schemas.microsoft.com/office/drawing/2010/main" w="9525">
                     <a:solidFill>
                       <a:srgbClr val="000000"/>
                     </a:solidFill>
@@ -10226,7 +10226,7 @@
               </a:ln>
               <a:extLst>
                 <a:ext uri="{91240B29-F687-4f45-9708-019B960494DF}">
-                  <a14:hiddenLine xmlns:a14="http://schemas.microsoft.com/office/drawing/2010/main" xmlns="" w="9525">
+                  <a14:hiddenLine xmlns="" xmlns:a14="http://schemas.microsoft.com/office/drawing/2010/main" w="9525">
                     <a:solidFill>
                       <a:srgbClr val="000000"/>
                     </a:solidFill>
@@ -10336,7 +10336,7 @@
               </a:ln>
               <a:extLst>
                 <a:ext uri="{91240B29-F687-4f45-9708-019B960494DF}">
-                  <a14:hiddenLine xmlns:a14="http://schemas.microsoft.com/office/drawing/2010/main" xmlns="" w="9525">
+                  <a14:hiddenLine xmlns="" xmlns:a14="http://schemas.microsoft.com/office/drawing/2010/main" w="9525">
                     <a:solidFill>
                       <a:srgbClr val="000000"/>
                     </a:solidFill>
@@ -10420,7 +10420,7 @@
               </a:ln>
               <a:extLst>
                 <a:ext uri="{91240B29-F687-4f45-9708-019B960494DF}">
-                  <a14:hiddenLine xmlns:a14="http://schemas.microsoft.com/office/drawing/2010/main" xmlns="" w="9525">
+                  <a14:hiddenLine xmlns="" xmlns:a14="http://schemas.microsoft.com/office/drawing/2010/main" w="9525">
                     <a:solidFill>
                       <a:srgbClr val="000000"/>
                     </a:solidFill>
@@ -10482,7 +10482,7 @@
               </a:ln>
               <a:extLst>
                 <a:ext uri="{91240B29-F687-4f45-9708-019B960494DF}">
-                  <a14:hiddenLine xmlns:a14="http://schemas.microsoft.com/office/drawing/2010/main" xmlns="" w="9525">
+                  <a14:hiddenLine xmlns="" xmlns:a14="http://schemas.microsoft.com/office/drawing/2010/main" w="9525">
                     <a:solidFill>
                       <a:srgbClr val="000000"/>
                     </a:solidFill>
@@ -10544,7 +10544,7 @@
               </a:ln>
               <a:extLst>
                 <a:ext uri="{91240B29-F687-4f45-9708-019B960494DF}">
-                  <a14:hiddenLine xmlns:a14="http://schemas.microsoft.com/office/drawing/2010/main" xmlns="" w="9525">
+                  <a14:hiddenLine xmlns="" xmlns:a14="http://schemas.microsoft.com/office/drawing/2010/main" w="9525">
                     <a:solidFill>
                       <a:srgbClr val="000000"/>
                     </a:solidFill>
@@ -10634,7 +10634,7 @@
               </a:ln>
               <a:extLst>
                 <a:ext uri="{91240B29-F687-4f45-9708-019B960494DF}">
-                  <a14:hiddenLine xmlns:a14="http://schemas.microsoft.com/office/drawing/2010/main" xmlns="" w="9525">
+                  <a14:hiddenLine xmlns="" xmlns:a14="http://schemas.microsoft.com/office/drawing/2010/main" w="9525">
                     <a:solidFill>
                       <a:srgbClr val="000000"/>
                     </a:solidFill>
@@ -10668,7 +10668,7 @@
               </a:ln>
               <a:extLst>
                 <a:ext uri="{91240B29-F687-4f45-9708-019B960494DF}">
-                  <a14:hiddenLine xmlns:a14="http://schemas.microsoft.com/office/drawing/2010/main" xmlns="" w="9525">
+                  <a14:hiddenLine xmlns="" xmlns:a14="http://schemas.microsoft.com/office/drawing/2010/main" w="9525">
                     <a:solidFill>
                       <a:srgbClr val="000000"/>
                     </a:solidFill>
@@ -10733,7 +10733,7 @@
               </a:ln>
               <a:extLst>
                 <a:ext uri="{91240B29-F687-4f45-9708-019B960494DF}">
-                  <a14:hiddenLine xmlns:a14="http://schemas.microsoft.com/office/drawing/2010/main" xmlns="" w="9525">
+                  <a14:hiddenLine xmlns="" xmlns:a14="http://schemas.microsoft.com/office/drawing/2010/main" w="9525">
                     <a:solidFill>
                       <a:srgbClr val="000000"/>
                     </a:solidFill>
@@ -10823,7 +10823,7 @@
               </a:ln>
               <a:extLst>
                 <a:ext uri="{91240B29-F687-4f45-9708-019B960494DF}">
-                  <a14:hiddenLine xmlns:a14="http://schemas.microsoft.com/office/drawing/2010/main" xmlns="" w="9525">
+                  <a14:hiddenLine xmlns="" xmlns:a14="http://schemas.microsoft.com/office/drawing/2010/main" w="9525">
                     <a:solidFill>
                       <a:srgbClr val="000000"/>
                     </a:solidFill>
@@ -10885,7 +10885,7 @@
               </a:ln>
               <a:extLst>
                 <a:ext uri="{91240B29-F687-4f45-9708-019B960494DF}">
-                  <a14:hiddenLine xmlns:a14="http://schemas.microsoft.com/office/drawing/2010/main" xmlns="" w="9525">
+                  <a14:hiddenLine xmlns="" xmlns:a14="http://schemas.microsoft.com/office/drawing/2010/main" w="9525">
                     <a:solidFill>
                       <a:srgbClr val="000000"/>
                     </a:solidFill>
@@ -10975,7 +10975,7 @@
               </a:ln>
               <a:extLst>
                 <a:ext uri="{91240B29-F687-4f45-9708-019B960494DF}">
-                  <a14:hiddenLine xmlns:a14="http://schemas.microsoft.com/office/drawing/2010/main" xmlns="" w="9525">
+                  <a14:hiddenLine xmlns="" xmlns:a14="http://schemas.microsoft.com/office/drawing/2010/main" w="9525">
                     <a:solidFill>
                       <a:srgbClr val="000000"/>
                     </a:solidFill>
@@ -11040,7 +11040,7 @@
               </a:ln>
               <a:extLst>
                 <a:ext uri="{91240B29-F687-4f45-9708-019B960494DF}">
-                  <a14:hiddenLine xmlns:a14="http://schemas.microsoft.com/office/drawing/2010/main" xmlns="" w="9525">
+                  <a14:hiddenLine xmlns="" xmlns:a14="http://schemas.microsoft.com/office/drawing/2010/main" w="9525">
                     <a:solidFill>
                       <a:srgbClr val="000000"/>
                     </a:solidFill>
@@ -11102,7 +11102,7 @@
               </a:ln>
               <a:extLst>
                 <a:ext uri="{91240B29-F687-4f45-9708-019B960494DF}">
-                  <a14:hiddenLine xmlns:a14="http://schemas.microsoft.com/office/drawing/2010/main" xmlns="" w="9525">
+                  <a14:hiddenLine xmlns="" xmlns:a14="http://schemas.microsoft.com/office/drawing/2010/main" w="9525">
                     <a:solidFill>
                       <a:srgbClr val="000000"/>
                     </a:solidFill>
@@ -11192,7 +11192,7 @@
               </a:ln>
               <a:extLst>
                 <a:ext uri="{91240B29-F687-4f45-9708-019B960494DF}">
-                  <a14:hiddenLine xmlns:a14="http://schemas.microsoft.com/office/drawing/2010/main" xmlns="" w="9525">
+                  <a14:hiddenLine xmlns="" xmlns:a14="http://schemas.microsoft.com/office/drawing/2010/main" w="9525">
                     <a:solidFill>
                       <a:srgbClr val="000000"/>
                     </a:solidFill>
@@ -11282,7 +11282,7 @@
               </a:ln>
               <a:extLst>
                 <a:ext uri="{91240B29-F687-4f45-9708-019B960494DF}">
-                  <a14:hiddenLine xmlns:a14="http://schemas.microsoft.com/office/drawing/2010/main" xmlns="" w="9525">
+                  <a14:hiddenLine xmlns="" xmlns:a14="http://schemas.microsoft.com/office/drawing/2010/main" w="9525">
                     <a:solidFill>
                       <a:srgbClr val="000000"/>
                     </a:solidFill>
@@ -11347,7 +11347,7 @@
               </a:ln>
               <a:extLst>
                 <a:ext uri="{91240B29-F687-4f45-9708-019B960494DF}">
-                  <a14:hiddenLine xmlns:a14="http://schemas.microsoft.com/office/drawing/2010/main" xmlns="" w="9525">
+                  <a14:hiddenLine xmlns="" xmlns:a14="http://schemas.microsoft.com/office/drawing/2010/main" w="9525">
                     <a:solidFill>
                       <a:srgbClr val="000000"/>
                     </a:solidFill>
@@ -11467,7 +11467,7 @@
               </a:ln>
               <a:extLst>
                 <a:ext uri="{91240B29-F687-4f45-9708-019B960494DF}">
-                  <a14:hiddenLine xmlns:a14="http://schemas.microsoft.com/office/drawing/2010/main" xmlns="" w="9525">
+                  <a14:hiddenLine xmlns="" xmlns:a14="http://schemas.microsoft.com/office/drawing/2010/main" w="9525">
                     <a:solidFill>
                       <a:srgbClr val="000000"/>
                     </a:solidFill>
@@ -11548,7 +11548,7 @@
               </a:ln>
               <a:extLst>
                 <a:ext uri="{91240B29-F687-4f45-9708-019B960494DF}">
-                  <a14:hiddenLine xmlns:a14="http://schemas.microsoft.com/office/drawing/2010/main" xmlns="" w="9525">
+                  <a14:hiddenLine xmlns="" xmlns:a14="http://schemas.microsoft.com/office/drawing/2010/main" w="9525">
                     <a:solidFill>
                       <a:srgbClr val="000000"/>
                     </a:solidFill>
@@ -11663,7 +11663,7 @@
               </a:ln>
               <a:extLst>
                 <a:ext uri="{91240B29-F687-4f45-9708-019B960494DF}">
-                  <a14:hiddenLine xmlns:a14="http://schemas.microsoft.com/office/drawing/2010/main" xmlns="" w="9525">
+                  <a14:hiddenLine xmlns="" xmlns:a14="http://schemas.microsoft.com/office/drawing/2010/main" w="9525">
                     <a:solidFill>
                       <a:srgbClr val="000000"/>
                     </a:solidFill>
@@ -11753,7 +11753,7 @@
               </a:ln>
               <a:extLst>
                 <a:ext uri="{91240B29-F687-4f45-9708-019B960494DF}">
-                  <a14:hiddenLine xmlns:a14="http://schemas.microsoft.com/office/drawing/2010/main" xmlns="" w="9525">
+                  <a14:hiddenLine xmlns="" xmlns:a14="http://schemas.microsoft.com/office/drawing/2010/main" w="9525">
                     <a:solidFill>
                       <a:srgbClr val="000000"/>
                     </a:solidFill>
@@ -11818,7 +11818,7 @@
               </a:ln>
               <a:extLst>
                 <a:ext uri="{91240B29-F687-4f45-9708-019B960494DF}">
-                  <a14:hiddenLine xmlns:a14="http://schemas.microsoft.com/office/drawing/2010/main" xmlns="" w="9525">
+                  <a14:hiddenLine xmlns="" xmlns:a14="http://schemas.microsoft.com/office/drawing/2010/main" w="9525">
                     <a:solidFill>
                       <a:srgbClr val="000000"/>
                     </a:solidFill>
@@ -11908,7 +11908,7 @@
               </a:ln>
               <a:extLst>
                 <a:ext uri="{91240B29-F687-4f45-9708-019B960494DF}">
-                  <a14:hiddenLine xmlns:a14="http://schemas.microsoft.com/office/drawing/2010/main" xmlns="" w="9525">
+                  <a14:hiddenLine xmlns="" xmlns:a14="http://schemas.microsoft.com/office/drawing/2010/main" w="9525">
                     <a:solidFill>
                       <a:srgbClr val="000000"/>
                     </a:solidFill>
@@ -11976,7 +11976,7 @@
               </a:ln>
               <a:extLst>
                 <a:ext uri="{91240B29-F687-4f45-9708-019B960494DF}">
-                  <a14:hiddenLine xmlns:a14="http://schemas.microsoft.com/office/drawing/2010/main" xmlns="" w="9525">
+                  <a14:hiddenLine xmlns="" xmlns:a14="http://schemas.microsoft.com/office/drawing/2010/main" w="9525">
                     <a:solidFill>
                       <a:srgbClr val="000000"/>
                     </a:solidFill>
@@ -12066,7 +12066,7 @@
               </a:ln>
               <a:extLst>
                 <a:ext uri="{91240B29-F687-4f45-9708-019B960494DF}">
-                  <a14:hiddenLine xmlns:a14="http://schemas.microsoft.com/office/drawing/2010/main" xmlns="" w="9525">
+                  <a14:hiddenLine xmlns="" xmlns:a14="http://schemas.microsoft.com/office/drawing/2010/main" w="9525">
                     <a:solidFill>
                       <a:srgbClr val="000000"/>
                     </a:solidFill>
@@ -12134,7 +12134,7 @@
               </a:ln>
               <a:extLst>
                 <a:ext uri="{91240B29-F687-4f45-9708-019B960494DF}">
-                  <a14:hiddenLine xmlns:a14="http://schemas.microsoft.com/office/drawing/2010/main" xmlns="" w="9525">
+                  <a14:hiddenLine xmlns="" xmlns:a14="http://schemas.microsoft.com/office/drawing/2010/main" w="9525">
                     <a:solidFill>
                       <a:srgbClr val="000000"/>
                     </a:solidFill>
@@ -12224,7 +12224,7 @@
               </a:ln>
               <a:extLst>
                 <a:ext uri="{91240B29-F687-4f45-9708-019B960494DF}">
-                  <a14:hiddenLine xmlns:a14="http://schemas.microsoft.com/office/drawing/2010/main" xmlns="" w="9525">
+                  <a14:hiddenLine xmlns="" xmlns:a14="http://schemas.microsoft.com/office/drawing/2010/main" w="9525">
                     <a:solidFill>
                       <a:srgbClr val="000000"/>
                     </a:solidFill>
@@ -12258,7 +12258,7 @@
               </a:ln>
               <a:extLst>
                 <a:ext uri="{91240B29-F687-4f45-9708-019B960494DF}">
-                  <a14:hiddenLine xmlns:a14="http://schemas.microsoft.com/office/drawing/2010/main" xmlns="" w="9525">
+                  <a14:hiddenLine xmlns="" xmlns:a14="http://schemas.microsoft.com/office/drawing/2010/main" w="9525">
                     <a:solidFill>
                       <a:srgbClr val="000000"/>
                     </a:solidFill>
@@ -12398,7 +12398,7 @@
           <a:p>
             <a:fld id="{A37894F6-DAB0-483A-84FA-A27AC1C331C7}" type="datetime1">
               <a:rPr lang="en-US" smtClean="0"/>
-              <a:t>4/13/23</a:t>
+              <a:t>4/13/2023</a:t>
             </a:fld>
             <a:endParaRPr lang="en-US"/>
           </a:p>
@@ -17602,7 +17602,7 @@
         </p:nvSpPr>
         <p:spPr>
           <a:xfrm>
-            <a:off x="7593149" y="4100310"/>
+            <a:off x="7593149" y="3860605"/>
             <a:ext cx="3655619" cy="1140825"/>
           </a:xfrm>
           <a:prstGeom prst="rect">
@@ -17646,8 +17646,8 @@
           </a:p>
         </p:txBody>
       </p:sp>
-      <mc:AlternateContent xmlns:mc="http://schemas.openxmlformats.org/markup-compatibility/2006" xmlns:a14="http://schemas.microsoft.com/office/drawing/2010/main">
-        <mc:Choice Requires="a14">
+      <mc:AlternateContent xmlns:mc="http://schemas.openxmlformats.org/markup-compatibility/2006">
+        <mc:Choice xmlns:a14="http://schemas.microsoft.com/office/drawing/2010/main" Requires="a14">
           <p:sp>
             <p:nvSpPr>
               <p:cNvPr id="11" name="TextBox 10">
@@ -17662,7 +17662,7 @@
             </p:nvSpPr>
             <p:spPr>
               <a:xfrm>
-                <a:off x="7593149" y="2486861"/>
+                <a:off x="7593149" y="2247156"/>
                 <a:ext cx="3586366" cy="890821"/>
               </a:xfrm>
               <a:prstGeom prst="rect">
@@ -17811,7 +17811,7 @@
             </p:txBody>
           </p:sp>
         </mc:Choice>
-        <mc:Fallback xmlns="">
+        <mc:Fallback>
           <p:sp>
             <p:nvSpPr>
               <p:cNvPr id="11" name="TextBox 10">
@@ -17828,7 +17828,7 @@
             </p:nvSpPr>
             <p:spPr>
               <a:xfrm>
-                <a:off x="7593149" y="2486861"/>
+                <a:off x="7593149" y="2247156"/>
                 <a:ext cx="3586366" cy="890821"/>
               </a:xfrm>
               <a:prstGeom prst="rect">
@@ -17884,8 +17884,38 @@
         </p:blipFill>
         <p:spPr>
           <a:xfrm>
-            <a:off x="1427584" y="1938795"/>
+            <a:off x="1427584" y="1805625"/>
             <a:ext cx="5527027" cy="3678332"/>
+          </a:xfrm>
+          <a:prstGeom prst="rect">
+            <a:avLst/>
+          </a:prstGeom>
+        </p:spPr>
+      </p:pic>
+      <p:pic>
+        <p:nvPicPr>
+          <p:cNvPr id="5" name="Picture 4">
+            <a:extLst>
+              <a:ext uri="{FF2B5EF4-FFF2-40B4-BE49-F238E27FC236}">
+                <a16:creationId xmlns:a16="http://schemas.microsoft.com/office/drawing/2014/main" id="{104E9E72-9058-933C-2C62-26445437CD00}"/>
+              </a:ext>
+            </a:extLst>
+          </p:cNvPr>
+          <p:cNvPicPr>
+            <a:picLocks noChangeAspect="1"/>
+          </p:cNvPicPr>
+          <p:nvPr/>
+        </p:nvPicPr>
+        <p:blipFill>
+          <a:blip r:embed="rId4"/>
+          <a:stretch>
+            <a:fillRect/>
+          </a:stretch>
+        </p:blipFill>
+        <p:spPr>
+          <a:xfrm>
+            <a:off x="1583165" y="5944051"/>
+            <a:ext cx="9161368" cy="533367"/>
           </a:xfrm>
           <a:prstGeom prst="rect">
             <a:avLst/>
@@ -18042,7 +18072,7 @@
         </p:blipFill>
         <p:spPr>
           <a:xfrm>
-            <a:off x="2659537" y="1477995"/>
+            <a:off x="2659537" y="1433605"/>
             <a:ext cx="6872924" cy="5220548"/>
           </a:xfrm>
           <a:prstGeom prst="rect">
@@ -18350,8 +18380,8 @@
         </p:nvSpPr>
         <p:spPr>
           <a:xfrm>
-            <a:off x="7509176" y="3802943"/>
-            <a:ext cx="3655619" cy="1694823"/>
+            <a:off x="7509176" y="3562167"/>
+            <a:ext cx="4173838" cy="2248821"/>
           </a:xfrm>
           <a:prstGeom prst="rect">
             <a:avLst/>
@@ -18364,17 +18394,6 @@
           </a:bodyPr>
           <a:lstStyle/>
           <a:p>
-            <a:pPr rtl="0">
-              <a:lnSpc>
-                <a:spcPct val="150000"/>
-              </a:lnSpc>
-            </a:pPr>
-            <a:r>
-              <a:rPr lang="fr-FR" sz="2400"/>
-              <a:t>Classement :</a:t>
-            </a:r>
-          </a:p>
-          <a:p>
             <a:pPr marL="342900" indent="-342900" rtl="0">
               <a:lnSpc>
                 <a:spcPct val="150000"/>
@@ -18384,7 +18403,7 @@
             </a:pPr>
             <a:r>
               <a:rPr lang="fr-FR" sz="2400"/>
-              <a:t>nombre de mots-clés</a:t>
+              <a:t>Mesure importance des mots</a:t>
             </a:r>
           </a:p>
           <a:p>
@@ -18396,6 +18415,32 @@
               <a:buChar char="•"/>
             </a:pPr>
             <a:r>
+              <a:rPr lang="fr-FR" sz="2400"/>
+              <a:t>Classement :</a:t>
+            </a:r>
+          </a:p>
+          <a:p>
+            <a:pPr marL="800100" lvl="1" indent="-342900">
+              <a:lnSpc>
+                <a:spcPct val="150000"/>
+              </a:lnSpc>
+              <a:buFont typeface="Wingdings" panose="05000000000000000000" pitchFamily="2" charset="2"/>
+              <a:buChar char="Ø"/>
+            </a:pPr>
+            <a:r>
+              <a:rPr lang="fr-FR" sz="2400"/>
+              <a:t>nombre de mots-clés</a:t>
+            </a:r>
+          </a:p>
+          <a:p>
+            <a:pPr marL="800100" lvl="1" indent="-342900">
+              <a:lnSpc>
+                <a:spcPct val="150000"/>
+              </a:lnSpc>
+              <a:buFont typeface="Wingdings" panose="05000000000000000000" pitchFamily="2" charset="2"/>
+              <a:buChar char="Ø"/>
+            </a:pPr>
+            <a:r>
               <a:rPr lang="fr-FR" sz="2400" i="1">
                 <a:effectLst/>
               </a:rPr>
@@ -18404,8 +18449,8 @@
           </a:p>
         </p:txBody>
       </p:sp>
-      <mc:AlternateContent xmlns:mc="http://schemas.openxmlformats.org/markup-compatibility/2006" xmlns:a14="http://schemas.microsoft.com/office/drawing/2010/main">
-        <mc:Choice Requires="a14">
+      <mc:AlternateContent xmlns:mc="http://schemas.openxmlformats.org/markup-compatibility/2006">
+        <mc:Choice xmlns:a14="http://schemas.microsoft.com/office/drawing/2010/main" Requires="a14">
           <p:sp>
             <p:nvSpPr>
               <p:cNvPr id="11" name="TextBox 10">
@@ -18420,7 +18465,7 @@
             </p:nvSpPr>
             <p:spPr>
               <a:xfrm>
-                <a:off x="7509176" y="2330580"/>
+                <a:off x="7509176" y="2261945"/>
                 <a:ext cx="4256230" cy="926279"/>
               </a:xfrm>
               <a:prstGeom prst="rect">
@@ -18615,7 +18660,7 @@
             </p:txBody>
           </p:sp>
         </mc:Choice>
-        <mc:Fallback xmlns="">
+        <mc:Fallback>
           <p:sp>
             <p:nvSpPr>
               <p:cNvPr id="11" name="TextBox 10">
@@ -18632,7 +18677,7 @@
             </p:nvSpPr>
             <p:spPr>
               <a:xfrm>
-                <a:off x="7509176" y="2330580"/>
+                <a:off x="7509176" y="2261945"/>
                 <a:ext cx="4256230" cy="926279"/>
               </a:xfrm>
               <a:prstGeom prst="rect">
@@ -18687,7 +18732,7 @@
         </p:blipFill>
         <p:spPr>
           <a:xfrm>
-            <a:off x="943232" y="1884784"/>
+            <a:off x="943232" y="2017951"/>
             <a:ext cx="6334765" cy="3910349"/>
           </a:xfrm>
           <a:prstGeom prst="rect">
@@ -21442,7 +21487,7 @@
           </p:cNvPicPr>
           <p:nvPr/>
         </p:nvPicPr>
-        <p:blipFill>
+        <p:blipFill rotWithShape="1">
           <a:blip r:embed="rId2">
             <a:extLst>
               <a:ext uri="{28A0092B-C50C-407E-A947-70E740481C1C}">
@@ -21450,14 +21495,13 @@
               </a:ext>
             </a:extLst>
           </a:blip>
-          <a:stretch>
-            <a:fillRect/>
-          </a:stretch>
+          <a:srcRect l="10611" t="13787" r="6797" b="2458"/>
+          <a:stretch/>
         </p:blipFill>
         <p:spPr>
           <a:xfrm>
-            <a:off x="2527443" y="1277189"/>
-            <a:ext cx="7137114" cy="5352836"/>
+            <a:off x="2740240" y="1507388"/>
+            <a:ext cx="6711520" cy="5104393"/>
           </a:xfrm>
           <a:prstGeom prst="rect">
             <a:avLst/>
